--- a/Muthulakshmi_4026_GCE-tly.pptx
+++ b/Muthulakshmi_4026_GCE-tly.pptx
@@ -277,11 +277,33 @@
         </p15:guide>
       </p15:sldGuideLst>
     </p:ext>
-    <p:ext uri="GoogleSlidesCustomDataVersion2">
-      <go:slidesCustomData xmlns:go="http://customooxmlschemas.google.com/" r:id="rId23" roundtripDataSignature="AMtx7mhEOxPuhnr5rFHBopZIzsSqW8FS7Q=="/>
-    </p:ext>
   </p:extLst>
 </p:presentation>
+</file>
+
+<file path=ppt/presProps1.xml><?xml version="1.0" encoding="utf-8"?>
+<p:presentationPr xmlns:a="http://schemas.openxmlformats.org/drawingml/2006/main" xmlns:r="http://schemas.openxmlformats.org/officeDocument/2006/relationships" xmlns:mc="http://schemas.openxmlformats.org/markup-compatibility/2006" xmlns:mv="urn:schemas-microsoft-com:mac:vml" xmlns:p="http://schemas.openxmlformats.org/presentationml/2006/main" xmlns:c="http://schemas.openxmlformats.org/drawingml/2006/chart" xmlns:dgm="http://schemas.openxmlformats.org/drawingml/2006/diagram" xmlns:o="urn:schemas-microsoft-com:office:office" xmlns:v="urn:schemas-microsoft-com:vml" xmlns:pvml="urn:schemas-microsoft-com:office:powerpoint" xmlns:com="http://schemas.openxmlformats.org/drawingml/2006/compatibility" xmlns:p14="http://schemas.microsoft.com/office/powerpoint/2010/main" xmlns:p15="http://schemas.microsoft.com/office/powerpoint/2012/main" xmlns:ahyp="http://schemas.microsoft.com/office/drawing/2018/hyperlinkcolor"/>
+</file>
+
+<file path=ppt/viewProps1.xml><?xml version="1.0" encoding="utf-8"?>
+<p:viewPr xmlns:a="http://schemas.openxmlformats.org/drawingml/2006/main" xmlns:r="http://schemas.openxmlformats.org/officeDocument/2006/relationships" xmlns:mc="http://schemas.openxmlformats.org/markup-compatibility/2006" xmlns:mv="urn:schemas-microsoft-com:mac:vml" xmlns:p="http://schemas.openxmlformats.org/presentationml/2006/main" xmlns:c="http://schemas.openxmlformats.org/drawingml/2006/chart" xmlns:dgm="http://schemas.openxmlformats.org/drawingml/2006/diagram" xmlns:o="urn:schemas-microsoft-com:office:office" xmlns:v="urn:schemas-microsoft-com:vml" xmlns:pvml="urn:schemas-microsoft-com:office:powerpoint" xmlns:com="http://schemas.openxmlformats.org/drawingml/2006/compatibility" xmlns:p14="http://schemas.microsoft.com/office/powerpoint/2010/main" xmlns:p15="http://schemas.microsoft.com/office/powerpoint/2012/main" xmlns:ahyp="http://schemas.microsoft.com/office/drawing/2018/hyperlinkcolor" showComments="0">
+  <p:slideViewPr>
+    <p:cSldViewPr snapToGrid="0">
+      <p:cViewPr varScale="1">
+        <p:scale>
+          <a:sx n="100" d="100"/>
+          <a:sy n="100" d="100"/>
+        </p:scale>
+        <p:origin x="0" y="0"/>
+      </p:cViewPr>
+      <p:guideLst>
+        <p:guide pos="612" orient="horz"/>
+        <p:guide pos="144"/>
+        <p:guide pos="876" orient="horz"/>
+      </p:guideLst>
+    </p:cSldViewPr>
+  </p:slideViewPr>
+</p:viewPr>
 </file>
 
 <file path=ppt/notesMasters/notesMaster1.xml><?xml version="1.0" encoding="utf-8"?>
@@ -12207,7 +12229,7 @@
   <p:cSld>
     <p:spTree>
       <p:nvGrpSpPr>
-        <p:cNvPr id="61" name="Shape 61"/>
+        <p:cNvPr id="190" name="Shape 190"/>
         <p:cNvGrpSpPr/>
         <p:nvPr/>
       </p:nvGrpSpPr>
@@ -12221,7 +12243,7 @@
       </p:grpSpPr>
       <p:sp>
         <p:nvSpPr>
-          <p:cNvPr id="62" name="Google Shape;62;p5"/>
+          <p:cNvPr id="191" name="Google Shape;191;p1"/>
           <p:cNvSpPr/>
           <p:nvPr/>
         </p:nvSpPr>
@@ -12256,6 +12278,11 @@
               <a:spcAft>
                 <a:spcPts val="0"/>
               </a:spcAft>
+              <a:buClr>
+                <a:srgbClr val="000000"/>
+              </a:buClr>
+              <a:buSzPts val="1400"/>
+              <a:buFont typeface="Arial"/>
               <a:buNone/>
             </a:pPr>
             <a:r>
@@ -12275,7 +12302,7 @@
       </p:sp>
       <p:pic>
         <p:nvPicPr>
-          <p:cNvPr descr="A white circle in the sky&#10;&#10;Description automatically generated" id="63" name="Google Shape;63;p5"/>
+          <p:cNvPr descr="A white circle in the sky&#10;&#10;Description automatically generated" id="192" name="Google Shape;192;p1"/>
           <p:cNvPicPr preferRelativeResize="0"/>
           <p:nvPr/>
         </p:nvPicPr>
@@ -12283,7 +12310,7 @@
           <a:blip r:embed="rId3">
             <a:alphaModFix amt="5000"/>
           </a:blip>
-          <a:srcRect b="10205" l="0" r="745" t="5928"/>
+          <a:srcRect b="10206" l="0" r="744" t="5929"/>
           <a:stretch/>
         </p:blipFill>
         <p:spPr>
@@ -12302,14 +12329,14 @@
       </p:pic>
       <p:sp>
         <p:nvSpPr>
-          <p:cNvPr id="64" name="Google Shape;64;p5"/>
+          <p:cNvPr id="193" name="Google Shape;193;p1"/>
           <p:cNvSpPr/>
           <p:nvPr/>
         </p:nvSpPr>
         <p:spPr>
           <a:xfrm>
             <a:off x="1865074" y="730897"/>
-            <a:ext cx="6301139" cy="3966472"/>
+            <a:ext cx="6301200" cy="3966600"/>
           </a:xfrm>
           <a:prstGeom prst="rect">
             <a:avLst/>
@@ -12343,6 +12370,11 @@
               <a:spcAft>
                 <a:spcPts val="0"/>
               </a:spcAft>
+              <a:buClr>
+                <a:srgbClr val="000000"/>
+              </a:buClr>
+              <a:buSzPts val="1400"/>
+              <a:buFont typeface="Arial"/>
               <a:buNone/>
             </a:pPr>
             <a:r>
@@ -12362,14 +12394,14 @@
       </p:sp>
       <p:sp>
         <p:nvSpPr>
-          <p:cNvPr id="65" name="Google Shape;65;p5"/>
+          <p:cNvPr id="194" name="Google Shape;194;p1"/>
           <p:cNvSpPr/>
           <p:nvPr/>
         </p:nvSpPr>
         <p:spPr>
           <a:xfrm>
             <a:off x="988684" y="1023080"/>
-            <a:ext cx="6985193" cy="3451405"/>
+            <a:ext cx="6985200" cy="3451500"/>
           </a:xfrm>
           <a:prstGeom prst="rect">
             <a:avLst/>
@@ -12387,7 +12419,7 @@
             <a:tailEnd len="sm" w="sm" type="none"/>
           </a:ln>
           <a:effectLst>
-            <a:outerShdw blurRad="508000" sx="105000" rotWithShape="0" algn="ctr" sy="105000">
+            <a:outerShdw blurRad="508000" sx="104999" rotWithShape="0" algn="ctr" sy="104999">
               <a:srgbClr val="000000">
                 <a:alpha val="40000"/>
               </a:srgbClr>
@@ -12410,6 +12442,11 @@
               <a:spcAft>
                 <a:spcPts val="0"/>
               </a:spcAft>
+              <a:buClr>
+                <a:srgbClr val="000000"/>
+              </a:buClr>
+              <a:buSzPts val="1400"/>
+              <a:buFont typeface="Arial"/>
               <a:buNone/>
             </a:pPr>
             <a:r>
@@ -12429,14 +12466,14 @@
       </p:sp>
       <p:sp>
         <p:nvSpPr>
-          <p:cNvPr id="66" name="Google Shape;66;p5"/>
+          <p:cNvPr id="195" name="Google Shape;195;p1"/>
           <p:cNvSpPr/>
           <p:nvPr/>
         </p:nvSpPr>
         <p:spPr>
           <a:xfrm>
             <a:off x="2490558" y="2787442"/>
-            <a:ext cx="50564" cy="446915"/>
+            <a:ext cx="50700" cy="447000"/>
           </a:xfrm>
           <a:prstGeom prst="rect">
             <a:avLst/>
@@ -12470,6 +12507,11 @@
               <a:spcAft>
                 <a:spcPts val="0"/>
               </a:spcAft>
+              <a:buClr>
+                <a:srgbClr val="000000"/>
+              </a:buClr>
+              <a:buSzPts val="1400"/>
+              <a:buFont typeface="Arial"/>
               <a:buNone/>
             </a:pPr>
             <a:r>
@@ -12489,14 +12531,14 @@
       </p:sp>
       <p:sp>
         <p:nvSpPr>
-          <p:cNvPr id="67" name="Google Shape;67;p5"/>
+          <p:cNvPr id="196" name="Google Shape;196;p1"/>
           <p:cNvSpPr txBox="1"/>
           <p:nvPr/>
         </p:nvSpPr>
         <p:spPr>
           <a:xfrm>
             <a:off x="2029564" y="2248174"/>
-            <a:ext cx="5025352" cy="400110"/>
+            <a:ext cx="5025300" cy="400200"/>
           </a:xfrm>
           <a:prstGeom prst="rect">
             <a:avLst/>
@@ -12522,6 +12564,11 @@
               <a:spcAft>
                 <a:spcPts val="0"/>
               </a:spcAft>
+              <a:buClr>
+                <a:srgbClr val="000000"/>
+              </a:buClr>
+              <a:buSzPts val="2000"/>
+              <a:buFont typeface="Arial"/>
               <a:buNone/>
             </a:pPr>
             <a:r>
@@ -12536,20 +12583,28 @@
               </a:rPr>
               <a:t>NEXT GEN EMPLOYABILITY PROGRAM</a:t>
             </a:r>
-            <a:endParaRPr/>
+            <a:endParaRPr b="0" i="0" sz="1400" u="none" cap="none" strike="noStrike">
+              <a:solidFill>
+                <a:srgbClr val="000000"/>
+              </a:solidFill>
+              <a:latin typeface="Arial"/>
+              <a:ea typeface="Arial"/>
+              <a:cs typeface="Arial"/>
+              <a:sym typeface="Arial"/>
+            </a:endParaRPr>
           </a:p>
         </p:txBody>
       </p:sp>
       <p:sp>
         <p:nvSpPr>
-          <p:cNvPr id="68" name="Google Shape;68;p5"/>
+          <p:cNvPr id="197" name="Google Shape;197;p1"/>
           <p:cNvSpPr txBox="1"/>
           <p:nvPr/>
         </p:nvSpPr>
         <p:spPr>
           <a:xfrm>
             <a:off x="2541122" y="2795733"/>
-            <a:ext cx="4019698" cy="400110"/>
+            <a:ext cx="4019700" cy="400200"/>
           </a:xfrm>
           <a:prstGeom prst="rect">
             <a:avLst/>
@@ -12575,6 +12630,11 @@
               <a:spcAft>
                 <a:spcPts val="0"/>
               </a:spcAft>
+              <a:buClr>
+                <a:srgbClr val="000000"/>
+              </a:buClr>
+              <a:buSzPts val="2000"/>
+              <a:buFont typeface="Arial"/>
               <a:buNone/>
             </a:pPr>
             <a:r>
@@ -12589,20 +12649,28 @@
               </a:rPr>
               <a:t>Creating a future-ready workforce</a:t>
             </a:r>
-            <a:endParaRPr/>
+            <a:endParaRPr b="0" i="0" sz="1400" u="none" cap="none" strike="noStrike">
+              <a:solidFill>
+                <a:srgbClr val="000000"/>
+              </a:solidFill>
+              <a:latin typeface="Arial"/>
+              <a:ea typeface="Arial"/>
+              <a:cs typeface="Arial"/>
+              <a:sym typeface="Arial"/>
+            </a:endParaRPr>
           </a:p>
         </p:txBody>
       </p:sp>
       <p:sp>
         <p:nvSpPr>
-          <p:cNvPr id="69" name="Google Shape;69;p5"/>
+          <p:cNvPr id="198" name="Google Shape;198;p1"/>
           <p:cNvSpPr txBox="1"/>
           <p:nvPr/>
         </p:nvSpPr>
         <p:spPr>
           <a:xfrm>
             <a:off x="1003625" y="3642533"/>
-            <a:ext cx="1456920" cy="276959"/>
+            <a:ext cx="1456800" cy="276900"/>
           </a:xfrm>
           <a:prstGeom prst="rect">
             <a:avLst/>
@@ -12647,100 +12715,28 @@
               </a:rPr>
               <a:t>Team Members</a:t>
             </a:r>
-            <a:endParaRPr/>
-          </a:p>
-        </p:txBody>
-      </p:sp>
-      <p:sp>
-        <p:nvSpPr>
-          <p:cNvPr id="70" name="Google Shape;70;p5"/>
-          <p:cNvSpPr txBox="1"/>
-          <p:nvPr/>
-        </p:nvSpPr>
-        <p:spPr>
-          <a:xfrm>
-            <a:off x="1095095" y="3956068"/>
-            <a:ext cx="2095500" cy="625800"/>
-          </a:xfrm>
-          <a:prstGeom prst="rect">
-            <a:avLst/>
-          </a:prstGeom>
-          <a:noFill/>
-          <a:ln>
-            <a:noFill/>
-          </a:ln>
-        </p:spPr>
-        <p:txBody>
-          <a:bodyPr anchorCtr="0" anchor="t" bIns="45700" lIns="91425" spcFirstLastPara="1" rIns="91425" wrap="square" tIns="45700">
-            <a:spAutoFit/>
-          </a:bodyPr>
-          <a:lstStyle/>
-          <a:p>
-            <a:pPr indent="0" lvl="0" marL="0" marR="0" rtl="0" algn="l">
-              <a:lnSpc>
-                <a:spcPct val="100000"/>
-              </a:lnSpc>
-              <a:spcBef>
-                <a:spcPts val="0"/>
-              </a:spcBef>
-              <a:spcAft>
-                <a:spcPts val="0"/>
-              </a:spcAft>
-              <a:buNone/>
-            </a:pPr>
-            <a:r>
-              <a:rPr b="0" i="0" lang="en" sz="1100" u="none" cap="none" strike="noStrike">
-                <a:solidFill>
-                  <a:schemeClr val="dk1"/>
-                </a:solidFill>
-                <a:latin typeface="Arial"/>
-                <a:ea typeface="Arial"/>
-                <a:cs typeface="Arial"/>
-                <a:sym typeface="Arial"/>
-              </a:rPr>
-              <a:t>Student Name :Aockia Jeba Santhiya A</a:t>
-            </a:r>
-            <a:endParaRPr/>
-          </a:p>
-          <a:p>
-            <a:pPr indent="0" lvl="0" marL="0" marR="0" rtl="0" algn="l">
-              <a:lnSpc>
-                <a:spcPct val="100000"/>
-              </a:lnSpc>
-              <a:spcBef>
-                <a:spcPts val="200"/>
-              </a:spcBef>
-              <a:spcAft>
-                <a:spcPts val="0"/>
-              </a:spcAft>
-              <a:buNone/>
-            </a:pPr>
-            <a:r>
-              <a:rPr b="0" i="0" lang="en" sz="1100" u="none" cap="none" strike="noStrike">
-                <a:solidFill>
-                  <a:schemeClr val="dk1"/>
-                </a:solidFill>
-                <a:latin typeface="Arial"/>
-                <a:ea typeface="Arial"/>
-                <a:cs typeface="Arial"/>
-                <a:sym typeface="Arial"/>
-              </a:rPr>
-              <a:t>Student ID :950821104008</a:t>
-            </a:r>
-            <a:endParaRPr/>
+            <a:endParaRPr b="0" i="0" sz="1400" u="none" cap="none" strike="noStrike">
+              <a:solidFill>
+                <a:srgbClr val="000000"/>
+              </a:solidFill>
+              <a:latin typeface="Arial"/>
+              <a:ea typeface="Arial"/>
+              <a:cs typeface="Arial"/>
+              <a:sym typeface="Arial"/>
+            </a:endParaRPr>
           </a:p>
         </p:txBody>
       </p:sp>
       <p:cxnSp>
         <p:nvCxnSpPr>
-          <p:cNvPr id="71" name="Google Shape;71;p5"/>
+          <p:cNvPr id="199" name="Google Shape;199;p1"/>
           <p:cNvCxnSpPr/>
           <p:nvPr/>
         </p:nvCxnSpPr>
         <p:spPr>
           <a:xfrm>
             <a:off x="1100213" y="3919492"/>
-            <a:ext cx="1986613" cy="0"/>
+            <a:ext cx="1986600" cy="0"/>
           </a:xfrm>
           <a:prstGeom prst="straightConnector1">
             <a:avLst/>
@@ -12759,7 +12755,7 @@
       </p:cxnSp>
       <p:sp>
         <p:nvSpPr>
-          <p:cNvPr id="72" name="Google Shape;72;p5"/>
+          <p:cNvPr id="200" name="Google Shape;200;p1"/>
           <p:cNvSpPr txBox="1"/>
           <p:nvPr/>
         </p:nvSpPr>
@@ -12811,20 +12807,28 @@
               </a:rPr>
               <a:t>College Name</a:t>
             </a:r>
-            <a:endParaRPr/>
+            <a:endParaRPr b="0" i="0" sz="1400" u="none" cap="none" strike="noStrike">
+              <a:solidFill>
+                <a:srgbClr val="000000"/>
+              </a:solidFill>
+              <a:latin typeface="Arial"/>
+              <a:ea typeface="Arial"/>
+              <a:cs typeface="Arial"/>
+              <a:sym typeface="Arial"/>
+            </a:endParaRPr>
           </a:p>
         </p:txBody>
       </p:sp>
       <p:cxnSp>
         <p:nvCxnSpPr>
-          <p:cNvPr id="73" name="Google Shape;73;p5"/>
+          <p:cNvPr id="201" name="Google Shape;201;p1"/>
           <p:cNvCxnSpPr/>
           <p:nvPr/>
         </p:nvCxnSpPr>
         <p:spPr>
           <a:xfrm>
             <a:off x="5693065" y="3919492"/>
-            <a:ext cx="1360332" cy="0"/>
+            <a:ext cx="1360200" cy="0"/>
           </a:xfrm>
           <a:prstGeom prst="straightConnector1">
             <a:avLst/>
@@ -12843,14 +12847,14 @@
       </p:cxnSp>
       <p:sp>
         <p:nvSpPr>
-          <p:cNvPr id="74" name="Google Shape;74;p5"/>
+          <p:cNvPr id="202" name="Google Shape;202;p1"/>
           <p:cNvSpPr txBox="1"/>
           <p:nvPr/>
         </p:nvSpPr>
         <p:spPr>
           <a:xfrm>
             <a:off x="5693356" y="3956068"/>
-            <a:ext cx="2095554" cy="261610"/>
+            <a:ext cx="2095500" cy="261600"/>
           </a:xfrm>
           <a:prstGeom prst="rect">
             <a:avLst/>
@@ -12876,13 +12880,22 @@
               <a:spcAft>
                 <a:spcPts val="0"/>
               </a:spcAft>
-              <a:buNone/>
-            </a:pPr>
-            <a:r>
-              <a:rPr lang="en" sz="1100">
+              <a:buClr>
+                <a:srgbClr val="000000"/>
+              </a:buClr>
+              <a:buSzPts val="1100"/>
+              <a:buFont typeface="Arial"/>
+              <a:buNone/>
+            </a:pPr>
+            <a:r>
+              <a:rPr b="0" i="0" lang="en" sz="1100" u="none" cap="none" strike="noStrike">
                 <a:solidFill>
                   <a:schemeClr val="dk1"/>
                 </a:solidFill>
+                <a:latin typeface="Arial"/>
+                <a:ea typeface="Arial"/>
+                <a:cs typeface="Arial"/>
+                <a:sym typeface="Arial"/>
               </a:rPr>
               <a:t>GCE,Tiunelveli</a:t>
             </a:r>
@@ -12900,7 +12913,7 @@
       </p:sp>
       <p:pic>
         <p:nvPicPr>
-          <p:cNvPr id="75" name="Google Shape;75;p5"/>
+          <p:cNvPr id="203" name="Google Shape;203;p1"/>
           <p:cNvPicPr preferRelativeResize="0"/>
           <p:nvPr/>
         </p:nvPicPr>
@@ -12927,7 +12940,7 @@
       </p:pic>
       <p:pic>
         <p:nvPicPr>
-          <p:cNvPr descr="A logo with people and map&#10;&#10;Description automatically generated" id="76" name="Google Shape;76;p5"/>
+          <p:cNvPr descr="A logo with people and map&#10;&#10;Description automatically generated" id="204" name="Google Shape;204;p1"/>
           <p:cNvPicPr preferRelativeResize="0"/>
           <p:nvPr/>
         </p:nvPicPr>
@@ -12954,7 +12967,7 @@
       </p:pic>
       <p:pic>
         <p:nvPicPr>
-          <p:cNvPr descr="A close up of a logo&#10;&#10;Description automatically generated" id="77" name="Google Shape;77;p5"/>
+          <p:cNvPr descr="A close up of a logo&#10;&#10;Description automatically generated" id="205" name="Google Shape;205;p1"/>
           <p:cNvPicPr preferRelativeResize="0"/>
           <p:nvPr/>
         </p:nvPicPr>
@@ -12968,7 +12981,7 @@
         <p:spPr>
           <a:xfrm>
             <a:off x="3927667" y="1286631"/>
-            <a:ext cx="1587347" cy="516273"/>
+            <a:ext cx="1587348" cy="516274"/>
           </a:xfrm>
           <a:prstGeom prst="rect">
             <a:avLst/>
@@ -12979,6 +12992,100 @@
           </a:ln>
         </p:spPr>
       </p:pic>
+      <p:sp>
+        <p:nvSpPr>
+          <p:cNvPr id="206" name="Google Shape;206;p1"/>
+          <p:cNvSpPr txBox="1"/>
+          <p:nvPr/>
+        </p:nvSpPr>
+        <p:spPr>
+          <a:xfrm>
+            <a:off x="1015838" y="3919500"/>
+            <a:ext cx="3000000" cy="608100"/>
+          </a:xfrm>
+          <a:prstGeom prst="rect">
+            <a:avLst/>
+          </a:prstGeom>
+          <a:noFill/>
+          <a:ln>
+            <a:noFill/>
+          </a:ln>
+        </p:spPr>
+        <p:txBody>
+          <a:bodyPr anchorCtr="0" anchor="t" bIns="91425" lIns="91425" spcFirstLastPara="1" rIns="91425" wrap="square" tIns="91425">
+            <a:spAutoFit/>
+          </a:bodyPr>
+          <a:lstStyle>
+            <a:defPPr lvl="0" marR="0" rtl="0" algn="l">
+              <a:lnSpc>
+                <a:spcPct val="100000"/>
+              </a:lnSpc>
+              <a:spcBef>
+                <a:spcPts val="0"/>
+              </a:spcBef>
+              <a:spcAft>
+                <a:spcPts val="0"/>
+              </a:spcAft>
+            </a:defPPr>
+            <a:lvl1pPr lvl="0" marR="0" rtl="0" algn="l">
+              <a:lnSpc>
+                <a:spcPct val="100000"/>
+              </a:lnSpc>
+              <a:spcBef>
+                <a:spcPts val="0"/>
+              </a:spcBef>
+              <a:spcAft>
+                <a:spcPts val="0"/>
+              </a:spcAft>
+              <a:buClr>
+                <a:srgbClr val="000000"/>
+              </a:buClr>
+              <a:buFont typeface="Arial"/>
+              <a:defRPr b="0" i="0" sz="1400" u="none" cap="none" strike="noStrike">
+                <a:solidFill>
+                  <a:srgbClr val="000000"/>
+                </a:solidFill>
+                <a:latin typeface="Arial"/>
+                <a:ea typeface="Arial"/>
+                <a:cs typeface="Arial"/>
+                <a:sym typeface="Arial"/>
+              </a:defRPr>
+            </a:lvl1pPr>
+          </a:lstStyle>
+          <a:p>
+            <a:pPr indent="0" lvl="0" marL="0" rtl="0" algn="l">
+              <a:spcBef>
+                <a:spcPts val="0"/>
+              </a:spcBef>
+              <a:spcAft>
+                <a:spcPts val="0"/>
+              </a:spcAft>
+              <a:buNone/>
+            </a:pPr>
+            <a:r>
+              <a:rPr lang="en"/>
+              <a:t>Muthulakshmi S</a:t>
+            </a:r>
+            <a:endParaRPr/>
+          </a:p>
+          <a:p>
+            <a:pPr indent="0" lvl="0" marL="0" rtl="0" algn="l">
+              <a:spcBef>
+                <a:spcPts val="0"/>
+              </a:spcBef>
+              <a:spcAft>
+                <a:spcPts val="0"/>
+              </a:spcAft>
+              <a:buNone/>
+            </a:pPr>
+            <a:r>
+              <a:rPr lang="en"/>
+              <a:t>950821104026</a:t>
+            </a:r>
+            <a:endParaRPr/>
+          </a:p>
+        </p:txBody>
+      </p:sp>
     </p:spTree>
   </p:cSld>
   <p:clrMapOvr>
@@ -16820,7 +16927,7 @@
   <p:cSld>
     <p:spTree>
       <p:nvGrpSpPr>
-        <p:cNvPr id="180" name="Shape 180"/>
+        <p:cNvPr id="234" name="Shape 234"/>
         <p:cNvGrpSpPr/>
         <p:nvPr/>
       </p:nvGrpSpPr>
@@ -16834,7 +16941,7 @@
       </p:grpSpPr>
       <p:sp>
         <p:nvSpPr>
-          <p:cNvPr id="181" name="Google Shape;181;p50"/>
+          <p:cNvPr id="235" name="Google Shape;235;p9"/>
           <p:cNvSpPr txBox="1"/>
           <p:nvPr>
             <p:ph type="title"/>
@@ -16919,14 +17026,21 @@
             <a:r>
               <a:t/>
             </a:r>
-            <a:endParaRPr b="1" sz="1600">
+            <a:endParaRPr b="1" i="0" sz="1600" u="none" cap="none" strike="noStrike">
               <a:solidFill>
                 <a:srgbClr val="213163"/>
               </a:solidFill>
+              <a:latin typeface="Arial"/>
+              <a:ea typeface="Arial"/>
+              <a:cs typeface="Arial"/>
+              <a:sym typeface="Arial"/>
             </a:endParaRPr>
           </a:p>
           <a:p>
-            <a:pPr indent="0" lvl="0" marL="0" rtl="0" algn="l">
+            <a:pPr indent="0" lvl="0" marL="0" marR="0" rtl="0" algn="l">
+              <a:lnSpc>
+                <a:spcPct val="100000"/>
+              </a:lnSpc>
               <a:spcBef>
                 <a:spcPts val="0"/>
               </a:spcBef>
@@ -16941,21 +17055,32 @@
               <a:buNone/>
             </a:pPr>
             <a:r>
-              <a:rPr b="1" lang="en" sz="1600">
+              <a:rPr b="1" i="0" lang="en" sz="1600" u="none" cap="none" strike="noStrike">
                 <a:solidFill>
                   <a:srgbClr val="213163"/>
                 </a:solidFill>
+                <a:latin typeface="Arial"/>
+                <a:ea typeface="Arial"/>
+                <a:cs typeface="Arial"/>
+                <a:sym typeface="Arial"/>
               </a:rPr>
               <a:t>Title: Advancing Online Voting</a:t>
             </a:r>
-            <a:endParaRPr b="1" sz="1600">
+            <a:endParaRPr b="1" i="0" sz="1600" u="none" cap="none" strike="noStrike">
               <a:solidFill>
                 <a:srgbClr val="213163"/>
               </a:solidFill>
+              <a:latin typeface="Arial"/>
+              <a:ea typeface="Arial"/>
+              <a:cs typeface="Arial"/>
+              <a:sym typeface="Arial"/>
             </a:endParaRPr>
           </a:p>
           <a:p>
-            <a:pPr indent="0" lvl="0" marL="0" rtl="0" algn="l">
+            <a:pPr indent="0" lvl="0" marL="0" marR="0" rtl="0" algn="l">
+              <a:lnSpc>
+                <a:spcPct val="100000"/>
+              </a:lnSpc>
               <a:spcBef>
                 <a:spcPts val="0"/>
               </a:spcBef>
@@ -16972,14 +17097,21 @@
             <a:r>
               <a:t/>
             </a:r>
-            <a:endParaRPr b="1" sz="1600">
+            <a:endParaRPr b="1" i="0" sz="1600" u="none" cap="none" strike="noStrike">
               <a:solidFill>
                 <a:srgbClr val="213163"/>
               </a:solidFill>
+              <a:latin typeface="Arial"/>
+              <a:ea typeface="Arial"/>
+              <a:cs typeface="Arial"/>
+              <a:sym typeface="Arial"/>
             </a:endParaRPr>
           </a:p>
           <a:p>
-            <a:pPr indent="0" lvl="0" marL="0" rtl="0" algn="l">
+            <a:pPr indent="0" lvl="0" marL="0" marR="0" rtl="0" algn="l">
+              <a:lnSpc>
+                <a:spcPct val="100000"/>
+              </a:lnSpc>
               <a:spcBef>
                 <a:spcPts val="0"/>
               </a:spcBef>
@@ -16994,29 +17126,44 @@
               <a:buNone/>
             </a:pPr>
             <a:r>
-              <a:rPr b="1" lang="en">
+              <a:rPr b="1" i="0" lang="en" sz="1400" u="none" cap="none" strike="noStrike">
                 <a:solidFill>
                   <a:srgbClr val="213163"/>
                 </a:solidFill>
+                <a:latin typeface="Arial"/>
+                <a:ea typeface="Arial"/>
+                <a:cs typeface="Arial"/>
+                <a:sym typeface="Arial"/>
               </a:rPr>
               <a:t>Recap :</a:t>
             </a:r>
             <a:r>
-              <a:rPr lang="en">
+              <a:rPr b="0" i="0" lang="en" sz="1400" u="none" cap="none" strike="noStrike">
                 <a:solidFill>
                   <a:srgbClr val="213163"/>
                 </a:solidFill>
+                <a:latin typeface="Arial"/>
+                <a:ea typeface="Arial"/>
+                <a:cs typeface="Arial"/>
+                <a:sym typeface="Arial"/>
               </a:rPr>
               <a:t> Highlight key features and benefits.</a:t>
             </a:r>
-            <a:endParaRPr>
+            <a:endParaRPr b="0" i="0" sz="1400" u="none" cap="none" strike="noStrike">
               <a:solidFill>
                 <a:srgbClr val="213163"/>
               </a:solidFill>
+              <a:latin typeface="Arial"/>
+              <a:ea typeface="Arial"/>
+              <a:cs typeface="Arial"/>
+              <a:sym typeface="Arial"/>
             </a:endParaRPr>
           </a:p>
           <a:p>
-            <a:pPr indent="0" lvl="0" marL="0" rtl="0" algn="l">
+            <a:pPr indent="0" lvl="0" marL="0" marR="0" rtl="0" algn="l">
+              <a:lnSpc>
+                <a:spcPct val="100000"/>
+              </a:lnSpc>
               <a:spcBef>
                 <a:spcPts val="0"/>
               </a:spcBef>
@@ -17033,14 +17180,21 @@
             <a:r>
               <a:t/>
             </a:r>
-            <a:endParaRPr>
+            <a:endParaRPr b="0" i="0" sz="1400" u="none" cap="none" strike="noStrike">
               <a:solidFill>
                 <a:srgbClr val="213163"/>
               </a:solidFill>
+              <a:latin typeface="Arial"/>
+              <a:ea typeface="Arial"/>
+              <a:cs typeface="Arial"/>
+              <a:sym typeface="Arial"/>
             </a:endParaRPr>
           </a:p>
           <a:p>
-            <a:pPr indent="0" lvl="0" marL="0" rtl="0" algn="l">
+            <a:pPr indent="0" lvl="0" marL="0" marR="0" rtl="0" algn="l">
+              <a:lnSpc>
+                <a:spcPct val="100000"/>
+              </a:lnSpc>
               <a:spcBef>
                 <a:spcPts val="0"/>
               </a:spcBef>
@@ -17055,29 +17209,44 @@
               <a:buNone/>
             </a:pPr>
             <a:r>
-              <a:rPr b="1" lang="en">
+              <a:rPr b="1" i="0" lang="en" sz="1400" u="none" cap="none" strike="noStrike">
                 <a:solidFill>
                   <a:srgbClr val="213163"/>
                 </a:solidFill>
+                <a:latin typeface="Arial"/>
+                <a:ea typeface="Arial"/>
+                <a:cs typeface="Arial"/>
+                <a:sym typeface="Arial"/>
               </a:rPr>
               <a:t>Commitment:</a:t>
             </a:r>
             <a:r>
-              <a:rPr lang="en">
+              <a:rPr b="0" i="0" lang="en" sz="1400" u="none" cap="none" strike="noStrike">
                 <a:solidFill>
                   <a:srgbClr val="213163"/>
                 </a:solidFill>
+                <a:latin typeface="Arial"/>
+                <a:ea typeface="Arial"/>
+                <a:cs typeface="Arial"/>
+                <a:sym typeface="Arial"/>
               </a:rPr>
               <a:t> Promise ongoing improvements.</a:t>
             </a:r>
-            <a:endParaRPr>
+            <a:endParaRPr b="0" i="0" sz="1400" u="none" cap="none" strike="noStrike">
               <a:solidFill>
                 <a:srgbClr val="213163"/>
               </a:solidFill>
+              <a:latin typeface="Arial"/>
+              <a:ea typeface="Arial"/>
+              <a:cs typeface="Arial"/>
+              <a:sym typeface="Arial"/>
             </a:endParaRPr>
           </a:p>
           <a:p>
-            <a:pPr indent="0" lvl="0" marL="0" rtl="0" algn="l">
+            <a:pPr indent="0" lvl="0" marL="0" marR="0" rtl="0" algn="l">
+              <a:lnSpc>
+                <a:spcPct val="100000"/>
+              </a:lnSpc>
               <a:spcBef>
                 <a:spcPts val="0"/>
               </a:spcBef>
@@ -17094,14 +17263,21 @@
             <a:r>
               <a:t/>
             </a:r>
-            <a:endParaRPr>
+            <a:endParaRPr b="0" i="0" sz="1400" u="none" cap="none" strike="noStrike">
               <a:solidFill>
                 <a:srgbClr val="213163"/>
               </a:solidFill>
+              <a:latin typeface="Arial"/>
+              <a:ea typeface="Arial"/>
+              <a:cs typeface="Arial"/>
+              <a:sym typeface="Arial"/>
             </a:endParaRPr>
           </a:p>
           <a:p>
-            <a:pPr indent="0" lvl="0" marL="0" rtl="0" algn="l">
+            <a:pPr indent="0" lvl="0" marL="0" marR="0" rtl="0" algn="l">
+              <a:lnSpc>
+                <a:spcPct val="100000"/>
+              </a:lnSpc>
               <a:spcBef>
                 <a:spcPts val="0"/>
               </a:spcBef>
@@ -17116,29 +17292,44 @@
               <a:buNone/>
             </a:pPr>
             <a:r>
-              <a:rPr b="1" lang="en">
+              <a:rPr b="1" i="0" lang="en" sz="1400" u="none" cap="none" strike="noStrike">
                 <a:solidFill>
                   <a:srgbClr val="213163"/>
                 </a:solidFill>
+                <a:latin typeface="Arial"/>
+                <a:ea typeface="Arial"/>
+                <a:cs typeface="Arial"/>
+                <a:sym typeface="Arial"/>
               </a:rPr>
               <a:t>Engagement: </a:t>
             </a:r>
             <a:r>
-              <a:rPr lang="en">
+              <a:rPr b="0" i="0" lang="en" sz="1400" u="none" cap="none" strike="noStrike">
                 <a:solidFill>
                   <a:srgbClr val="213163"/>
                 </a:solidFill>
+                <a:latin typeface="Arial"/>
+                <a:ea typeface="Arial"/>
+                <a:cs typeface="Arial"/>
+                <a:sym typeface="Arial"/>
               </a:rPr>
               <a:t>Encourage user participation.</a:t>
             </a:r>
-            <a:endParaRPr>
+            <a:endParaRPr b="0" i="0" sz="1400" u="none" cap="none" strike="noStrike">
               <a:solidFill>
                 <a:srgbClr val="213163"/>
               </a:solidFill>
+              <a:latin typeface="Arial"/>
+              <a:ea typeface="Arial"/>
+              <a:cs typeface="Arial"/>
+              <a:sym typeface="Arial"/>
             </a:endParaRPr>
           </a:p>
           <a:p>
-            <a:pPr indent="0" lvl="0" marL="0" rtl="0" algn="l">
+            <a:pPr indent="0" lvl="0" marL="0" marR="0" rtl="0" algn="l">
+              <a:lnSpc>
+                <a:spcPct val="100000"/>
+              </a:lnSpc>
               <a:spcBef>
                 <a:spcPts val="0"/>
               </a:spcBef>
@@ -17155,14 +17346,21 @@
             <a:r>
               <a:t/>
             </a:r>
-            <a:endParaRPr>
+            <a:endParaRPr b="0" i="0" sz="1400" u="none" cap="none" strike="noStrike">
               <a:solidFill>
                 <a:srgbClr val="213163"/>
               </a:solidFill>
+              <a:latin typeface="Arial"/>
+              <a:ea typeface="Arial"/>
+              <a:cs typeface="Arial"/>
+              <a:sym typeface="Arial"/>
             </a:endParaRPr>
           </a:p>
           <a:p>
-            <a:pPr indent="0" lvl="0" marL="0" rtl="0" algn="l">
+            <a:pPr indent="0" lvl="0" marL="0" marR="0" rtl="0" algn="l">
+              <a:lnSpc>
+                <a:spcPct val="100000"/>
+              </a:lnSpc>
               <a:spcBef>
                 <a:spcPts val="0"/>
               </a:spcBef>
@@ -17177,29 +17375,44 @@
               <a:buNone/>
             </a:pPr>
             <a:r>
-              <a:rPr b="1" lang="en">
+              <a:rPr b="1" i="0" lang="en" sz="1400" u="none" cap="none" strike="noStrike">
                 <a:solidFill>
                   <a:srgbClr val="213163"/>
                 </a:solidFill>
+                <a:latin typeface="Arial"/>
+                <a:ea typeface="Arial"/>
+                <a:cs typeface="Arial"/>
+                <a:sym typeface="Arial"/>
               </a:rPr>
               <a:t>Appreciation:</a:t>
             </a:r>
             <a:r>
-              <a:rPr lang="en">
+              <a:rPr b="0" i="0" lang="en" sz="1400" u="none" cap="none" strike="noStrike">
                 <a:solidFill>
                   <a:srgbClr val="213163"/>
                 </a:solidFill>
+                <a:latin typeface="Arial"/>
+                <a:ea typeface="Arial"/>
+                <a:cs typeface="Arial"/>
+                <a:sym typeface="Arial"/>
               </a:rPr>
               <a:t> Thank users for their support.</a:t>
             </a:r>
-            <a:endParaRPr>
+            <a:endParaRPr b="0" i="0" sz="1400" u="none" cap="none" strike="noStrike">
               <a:solidFill>
                 <a:srgbClr val="213163"/>
               </a:solidFill>
+              <a:latin typeface="Arial"/>
+              <a:ea typeface="Arial"/>
+              <a:cs typeface="Arial"/>
+              <a:sym typeface="Arial"/>
             </a:endParaRPr>
           </a:p>
           <a:p>
-            <a:pPr indent="0" lvl="0" marL="0" rtl="0" algn="l">
+            <a:pPr indent="0" lvl="0" marL="0" marR="0" rtl="0" algn="l">
+              <a:lnSpc>
+                <a:spcPct val="100000"/>
+              </a:lnSpc>
               <a:spcBef>
                 <a:spcPts val="0"/>
               </a:spcBef>
@@ -17216,14 +17429,21 @@
             <a:r>
               <a:t/>
             </a:r>
-            <a:endParaRPr>
+            <a:endParaRPr b="0" i="0" sz="1400" u="none" cap="none" strike="noStrike">
               <a:solidFill>
                 <a:srgbClr val="213163"/>
               </a:solidFill>
+              <a:latin typeface="Arial"/>
+              <a:ea typeface="Arial"/>
+              <a:cs typeface="Arial"/>
+              <a:sym typeface="Arial"/>
             </a:endParaRPr>
           </a:p>
           <a:p>
-            <a:pPr indent="0" lvl="0" marL="0" rtl="0" algn="l">
+            <a:pPr indent="0" lvl="0" marL="0" marR="0" rtl="0" algn="l">
+              <a:lnSpc>
+                <a:spcPct val="100000"/>
+              </a:lnSpc>
               <a:spcBef>
                 <a:spcPts val="0"/>
               </a:spcBef>
@@ -17238,21 +17458,32 @@
               <a:buNone/>
             </a:pPr>
             <a:r>
-              <a:rPr b="1" lang="en">
+              <a:rPr b="1" i="0" lang="en" sz="1400" u="none" cap="none" strike="noStrike">
                 <a:solidFill>
                   <a:srgbClr val="213163"/>
                 </a:solidFill>
+                <a:latin typeface="Arial"/>
+                <a:ea typeface="Arial"/>
+                <a:cs typeface="Arial"/>
+                <a:sym typeface="Arial"/>
               </a:rPr>
               <a:t>Speaker Notes:</a:t>
             </a:r>
-            <a:endParaRPr b="1">
+            <a:endParaRPr b="1" i="0" sz="1400" u="none" cap="none" strike="noStrike">
               <a:solidFill>
                 <a:srgbClr val="213163"/>
               </a:solidFill>
+              <a:latin typeface="Arial"/>
+              <a:ea typeface="Arial"/>
+              <a:cs typeface="Arial"/>
+              <a:sym typeface="Arial"/>
             </a:endParaRPr>
           </a:p>
           <a:p>
-            <a:pPr indent="0" lvl="0" marL="0" rtl="0" algn="l">
+            <a:pPr indent="0" lvl="0" marL="0" marR="0" rtl="0" algn="l">
+              <a:lnSpc>
+                <a:spcPct val="100000"/>
+              </a:lnSpc>
               <a:spcBef>
                 <a:spcPts val="0"/>
               </a:spcBef>
@@ -17269,14 +17500,21 @@
             <a:r>
               <a:t/>
             </a:r>
-            <a:endParaRPr>
+            <a:endParaRPr b="0" i="0" sz="1400" u="none" cap="none" strike="noStrike">
               <a:solidFill>
                 <a:srgbClr val="213163"/>
               </a:solidFill>
+              <a:latin typeface="Arial"/>
+              <a:ea typeface="Arial"/>
+              <a:cs typeface="Arial"/>
+              <a:sym typeface="Arial"/>
             </a:endParaRPr>
           </a:p>
           <a:p>
-            <a:pPr indent="-317500" lvl="0" marL="457200" rtl="0" algn="l">
+            <a:pPr indent="-317500" lvl="0" marL="457200" marR="0" rtl="0" algn="l">
+              <a:lnSpc>
+                <a:spcPct val="100000"/>
+              </a:lnSpc>
               <a:spcBef>
                 <a:spcPts val="0"/>
               </a:spcBef>
@@ -17287,43 +17525,67 @@
                 <a:srgbClr val="213163"/>
               </a:buClr>
               <a:buSzPts val="1400"/>
+              <a:buFont typeface="Arial"/>
               <a:buChar char="●"/>
             </a:pPr>
             <a:r>
-              <a:rPr lang="en">
+              <a:rPr b="0" i="0" lang="en" sz="1400" u="none" cap="none" strike="noStrike">
                 <a:solidFill>
                   <a:srgbClr val="213163"/>
                 </a:solidFill>
+                <a:latin typeface="Arial"/>
+                <a:ea typeface="Arial"/>
+                <a:cs typeface="Arial"/>
+                <a:sym typeface="Arial"/>
               </a:rPr>
               <a:t>Encourage user engagement and contributions.</a:t>
             </a:r>
-            <a:endParaRPr>
+            <a:endParaRPr b="0" i="0" sz="1400" u="none" cap="none" strike="noStrike">
               <a:solidFill>
                 <a:srgbClr val="213163"/>
               </a:solidFill>
+              <a:latin typeface="Arial"/>
+              <a:ea typeface="Arial"/>
+              <a:cs typeface="Arial"/>
+              <a:sym typeface="Arial"/>
             </a:endParaRPr>
           </a:p>
           <a:p>
-            <a:pPr indent="0" lvl="0" marL="457200" rtl="0" algn="l">
-              <a:spcBef>
-                <a:spcPts val="0"/>
-              </a:spcBef>
-              <a:spcAft>
-                <a:spcPts val="0"/>
-              </a:spcAft>
+            <a:pPr indent="0" lvl="0" marL="457200" marR="0" rtl="0" algn="l">
+              <a:lnSpc>
+                <a:spcPct val="100000"/>
+              </a:lnSpc>
+              <a:spcBef>
+                <a:spcPts val="0"/>
+              </a:spcBef>
+              <a:spcAft>
+                <a:spcPts val="0"/>
+              </a:spcAft>
+              <a:buClr>
+                <a:srgbClr val="000000"/>
+              </a:buClr>
+              <a:buSzPts val="1400"/>
+              <a:buFont typeface="Arial"/>
               <a:buNone/>
             </a:pPr>
             <a:r>
               <a:t/>
             </a:r>
-            <a:endParaRPr>
+            <a:endParaRPr b="0" i="0" sz="1400" u="none" cap="none" strike="noStrike">
               <a:solidFill>
                 <a:srgbClr val="213163"/>
               </a:solidFill>
+              <a:latin typeface="Arial"/>
+              <a:ea typeface="Arial"/>
+              <a:cs typeface="Arial"/>
+              <a:sym typeface="Arial"/>
             </a:endParaRPr>
           </a:p>
           <a:p>
-            <a:pPr indent="-317500" lvl="0" marL="457200" rtl="0" algn="l">
+            <a:pPr indent="-317500" lvl="0" marL="457200" marR="0" rtl="0" algn="l">
+              <a:lnSpc>
+                <a:spcPct val="100000"/>
+              </a:lnSpc>
               <a:spcBef>
                 <a:spcPts val="0"/>
               </a:spcBef>
@@ -17334,24 +17596,36 @@
                 <a:srgbClr val="213163"/>
               </a:buClr>
               <a:buSzPts val="1400"/>
+              <a:buFont typeface="Arial"/>
               <a:buChar char="●"/>
             </a:pPr>
             <a:r>
-              <a:rPr lang="en">
+              <a:rPr b="0" i="0" lang="en" sz="1400" u="none" cap="none" strike="noStrike">
                 <a:solidFill>
                   <a:srgbClr val="213163"/>
                 </a:solidFill>
+                <a:latin typeface="Arial"/>
+                <a:ea typeface="Arial"/>
+                <a:cs typeface="Arial"/>
+                <a:sym typeface="Arial"/>
               </a:rPr>
               <a:t>Express gratitude for user support in building a stronger platform.</a:t>
             </a:r>
-            <a:endParaRPr>
+            <a:endParaRPr b="0" i="0" sz="1400" u="none" cap="none" strike="noStrike">
               <a:solidFill>
                 <a:srgbClr val="213163"/>
               </a:solidFill>
+              <a:latin typeface="Arial"/>
+              <a:ea typeface="Arial"/>
+              <a:cs typeface="Arial"/>
+              <a:sym typeface="Arial"/>
             </a:endParaRPr>
           </a:p>
           <a:p>
-            <a:pPr indent="0" lvl="0" marL="0" rtl="0" algn="l">
+            <a:pPr indent="0" lvl="0" marL="0" marR="0" rtl="0" algn="l">
+              <a:lnSpc>
+                <a:spcPct val="100000"/>
+              </a:lnSpc>
               <a:spcBef>
                 <a:spcPts val="0"/>
               </a:spcBef>
@@ -17368,14 +17642,21 @@
             <a:r>
               <a:t/>
             </a:r>
-            <a:endParaRPr>
+            <a:endParaRPr b="0" i="0" sz="1400" u="none" cap="none" strike="noStrike">
               <a:solidFill>
                 <a:srgbClr val="213163"/>
               </a:solidFill>
+              <a:latin typeface="Arial"/>
+              <a:ea typeface="Arial"/>
+              <a:cs typeface="Arial"/>
+              <a:sym typeface="Arial"/>
             </a:endParaRPr>
           </a:p>
           <a:p>
-            <a:pPr indent="0" lvl="0" marL="0" rtl="0" algn="l">
+            <a:pPr indent="0" lvl="0" marL="0" marR="0" rtl="0" algn="l">
+              <a:lnSpc>
+                <a:spcPct val="100000"/>
+              </a:lnSpc>
               <a:spcBef>
                 <a:spcPts val="0"/>
               </a:spcBef>
@@ -17392,14 +17673,21 @@
             <a:r>
               <a:t/>
             </a:r>
-            <a:endParaRPr b="1" sz="1600">
+            <a:endParaRPr b="1" i="0" sz="1600" u="none" cap="none" strike="noStrike">
               <a:solidFill>
                 <a:srgbClr val="213163"/>
               </a:solidFill>
+              <a:latin typeface="Arial"/>
+              <a:ea typeface="Arial"/>
+              <a:cs typeface="Arial"/>
+              <a:sym typeface="Arial"/>
             </a:endParaRPr>
           </a:p>
           <a:p>
-            <a:pPr indent="0" lvl="0" marL="0" rtl="0" algn="l">
+            <a:pPr indent="0" lvl="0" marL="0" marR="0" rtl="0" algn="l">
+              <a:lnSpc>
+                <a:spcPct val="100000"/>
+              </a:lnSpc>
               <a:spcBef>
                 <a:spcPts val="0"/>
               </a:spcBef>
@@ -17416,14 +17704,21 @@
             <a:r>
               <a:t/>
             </a:r>
-            <a:endParaRPr b="1" sz="1600">
+            <a:endParaRPr b="1" i="0" sz="1600" u="none" cap="none" strike="noStrike">
               <a:solidFill>
                 <a:srgbClr val="213163"/>
               </a:solidFill>
+              <a:latin typeface="Arial"/>
+              <a:ea typeface="Arial"/>
+              <a:cs typeface="Arial"/>
+              <a:sym typeface="Arial"/>
             </a:endParaRPr>
           </a:p>
           <a:p>
-            <a:pPr indent="0" lvl="0" marL="0" rtl="0" algn="l">
+            <a:pPr indent="0" lvl="0" marL="0" marR="0" rtl="0" algn="l">
+              <a:lnSpc>
+                <a:spcPct val="100000"/>
+              </a:lnSpc>
               <a:spcBef>
                 <a:spcPts val="0"/>
               </a:spcBef>
@@ -17440,10 +17735,14 @@
             <a:r>
               <a:t/>
             </a:r>
-            <a:endParaRPr b="1" sz="1600">
+            <a:endParaRPr b="1" i="0" sz="1600" u="none" cap="none" strike="noStrike">
               <a:solidFill>
                 <a:srgbClr val="213163"/>
               </a:solidFill>
+              <a:latin typeface="Arial"/>
+              <a:ea typeface="Arial"/>
+              <a:cs typeface="Arial"/>
+              <a:sym typeface="Arial"/>
             </a:endParaRPr>
           </a:p>
           <a:p>
@@ -17467,17 +17766,21 @@
             <a:r>
               <a:t/>
             </a:r>
-            <a:endParaRPr b="1" sz="1600">
+            <a:endParaRPr b="1" i="0" sz="1600" u="none" cap="none" strike="noStrike">
               <a:solidFill>
                 <a:srgbClr val="213163"/>
               </a:solidFill>
+              <a:latin typeface="Arial"/>
+              <a:ea typeface="Arial"/>
+              <a:cs typeface="Arial"/>
+              <a:sym typeface="Arial"/>
             </a:endParaRPr>
           </a:p>
         </p:txBody>
       </p:sp>
       <p:cxnSp>
         <p:nvCxnSpPr>
-          <p:cNvPr id="182" name="Google Shape;182;p50"/>
+          <p:cNvPr id="236" name="Google Shape;236;p9"/>
           <p:cNvCxnSpPr/>
           <p:nvPr/>
         </p:nvCxnSpPr>
@@ -17501,63 +17804,6 @@
           </a:ln>
         </p:spPr>
       </p:cxnSp>
-      <p:sp>
-        <p:nvSpPr>
-          <p:cNvPr id="183" name="Google Shape;183;p50"/>
-          <p:cNvSpPr txBox="1"/>
-          <p:nvPr/>
-        </p:nvSpPr>
-        <p:spPr>
-          <a:xfrm>
-            <a:off x="138641" y="4713100"/>
-            <a:ext cx="3950100" cy="322200"/>
-          </a:xfrm>
-          <a:prstGeom prst="rect">
-            <a:avLst/>
-          </a:prstGeom>
-          <a:noFill/>
-          <a:ln>
-            <a:noFill/>
-          </a:ln>
-        </p:spPr>
-        <p:txBody>
-          <a:bodyPr anchorCtr="0" anchor="t" bIns="91425" lIns="91425" spcFirstLastPara="1" rIns="91425" wrap="square" tIns="91425">
-            <a:noAutofit/>
-          </a:bodyPr>
-          <a:lstStyle/>
-          <a:p>
-            <a:pPr indent="0" lvl="0" marL="0" marR="0" rtl="0" algn="l">
-              <a:lnSpc>
-                <a:spcPct val="100000"/>
-              </a:lnSpc>
-              <a:spcBef>
-                <a:spcPts val="0"/>
-              </a:spcBef>
-              <a:spcAft>
-                <a:spcPts val="0"/>
-              </a:spcAft>
-              <a:buNone/>
-            </a:pPr>
-            <a:r>
-              <a:rPr b="1" i="0" lang="en" sz="1500" u="none" cap="none" strike="noStrike">
-                <a:solidFill>
-                  <a:schemeClr val="dk1"/>
-                </a:solidFill>
-              </a:rPr>
-              <a:t>Source :</a:t>
-            </a:r>
-            <a:r>
-              <a:rPr i="0" lang="en" sz="1500" u="none" cap="none" strike="noStrike">
-                <a:solidFill>
-                  <a:schemeClr val="dk1"/>
-                </a:solidFill>
-              </a:rPr>
-              <a:t> Arockia Jeba Santhiya A</a:t>
-            </a:r>
-            <a:endParaRPr sz="1900"/>
-          </a:p>
-        </p:txBody>
-      </p:sp>
     </p:spTree>
   </p:cSld>
   <p:clrMapOvr>
@@ -18007,7 +18253,7 @@
   <p:cSld>
     <p:spTree>
       <p:nvGrpSpPr>
-        <p:cNvPr id="91" name="Shape 91"/>
+        <p:cNvPr id="207" name="Shape 207"/>
         <p:cNvGrpSpPr/>
         <p:nvPr/>
       </p:nvGrpSpPr>
@@ -18021,7 +18267,7 @@
       </p:grpSpPr>
       <p:sp>
         <p:nvSpPr>
-          <p:cNvPr id="92" name="Google Shape;92;p36"/>
+          <p:cNvPr id="208" name="Google Shape;208;p2"/>
           <p:cNvSpPr txBox="1"/>
           <p:nvPr>
             <p:ph type="title"/>
@@ -18075,14 +18321,21 @@
               </a:rPr>
               <a:t>Abstract</a:t>
             </a:r>
-            <a:endParaRPr b="1" sz="1600">
+            <a:endParaRPr b="1" i="0" sz="1600" u="none" cap="none" strike="noStrike">
               <a:solidFill>
                 <a:srgbClr val="213163"/>
               </a:solidFill>
+              <a:latin typeface="Arial"/>
+              <a:ea typeface="Arial"/>
+              <a:cs typeface="Arial"/>
+              <a:sym typeface="Arial"/>
             </a:endParaRPr>
           </a:p>
           <a:p>
-            <a:pPr indent="0" lvl="0" marL="0" rtl="0" algn="l">
+            <a:pPr indent="0" lvl="0" marL="0" marR="0" rtl="0" algn="l">
+              <a:lnSpc>
+                <a:spcPct val="100000"/>
+              </a:lnSpc>
               <a:spcBef>
                 <a:spcPts val="0"/>
               </a:spcBef>
@@ -18099,14 +18352,21 @@
             <a:r>
               <a:t/>
             </a:r>
-            <a:endParaRPr b="1" sz="1200">
+            <a:endParaRPr b="1" i="0" sz="1200" u="none" cap="none" strike="noStrike">
               <a:solidFill>
                 <a:srgbClr val="213163"/>
               </a:solidFill>
+              <a:latin typeface="Arial"/>
+              <a:ea typeface="Arial"/>
+              <a:cs typeface="Arial"/>
+              <a:sym typeface="Arial"/>
             </a:endParaRPr>
           </a:p>
           <a:p>
-            <a:pPr indent="0" lvl="0" marL="0" rtl="0" algn="l">
+            <a:pPr indent="0" lvl="0" marL="0" marR="0" rtl="0" algn="l">
+              <a:lnSpc>
+                <a:spcPct val="100000"/>
+              </a:lnSpc>
               <a:spcBef>
                 <a:spcPts val="0"/>
               </a:spcBef>
@@ -18121,21 +18381,32 @@
               <a:buNone/>
             </a:pPr>
             <a:r>
-              <a:rPr b="1" lang="en" sz="1200">
+              <a:rPr b="1" i="0" lang="en" sz="1200" u="none" cap="none" strike="noStrike">
                 <a:solidFill>
                   <a:srgbClr val="213163"/>
                 </a:solidFill>
+                <a:latin typeface="Arial"/>
+                <a:ea typeface="Arial"/>
+                <a:cs typeface="Arial"/>
+                <a:sym typeface="Arial"/>
               </a:rPr>
               <a:t>Django for Secure Online Voting :</a:t>
             </a:r>
-            <a:endParaRPr b="1" sz="1200">
+            <a:endParaRPr b="1" i="0" sz="1200" u="none" cap="none" strike="noStrike">
               <a:solidFill>
                 <a:srgbClr val="213163"/>
               </a:solidFill>
+              <a:latin typeface="Arial"/>
+              <a:ea typeface="Arial"/>
+              <a:cs typeface="Arial"/>
+              <a:sym typeface="Arial"/>
             </a:endParaRPr>
           </a:p>
           <a:p>
-            <a:pPr indent="0" lvl="0" marL="0" rtl="0" algn="l">
+            <a:pPr indent="0" lvl="0" marL="0" marR="0" rtl="0" algn="l">
+              <a:lnSpc>
+                <a:spcPct val="100000"/>
+              </a:lnSpc>
               <a:spcBef>
                 <a:spcPts val="0"/>
               </a:spcBef>
@@ -18152,14 +18423,21 @@
             <a:r>
               <a:t/>
             </a:r>
-            <a:endParaRPr sz="1200">
+            <a:endParaRPr b="0" i="0" sz="1200" u="none" cap="none" strike="noStrike">
               <a:solidFill>
                 <a:srgbClr val="213163"/>
               </a:solidFill>
+              <a:latin typeface="Arial"/>
+              <a:ea typeface="Arial"/>
+              <a:cs typeface="Arial"/>
+              <a:sym typeface="Arial"/>
             </a:endParaRPr>
           </a:p>
           <a:p>
-            <a:pPr indent="0" lvl="0" marL="0" rtl="0" algn="l">
+            <a:pPr indent="0" lvl="0" marL="0" marR="0" rtl="0" algn="l">
+              <a:lnSpc>
+                <a:spcPct val="100000"/>
+              </a:lnSpc>
               <a:spcBef>
                 <a:spcPts val="0"/>
               </a:spcBef>
@@ -18174,21 +18452,32 @@
               <a:buNone/>
             </a:pPr>
             <a:r>
-              <a:rPr lang="en" sz="1200">
+              <a:rPr b="0" i="0" lang="en" sz="1200" u="none" cap="none" strike="noStrike">
                 <a:solidFill>
                   <a:srgbClr val="213163"/>
                 </a:solidFill>
+                <a:latin typeface="Arial"/>
+                <a:ea typeface="Arial"/>
+                <a:cs typeface="Arial"/>
+                <a:sym typeface="Arial"/>
               </a:rPr>
               <a:t>   This presentation explores building secure online voting applications with Django, a powerful Python web framework. We'll showcase:</a:t>
             </a:r>
-            <a:endParaRPr sz="1200">
+            <a:endParaRPr b="0" i="0" sz="1200" u="none" cap="none" strike="noStrike">
               <a:solidFill>
                 <a:srgbClr val="213163"/>
               </a:solidFill>
+              <a:latin typeface="Arial"/>
+              <a:ea typeface="Arial"/>
+              <a:cs typeface="Arial"/>
+              <a:sym typeface="Arial"/>
             </a:endParaRPr>
           </a:p>
           <a:p>
-            <a:pPr indent="0" lvl="0" marL="0" rtl="0" algn="l">
+            <a:pPr indent="0" lvl="0" marL="0" marR="0" rtl="0" algn="l">
+              <a:lnSpc>
+                <a:spcPct val="100000"/>
+              </a:lnSpc>
               <a:spcBef>
                 <a:spcPts val="0"/>
               </a:spcBef>
@@ -18205,14 +18494,21 @@
             <a:r>
               <a:t/>
             </a:r>
-            <a:endParaRPr sz="1200">
+            <a:endParaRPr b="0" i="0" sz="1200" u="none" cap="none" strike="noStrike">
               <a:solidFill>
                 <a:srgbClr val="213163"/>
               </a:solidFill>
+              <a:latin typeface="Arial"/>
+              <a:ea typeface="Arial"/>
+              <a:cs typeface="Arial"/>
+              <a:sym typeface="Arial"/>
             </a:endParaRPr>
           </a:p>
           <a:p>
-            <a:pPr indent="-304800" lvl="0" marL="457200" rtl="0" algn="l">
+            <a:pPr indent="-304800" lvl="0" marL="457200" marR="0" rtl="0" algn="l">
+              <a:lnSpc>
+                <a:spcPct val="100000"/>
+              </a:lnSpc>
               <a:spcBef>
                 <a:spcPts val="0"/>
               </a:spcBef>
@@ -18223,24 +18519,36 @@
                 <a:srgbClr val="213163"/>
               </a:buClr>
               <a:buSzPts val="1200"/>
+              <a:buFont typeface="Arial"/>
               <a:buChar char="●"/>
             </a:pPr>
             <a:r>
-              <a:rPr lang="en" sz="1200">
+              <a:rPr b="0" i="0" lang="en" sz="1200" u="none" cap="none" strike="noStrike">
                 <a:solidFill>
                   <a:srgbClr val="213163"/>
                 </a:solidFill>
+                <a:latin typeface="Arial"/>
+                <a:ea typeface="Arial"/>
+                <a:cs typeface="Arial"/>
+                <a:sym typeface="Arial"/>
               </a:rPr>
               <a:t>Rapid Development</a:t>
             </a:r>
-            <a:endParaRPr sz="1200">
+            <a:endParaRPr b="0" i="0" sz="1200" u="none" cap="none" strike="noStrike">
               <a:solidFill>
                 <a:srgbClr val="213163"/>
               </a:solidFill>
+              <a:latin typeface="Arial"/>
+              <a:ea typeface="Arial"/>
+              <a:cs typeface="Arial"/>
+              <a:sym typeface="Arial"/>
             </a:endParaRPr>
           </a:p>
           <a:p>
-            <a:pPr indent="-304800" lvl="0" marL="457200" rtl="0" algn="l">
+            <a:pPr indent="-304800" lvl="0" marL="457200" marR="0" rtl="0" algn="l">
+              <a:lnSpc>
+                <a:spcPct val="100000"/>
+              </a:lnSpc>
               <a:spcBef>
                 <a:spcPts val="0"/>
               </a:spcBef>
@@ -18251,24 +18559,36 @@
                 <a:srgbClr val="213163"/>
               </a:buClr>
               <a:buSzPts val="1200"/>
+              <a:buFont typeface="Arial"/>
               <a:buChar char="●"/>
             </a:pPr>
             <a:r>
-              <a:rPr lang="en" sz="1200">
+              <a:rPr b="0" i="0" lang="en" sz="1200" u="none" cap="none" strike="noStrike">
                 <a:solidFill>
                   <a:srgbClr val="213163"/>
                 </a:solidFill>
+                <a:latin typeface="Arial"/>
+                <a:ea typeface="Arial"/>
+                <a:cs typeface="Arial"/>
+                <a:sym typeface="Arial"/>
               </a:rPr>
               <a:t>Secure Voting</a:t>
             </a:r>
-            <a:endParaRPr sz="1200">
+            <a:endParaRPr b="0" i="0" sz="1200" u="none" cap="none" strike="noStrike">
               <a:solidFill>
                 <a:srgbClr val="213163"/>
               </a:solidFill>
+              <a:latin typeface="Arial"/>
+              <a:ea typeface="Arial"/>
+              <a:cs typeface="Arial"/>
+              <a:sym typeface="Arial"/>
             </a:endParaRPr>
           </a:p>
           <a:p>
-            <a:pPr indent="-304800" lvl="0" marL="457200" rtl="0" algn="l">
+            <a:pPr indent="-304800" lvl="0" marL="457200" marR="0" rtl="0" algn="l">
+              <a:lnSpc>
+                <a:spcPct val="100000"/>
+              </a:lnSpc>
               <a:spcBef>
                 <a:spcPts val="0"/>
               </a:spcBef>
@@ -18279,43 +18599,67 @@
                 <a:srgbClr val="213163"/>
               </a:buClr>
               <a:buSzPts val="1200"/>
+              <a:buFont typeface="Arial"/>
               <a:buChar char="●"/>
             </a:pPr>
             <a:r>
-              <a:rPr lang="en" sz="1200">
+              <a:rPr b="0" i="0" lang="en" sz="1200" u="none" cap="none" strike="noStrike">
                 <a:solidFill>
                   <a:srgbClr val="213163"/>
                 </a:solidFill>
+                <a:latin typeface="Arial"/>
+                <a:ea typeface="Arial"/>
+                <a:cs typeface="Arial"/>
+                <a:sym typeface="Arial"/>
               </a:rPr>
               <a:t>Scalability</a:t>
             </a:r>
-            <a:endParaRPr sz="1200">
+            <a:endParaRPr b="0" i="0" sz="1200" u="none" cap="none" strike="noStrike">
               <a:solidFill>
                 <a:srgbClr val="213163"/>
               </a:solidFill>
+              <a:latin typeface="Arial"/>
+              <a:ea typeface="Arial"/>
+              <a:cs typeface="Arial"/>
+              <a:sym typeface="Arial"/>
             </a:endParaRPr>
           </a:p>
           <a:p>
-            <a:pPr indent="0" lvl="0" marL="457200" rtl="0" algn="l">
-              <a:spcBef>
-                <a:spcPts val="0"/>
-              </a:spcBef>
-              <a:spcAft>
-                <a:spcPts val="0"/>
-              </a:spcAft>
+            <a:pPr indent="0" lvl="0" marL="457200" marR="0" rtl="0" algn="l">
+              <a:lnSpc>
+                <a:spcPct val="100000"/>
+              </a:lnSpc>
+              <a:spcBef>
+                <a:spcPts val="0"/>
+              </a:spcBef>
+              <a:spcAft>
+                <a:spcPts val="0"/>
+              </a:spcAft>
+              <a:buClr>
+                <a:srgbClr val="000000"/>
+              </a:buClr>
+              <a:buSzPts val="1200"/>
+              <a:buFont typeface="Arial"/>
               <a:buNone/>
             </a:pPr>
             <a:r>
               <a:t/>
             </a:r>
-            <a:endParaRPr sz="1200">
+            <a:endParaRPr b="0" i="0" sz="1200" u="none" cap="none" strike="noStrike">
               <a:solidFill>
                 <a:srgbClr val="213163"/>
               </a:solidFill>
+              <a:latin typeface="Arial"/>
+              <a:ea typeface="Arial"/>
+              <a:cs typeface="Arial"/>
+              <a:sym typeface="Arial"/>
             </a:endParaRPr>
           </a:p>
           <a:p>
-            <a:pPr indent="0" lvl="0" marL="0" rtl="0" algn="l">
+            <a:pPr indent="0" lvl="0" marL="0" marR="0" rtl="0" algn="l">
+              <a:lnSpc>
+                <a:spcPct val="100000"/>
+              </a:lnSpc>
               <a:spcBef>
                 <a:spcPts val="0"/>
               </a:spcBef>
@@ -18330,21 +18674,32 @@
               <a:buNone/>
             </a:pPr>
             <a:r>
-              <a:rPr lang="en" sz="1200">
+              <a:rPr b="0" i="0" lang="en" sz="1200" u="none" cap="none" strike="noStrike">
                 <a:solidFill>
                   <a:srgbClr val="213163"/>
                 </a:solidFill>
+                <a:latin typeface="Arial"/>
+                <a:ea typeface="Arial"/>
+                <a:cs typeface="Arial"/>
+                <a:sym typeface="Arial"/>
               </a:rPr>
               <a:t>Explore user registration, voting security, and administrative controls. See how Django creates secure online voting systems.</a:t>
             </a:r>
-            <a:endParaRPr sz="1200">
+            <a:endParaRPr b="0" i="0" sz="1200" u="none" cap="none" strike="noStrike">
               <a:solidFill>
                 <a:srgbClr val="213163"/>
               </a:solidFill>
+              <a:latin typeface="Arial"/>
+              <a:ea typeface="Arial"/>
+              <a:cs typeface="Arial"/>
+              <a:sym typeface="Arial"/>
             </a:endParaRPr>
           </a:p>
           <a:p>
-            <a:pPr indent="0" lvl="0" marL="0" rtl="0" algn="l">
+            <a:pPr indent="0" lvl="0" marL="0" marR="0" rtl="0" algn="l">
+              <a:lnSpc>
+                <a:spcPct val="100000"/>
+              </a:lnSpc>
               <a:spcBef>
                 <a:spcPts val="0"/>
               </a:spcBef>
@@ -18361,14 +18716,21 @@
             <a:r>
               <a:t/>
             </a:r>
-            <a:endParaRPr sz="1200">
+            <a:endParaRPr b="0" i="0" sz="1200" u="none" cap="none" strike="noStrike">
               <a:solidFill>
                 <a:srgbClr val="213163"/>
               </a:solidFill>
+              <a:latin typeface="Arial"/>
+              <a:ea typeface="Arial"/>
+              <a:cs typeface="Arial"/>
+              <a:sym typeface="Arial"/>
             </a:endParaRPr>
           </a:p>
           <a:p>
-            <a:pPr indent="0" lvl="0" marL="0" rtl="0" algn="l">
+            <a:pPr indent="0" lvl="0" marL="0" marR="0" rtl="0" algn="l">
+              <a:lnSpc>
+                <a:spcPct val="100000"/>
+              </a:lnSpc>
               <a:spcBef>
                 <a:spcPts val="0"/>
               </a:spcBef>
@@ -18385,14 +18747,21 @@
             <a:r>
               <a:t/>
             </a:r>
-            <a:endParaRPr sz="1200">
+            <a:endParaRPr b="0" i="0" sz="1200" u="none" cap="none" strike="noStrike">
               <a:solidFill>
                 <a:srgbClr val="213163"/>
               </a:solidFill>
+              <a:latin typeface="Arial"/>
+              <a:ea typeface="Arial"/>
+              <a:cs typeface="Arial"/>
+              <a:sym typeface="Arial"/>
             </a:endParaRPr>
           </a:p>
           <a:p>
-            <a:pPr indent="0" lvl="0" marL="0" rtl="0" algn="l">
+            <a:pPr indent="0" lvl="0" marL="0" marR="0" rtl="0" algn="l">
+              <a:lnSpc>
+                <a:spcPct val="100000"/>
+              </a:lnSpc>
               <a:spcBef>
                 <a:spcPts val="0"/>
               </a:spcBef>
@@ -18409,14 +18778,21 @@
             <a:r>
               <a:t/>
             </a:r>
-            <a:endParaRPr sz="1200">
+            <a:endParaRPr b="0" i="0" sz="1200" u="none" cap="none" strike="noStrike">
               <a:solidFill>
                 <a:srgbClr val="213163"/>
               </a:solidFill>
+              <a:latin typeface="Arial"/>
+              <a:ea typeface="Arial"/>
+              <a:cs typeface="Arial"/>
+              <a:sym typeface="Arial"/>
             </a:endParaRPr>
           </a:p>
           <a:p>
-            <a:pPr indent="0" lvl="0" marL="0" rtl="0" algn="l">
+            <a:pPr indent="0" lvl="0" marL="0" marR="0" rtl="0" algn="l">
+              <a:lnSpc>
+                <a:spcPct val="100000"/>
+              </a:lnSpc>
               <a:spcBef>
                 <a:spcPts val="0"/>
               </a:spcBef>
@@ -18433,14 +18809,21 @@
             <a:r>
               <a:t/>
             </a:r>
-            <a:endParaRPr sz="1200">
+            <a:endParaRPr b="0" i="0" sz="1200" u="none" cap="none" strike="noStrike">
               <a:solidFill>
                 <a:srgbClr val="213163"/>
               </a:solidFill>
+              <a:latin typeface="Arial"/>
+              <a:ea typeface="Arial"/>
+              <a:cs typeface="Arial"/>
+              <a:sym typeface="Arial"/>
             </a:endParaRPr>
           </a:p>
           <a:p>
-            <a:pPr indent="0" lvl="0" marL="0" rtl="0" algn="l">
+            <a:pPr indent="0" lvl="0" marL="0" marR="0" rtl="0" algn="l">
+              <a:lnSpc>
+                <a:spcPct val="100000"/>
+              </a:lnSpc>
               <a:spcBef>
                 <a:spcPts val="0"/>
               </a:spcBef>
@@ -18457,14 +18840,21 @@
             <a:r>
               <a:t/>
             </a:r>
-            <a:endParaRPr sz="1200">
+            <a:endParaRPr b="0" i="0" sz="1200" u="none" cap="none" strike="noStrike">
               <a:solidFill>
                 <a:srgbClr val="213163"/>
               </a:solidFill>
+              <a:latin typeface="Arial"/>
+              <a:ea typeface="Arial"/>
+              <a:cs typeface="Arial"/>
+              <a:sym typeface="Arial"/>
             </a:endParaRPr>
           </a:p>
           <a:p>
-            <a:pPr indent="0" lvl="0" marL="0" rtl="0" algn="l">
+            <a:pPr indent="0" lvl="0" marL="0" marR="0" rtl="0" algn="l">
+              <a:lnSpc>
+                <a:spcPct val="100000"/>
+              </a:lnSpc>
               <a:spcBef>
                 <a:spcPts val="0"/>
               </a:spcBef>
@@ -18481,14 +18871,21 @@
             <a:r>
               <a:t/>
             </a:r>
-            <a:endParaRPr sz="1200">
+            <a:endParaRPr b="0" i="0" sz="1200" u="none" cap="none" strike="noStrike">
               <a:solidFill>
                 <a:srgbClr val="213163"/>
               </a:solidFill>
+              <a:latin typeface="Arial"/>
+              <a:ea typeface="Arial"/>
+              <a:cs typeface="Arial"/>
+              <a:sym typeface="Arial"/>
             </a:endParaRPr>
           </a:p>
           <a:p>
-            <a:pPr indent="0" lvl="0" marL="0" rtl="0" algn="l">
+            <a:pPr indent="0" lvl="0" marL="0" marR="0" rtl="0" algn="l">
+              <a:lnSpc>
+                <a:spcPct val="100000"/>
+              </a:lnSpc>
               <a:spcBef>
                 <a:spcPts val="0"/>
               </a:spcBef>
@@ -18505,10 +18902,14 @@
             <a:r>
               <a:t/>
             </a:r>
-            <a:endParaRPr sz="1200">
+            <a:endParaRPr b="0" i="0" sz="1200" u="none" cap="none" strike="noStrike">
               <a:solidFill>
                 <a:srgbClr val="213163"/>
               </a:solidFill>
+              <a:latin typeface="Arial"/>
+              <a:ea typeface="Arial"/>
+              <a:cs typeface="Arial"/>
+              <a:sym typeface="Arial"/>
             </a:endParaRPr>
           </a:p>
           <a:p>
@@ -18532,17 +18933,21 @@
             <a:r>
               <a:t/>
             </a:r>
-            <a:endParaRPr b="1" sz="1600">
+            <a:endParaRPr b="1" i="0" sz="1600" u="none" cap="none" strike="noStrike">
               <a:solidFill>
                 <a:srgbClr val="213163"/>
               </a:solidFill>
+              <a:latin typeface="Arial"/>
+              <a:ea typeface="Arial"/>
+              <a:cs typeface="Arial"/>
+              <a:sym typeface="Arial"/>
             </a:endParaRPr>
           </a:p>
         </p:txBody>
       </p:sp>
       <p:cxnSp>
         <p:nvCxnSpPr>
-          <p:cNvPr id="93" name="Google Shape;93;p36"/>
+          <p:cNvPr id="209" name="Google Shape;209;p2"/>
           <p:cNvCxnSpPr/>
           <p:nvPr/>
         </p:nvCxnSpPr>
@@ -18566,16 +18971,43 @@
           </a:ln>
         </p:spPr>
       </p:cxnSp>
+    </p:spTree>
+  </p:cSld>
+  <p:clrMapOvr>
+    <a:masterClrMapping/>
+  </p:clrMapOvr>
+</p:sld>
+</file>
+
+<file path=ppt/slides/slide4.xml><?xml version="1.0" encoding="utf-8"?>
+<p:sld xmlns:a="http://schemas.openxmlformats.org/drawingml/2006/main" xmlns:r="http://schemas.openxmlformats.org/officeDocument/2006/relationships" xmlns:mc="http://schemas.openxmlformats.org/markup-compatibility/2006" xmlns:mv="urn:schemas-microsoft-com:mac:vml" xmlns:p="http://schemas.openxmlformats.org/presentationml/2006/main" xmlns:c="http://schemas.openxmlformats.org/drawingml/2006/chart" xmlns:dgm="http://schemas.openxmlformats.org/drawingml/2006/diagram" xmlns:o="urn:schemas-microsoft-com:office:office" xmlns:v="urn:schemas-microsoft-com:vml" xmlns:pvml="urn:schemas-microsoft-com:office:powerpoint" xmlns:com="http://schemas.openxmlformats.org/drawingml/2006/compatibility" xmlns:p14="http://schemas.microsoft.com/office/powerpoint/2010/main" xmlns:p15="http://schemas.microsoft.com/office/powerpoint/2012/main" xmlns:ahyp="http://schemas.microsoft.com/office/drawing/2018/hyperlinkcolor">
+  <p:cSld>
+    <p:spTree>
+      <p:nvGrpSpPr>
+        <p:cNvPr id="210" name="Shape 210"/>
+        <p:cNvGrpSpPr/>
+        <p:nvPr/>
+      </p:nvGrpSpPr>
+      <p:grpSpPr>
+        <a:xfrm>
+          <a:off x="0" y="0"/>
+          <a:ext cx="0" cy="0"/>
+          <a:chOff x="0" y="0"/>
+          <a:chExt cx="0" cy="0"/>
+        </a:xfrm>
+      </p:grpSpPr>
       <p:sp>
         <p:nvSpPr>
-          <p:cNvPr id="94" name="Google Shape;94;p36"/>
+          <p:cNvPr id="211" name="Google Shape;211;p3"/>
           <p:cNvSpPr txBox="1"/>
-          <p:nvPr/>
+          <p:nvPr>
+            <p:ph type="title"/>
+          </p:nvPr>
         </p:nvSpPr>
         <p:spPr>
           <a:xfrm>
-            <a:off x="138651" y="4713100"/>
-            <a:ext cx="2409900" cy="322200"/>
+            <a:off x="131032" y="682130"/>
+            <a:ext cx="2936100" cy="322200"/>
           </a:xfrm>
           <a:prstGeom prst="rect">
             <a:avLst/>
@@ -18601,94 +19033,6 @@
               <a:spcAft>
                 <a:spcPts val="0"/>
               </a:spcAft>
-              <a:buNone/>
-            </a:pPr>
-            <a:r>
-              <a:rPr b="0" i="0" lang="en" sz="1000" u="none" cap="none" strike="noStrike">
-                <a:solidFill>
-                  <a:schemeClr val="dk1"/>
-                </a:solidFill>
-                <a:latin typeface="Arial"/>
-                <a:ea typeface="Arial"/>
-                <a:cs typeface="Arial"/>
-                <a:sym typeface="Arial"/>
-              </a:rPr>
-              <a:t>Source : Arockia Jeba Santhiya A</a:t>
-            </a:r>
-            <a:r>
-              <a:rPr lang="en" sz="1000">
-                <a:solidFill>
-                  <a:schemeClr val="dk1"/>
-                </a:solidFill>
-              </a:rPr>
-              <a:t>                       </a:t>
-            </a:r>
-            <a:endParaRPr/>
-          </a:p>
-        </p:txBody>
-      </p:sp>
-    </p:spTree>
-  </p:cSld>
-  <p:clrMapOvr>
-    <a:masterClrMapping/>
-  </p:clrMapOvr>
-</p:sld>
-</file>
-
-<file path=ppt/slides/slide4.xml><?xml version="1.0" encoding="utf-8"?>
-<p:sld xmlns:a="http://schemas.openxmlformats.org/drawingml/2006/main" xmlns:r="http://schemas.openxmlformats.org/officeDocument/2006/relationships" xmlns:mc="http://schemas.openxmlformats.org/markup-compatibility/2006" xmlns:mv="urn:schemas-microsoft-com:mac:vml" xmlns:p="http://schemas.openxmlformats.org/presentationml/2006/main" xmlns:c="http://schemas.openxmlformats.org/drawingml/2006/chart" xmlns:dgm="http://schemas.openxmlformats.org/drawingml/2006/diagram" xmlns:o="urn:schemas-microsoft-com:office:office" xmlns:v="urn:schemas-microsoft-com:vml" xmlns:pvml="urn:schemas-microsoft-com:office:powerpoint" xmlns:com="http://schemas.openxmlformats.org/drawingml/2006/compatibility" xmlns:p14="http://schemas.microsoft.com/office/powerpoint/2010/main" xmlns:p15="http://schemas.microsoft.com/office/powerpoint/2012/main" xmlns:ahyp="http://schemas.microsoft.com/office/drawing/2018/hyperlinkcolor">
-  <p:cSld>
-    <p:spTree>
-      <p:nvGrpSpPr>
-        <p:cNvPr id="98" name="Shape 98"/>
-        <p:cNvGrpSpPr/>
-        <p:nvPr/>
-      </p:nvGrpSpPr>
-      <p:grpSpPr>
-        <a:xfrm>
-          <a:off x="0" y="0"/>
-          <a:ext cx="0" cy="0"/>
-          <a:chOff x="0" y="0"/>
-          <a:chExt cx="0" cy="0"/>
-        </a:xfrm>
-      </p:grpSpPr>
-      <p:sp>
-        <p:nvSpPr>
-          <p:cNvPr id="99" name="Google Shape;99;p37"/>
-          <p:cNvSpPr txBox="1"/>
-          <p:nvPr>
-            <p:ph type="title"/>
-          </p:nvPr>
-        </p:nvSpPr>
-        <p:spPr>
-          <a:xfrm>
-            <a:off x="131032" y="682130"/>
-            <a:ext cx="2936082" cy="322263"/>
-          </a:xfrm>
-          <a:prstGeom prst="rect">
-            <a:avLst/>
-          </a:prstGeom>
-          <a:noFill/>
-          <a:ln>
-            <a:noFill/>
-          </a:ln>
-        </p:spPr>
-        <p:txBody>
-          <a:bodyPr anchorCtr="0" anchor="t" bIns="91425" lIns="91425" spcFirstLastPara="1" rIns="91425" wrap="square" tIns="91425">
-            <a:noAutofit/>
-          </a:bodyPr>
-          <a:lstStyle/>
-          <a:p>
-            <a:pPr indent="0" lvl="0" marL="0" marR="0" rtl="0" algn="l">
-              <a:lnSpc>
-                <a:spcPct val="100000"/>
-              </a:lnSpc>
-              <a:spcBef>
-                <a:spcPts val="0"/>
-              </a:spcBef>
-              <a:spcAft>
-                <a:spcPts val="0"/>
-              </a:spcAft>
               <a:buClr>
                 <a:srgbClr val="000000"/>
               </a:buClr>
@@ -18739,14 +19083,21 @@
             <a:r>
               <a:t/>
             </a:r>
-            <a:endParaRPr b="1" sz="1600">
+            <a:endParaRPr b="1" i="0" sz="1600" u="none" cap="none" strike="noStrike">
               <a:solidFill>
                 <a:srgbClr val="213163"/>
               </a:solidFill>
+              <a:latin typeface="Arial"/>
+              <a:ea typeface="Arial"/>
+              <a:cs typeface="Arial"/>
+              <a:sym typeface="Arial"/>
             </a:endParaRPr>
           </a:p>
           <a:p>
-            <a:pPr indent="0" lvl="0" marL="0" rtl="0" algn="l">
+            <a:pPr indent="0" lvl="0" marL="0" marR="0" rtl="0" algn="l">
+              <a:lnSpc>
+                <a:spcPct val="100000"/>
+              </a:lnSpc>
               <a:spcBef>
                 <a:spcPts val="0"/>
               </a:spcBef>
@@ -18761,21 +19112,32 @@
               <a:buNone/>
             </a:pPr>
             <a:r>
-              <a:rPr lang="en" sz="1200">
+              <a:rPr b="0" i="0" lang="en" sz="1200" u="none" cap="none" strike="noStrike">
                 <a:solidFill>
                   <a:srgbClr val="213163"/>
                 </a:solidFill>
+                <a:latin typeface="Arial"/>
+                <a:ea typeface="Arial"/>
+                <a:cs typeface="Arial"/>
+                <a:sym typeface="Arial"/>
               </a:rPr>
               <a:t>Developing a secure question-answer platform with Django poses challenges in:</a:t>
             </a:r>
-            <a:endParaRPr sz="1200">
+            <a:endParaRPr b="0" i="0" sz="1200" u="none" cap="none" strike="noStrike">
               <a:solidFill>
                 <a:srgbClr val="213163"/>
               </a:solidFill>
+              <a:latin typeface="Arial"/>
+              <a:ea typeface="Arial"/>
+              <a:cs typeface="Arial"/>
+              <a:sym typeface="Arial"/>
             </a:endParaRPr>
           </a:p>
           <a:p>
-            <a:pPr indent="-304800" lvl="0" marL="457200" rtl="0" algn="l">
+            <a:pPr indent="-304800" lvl="0" marL="457200" marR="0" rtl="0" algn="l">
+              <a:lnSpc>
+                <a:spcPct val="100000"/>
+              </a:lnSpc>
               <a:spcBef>
                 <a:spcPts val="0"/>
               </a:spcBef>
@@ -18786,24 +19148,36 @@
                 <a:srgbClr val="213163"/>
               </a:buClr>
               <a:buSzPts val="1200"/>
+              <a:buFont typeface="Arial"/>
               <a:buChar char="●"/>
             </a:pPr>
             <a:r>
-              <a:rPr lang="en" sz="1200">
+              <a:rPr b="0" i="0" lang="en" sz="1200" u="none" cap="none" strike="noStrike">
                 <a:solidFill>
                   <a:srgbClr val="213163"/>
                 </a:solidFill>
+                <a:latin typeface="Arial"/>
+                <a:ea typeface="Arial"/>
+                <a:cs typeface="Arial"/>
+                <a:sym typeface="Arial"/>
               </a:rPr>
               <a:t>Ensuring data integrity</a:t>
             </a:r>
-            <a:endParaRPr sz="1200">
+            <a:endParaRPr b="0" i="0" sz="1200" u="none" cap="none" strike="noStrike">
               <a:solidFill>
                 <a:srgbClr val="213163"/>
               </a:solidFill>
+              <a:latin typeface="Arial"/>
+              <a:ea typeface="Arial"/>
+              <a:cs typeface="Arial"/>
+              <a:sym typeface="Arial"/>
             </a:endParaRPr>
           </a:p>
           <a:p>
-            <a:pPr indent="-304800" lvl="0" marL="457200" rtl="0" algn="l">
+            <a:pPr indent="-304800" lvl="0" marL="457200" marR="0" rtl="0" algn="l">
+              <a:lnSpc>
+                <a:spcPct val="100000"/>
+              </a:lnSpc>
               <a:spcBef>
                 <a:spcPts val="0"/>
               </a:spcBef>
@@ -18814,24 +19188,36 @@
                 <a:srgbClr val="213163"/>
               </a:buClr>
               <a:buSzPts val="1200"/>
+              <a:buFont typeface="Arial"/>
               <a:buChar char="●"/>
             </a:pPr>
             <a:r>
-              <a:rPr lang="en" sz="1200">
+              <a:rPr b="0" i="0" lang="en" sz="1200" u="none" cap="none" strike="noStrike">
                 <a:solidFill>
                   <a:srgbClr val="213163"/>
                 </a:solidFill>
+                <a:latin typeface="Arial"/>
+                <a:ea typeface="Arial"/>
+                <a:cs typeface="Arial"/>
+                <a:sym typeface="Arial"/>
               </a:rPr>
               <a:t>Safeguarding user confidentiality</a:t>
             </a:r>
-            <a:endParaRPr sz="1200">
+            <a:endParaRPr b="0" i="0" sz="1200" u="none" cap="none" strike="noStrike">
               <a:solidFill>
                 <a:srgbClr val="213163"/>
               </a:solidFill>
+              <a:latin typeface="Arial"/>
+              <a:ea typeface="Arial"/>
+              <a:cs typeface="Arial"/>
+              <a:sym typeface="Arial"/>
             </a:endParaRPr>
           </a:p>
           <a:p>
-            <a:pPr indent="-304800" lvl="0" marL="457200" rtl="0" algn="l">
+            <a:pPr indent="-304800" lvl="0" marL="457200" marR="0" rtl="0" algn="l">
+              <a:lnSpc>
+                <a:spcPct val="100000"/>
+              </a:lnSpc>
               <a:spcBef>
                 <a:spcPts val="0"/>
               </a:spcBef>
@@ -18842,43 +19228,67 @@
                 <a:srgbClr val="213163"/>
               </a:buClr>
               <a:buSzPts val="1200"/>
+              <a:buFont typeface="Arial"/>
               <a:buChar char="●"/>
             </a:pPr>
             <a:r>
-              <a:rPr lang="en" sz="1200">
+              <a:rPr b="0" i="0" lang="en" sz="1200" u="none" cap="none" strike="noStrike">
                 <a:solidFill>
                   <a:srgbClr val="213163"/>
                 </a:solidFill>
+                <a:latin typeface="Arial"/>
+                <a:ea typeface="Arial"/>
+                <a:cs typeface="Arial"/>
+                <a:sym typeface="Arial"/>
               </a:rPr>
               <a:t>Addressing scalability concerns</a:t>
             </a:r>
-            <a:endParaRPr sz="1200">
+            <a:endParaRPr b="0" i="0" sz="1200" u="none" cap="none" strike="noStrike">
               <a:solidFill>
                 <a:srgbClr val="213163"/>
               </a:solidFill>
+              <a:latin typeface="Arial"/>
+              <a:ea typeface="Arial"/>
+              <a:cs typeface="Arial"/>
+              <a:sym typeface="Arial"/>
             </a:endParaRPr>
           </a:p>
           <a:p>
-            <a:pPr indent="0" lvl="0" marL="457200" rtl="0" algn="l">
-              <a:spcBef>
-                <a:spcPts val="0"/>
-              </a:spcBef>
-              <a:spcAft>
-                <a:spcPts val="0"/>
-              </a:spcAft>
+            <a:pPr indent="0" lvl="0" marL="457200" marR="0" rtl="0" algn="l">
+              <a:lnSpc>
+                <a:spcPct val="100000"/>
+              </a:lnSpc>
+              <a:spcBef>
+                <a:spcPts val="0"/>
+              </a:spcBef>
+              <a:spcAft>
+                <a:spcPts val="0"/>
+              </a:spcAft>
+              <a:buClr>
+                <a:srgbClr val="000000"/>
+              </a:buClr>
+              <a:buSzPts val="1200"/>
+              <a:buFont typeface="Arial"/>
               <a:buNone/>
             </a:pPr>
             <a:r>
               <a:t/>
             </a:r>
-            <a:endParaRPr sz="1200">
+            <a:endParaRPr b="0" i="0" sz="1200" u="none" cap="none" strike="noStrike">
               <a:solidFill>
                 <a:srgbClr val="213163"/>
               </a:solidFill>
+              <a:latin typeface="Arial"/>
+              <a:ea typeface="Arial"/>
+              <a:cs typeface="Arial"/>
+              <a:sym typeface="Arial"/>
             </a:endParaRPr>
           </a:p>
           <a:p>
-            <a:pPr indent="0" lvl="0" marL="0" rtl="0" algn="l">
+            <a:pPr indent="0" lvl="0" marL="0" marR="0" rtl="0" algn="l">
+              <a:lnSpc>
+                <a:spcPct val="100000"/>
+              </a:lnSpc>
               <a:spcBef>
                 <a:spcPts val="0"/>
               </a:spcBef>
@@ -18893,21 +19303,32 @@
               <a:buNone/>
             </a:pPr>
             <a:r>
-              <a:rPr lang="en" sz="1200">
+              <a:rPr b="0" i="0" lang="en" sz="1200" u="none" cap="none" strike="noStrike">
                 <a:solidFill>
                   <a:srgbClr val="213163"/>
                 </a:solidFill>
+                <a:latin typeface="Arial"/>
+                <a:ea typeface="Arial"/>
+                <a:cs typeface="Arial"/>
+                <a:sym typeface="Arial"/>
               </a:rPr>
               <a:t>The challenge is to:</a:t>
             </a:r>
-            <a:endParaRPr sz="1200">
+            <a:endParaRPr b="0" i="0" sz="1200" u="none" cap="none" strike="noStrike">
               <a:solidFill>
                 <a:srgbClr val="213163"/>
               </a:solidFill>
+              <a:latin typeface="Arial"/>
+              <a:ea typeface="Arial"/>
+              <a:cs typeface="Arial"/>
+              <a:sym typeface="Arial"/>
             </a:endParaRPr>
           </a:p>
           <a:p>
-            <a:pPr indent="0" lvl="0" marL="0" rtl="0" algn="l">
+            <a:pPr indent="0" lvl="0" marL="0" marR="0" rtl="0" algn="l">
+              <a:lnSpc>
+                <a:spcPct val="100000"/>
+              </a:lnSpc>
               <a:spcBef>
                 <a:spcPts val="0"/>
               </a:spcBef>
@@ -18924,14 +19345,21 @@
             <a:r>
               <a:t/>
             </a:r>
-            <a:endParaRPr sz="1200">
+            <a:endParaRPr b="0" i="0" sz="1200" u="none" cap="none" strike="noStrike">
               <a:solidFill>
                 <a:srgbClr val="213163"/>
               </a:solidFill>
+              <a:latin typeface="Arial"/>
+              <a:ea typeface="Arial"/>
+              <a:cs typeface="Arial"/>
+              <a:sym typeface="Arial"/>
             </a:endParaRPr>
           </a:p>
           <a:p>
-            <a:pPr indent="-304800" lvl="0" marL="457200" rtl="0" algn="l">
+            <a:pPr indent="-304800" lvl="0" marL="457200" marR="0" rtl="0" algn="l">
+              <a:lnSpc>
+                <a:spcPct val="100000"/>
+              </a:lnSpc>
               <a:spcBef>
                 <a:spcPts val="0"/>
               </a:spcBef>
@@ -18942,24 +19370,36 @@
                 <a:srgbClr val="213163"/>
               </a:buClr>
               <a:buSzPts val="1200"/>
+              <a:buFont typeface="Arial"/>
               <a:buChar char="●"/>
             </a:pPr>
             <a:r>
-              <a:rPr lang="en" sz="1200">
+              <a:rPr b="0" i="0" lang="en" sz="1200" u="none" cap="none" strike="noStrike">
                 <a:solidFill>
                   <a:srgbClr val="213163"/>
                 </a:solidFill>
+                <a:latin typeface="Arial"/>
+                <a:ea typeface="Arial"/>
+                <a:cs typeface="Arial"/>
+                <a:sym typeface="Arial"/>
               </a:rPr>
               <a:t>Create a secure question-answer platform using Django</a:t>
             </a:r>
-            <a:endParaRPr sz="1200">
+            <a:endParaRPr b="0" i="0" sz="1200" u="none" cap="none" strike="noStrike">
               <a:solidFill>
                 <a:srgbClr val="213163"/>
               </a:solidFill>
+              <a:latin typeface="Arial"/>
+              <a:ea typeface="Arial"/>
+              <a:cs typeface="Arial"/>
+              <a:sym typeface="Arial"/>
             </a:endParaRPr>
           </a:p>
           <a:p>
-            <a:pPr indent="-304800" lvl="0" marL="457200" rtl="0" algn="l">
+            <a:pPr indent="-304800" lvl="0" marL="457200" marR="0" rtl="0" algn="l">
+              <a:lnSpc>
+                <a:spcPct val="100000"/>
+              </a:lnSpc>
               <a:spcBef>
                 <a:spcPts val="0"/>
               </a:spcBef>
@@ -18970,24 +19410,36 @@
                 <a:srgbClr val="213163"/>
               </a:buClr>
               <a:buSzPts val="1200"/>
+              <a:buFont typeface="Arial"/>
               <a:buChar char="●"/>
             </a:pPr>
             <a:r>
-              <a:rPr lang="en" sz="1200">
+              <a:rPr b="0" i="0" lang="en" sz="1200" u="none" cap="none" strike="noStrike">
                 <a:solidFill>
                   <a:srgbClr val="213163"/>
                 </a:solidFill>
+                <a:latin typeface="Arial"/>
+                <a:ea typeface="Arial"/>
+                <a:cs typeface="Arial"/>
+                <a:sym typeface="Arial"/>
               </a:rPr>
               <a:t>Facilitate seamless user engagement</a:t>
             </a:r>
-            <a:endParaRPr sz="1200">
+            <a:endParaRPr b="0" i="0" sz="1200" u="none" cap="none" strike="noStrike">
               <a:solidFill>
                 <a:srgbClr val="213163"/>
               </a:solidFill>
+              <a:latin typeface="Arial"/>
+              <a:ea typeface="Arial"/>
+              <a:cs typeface="Arial"/>
+              <a:sym typeface="Arial"/>
             </a:endParaRPr>
           </a:p>
           <a:p>
-            <a:pPr indent="-304800" lvl="0" marL="457200" rtl="0" algn="l">
+            <a:pPr indent="-304800" lvl="0" marL="457200" marR="0" rtl="0" algn="l">
+              <a:lnSpc>
+                <a:spcPct val="100000"/>
+              </a:lnSpc>
               <a:spcBef>
                 <a:spcPts val="0"/>
               </a:spcBef>
@@ -18998,24 +19450,36 @@
                 <a:srgbClr val="213163"/>
               </a:buClr>
               <a:buSzPts val="1200"/>
+              <a:buFont typeface="Arial"/>
               <a:buChar char="●"/>
             </a:pPr>
             <a:r>
-              <a:rPr lang="en" sz="1200">
+              <a:rPr b="0" i="0" lang="en" sz="1200" u="none" cap="none" strike="noStrike">
                 <a:solidFill>
                   <a:srgbClr val="213163"/>
                 </a:solidFill>
+                <a:latin typeface="Arial"/>
+                <a:ea typeface="Arial"/>
+                <a:cs typeface="Arial"/>
+                <a:sym typeface="Arial"/>
               </a:rPr>
               <a:t>Implement robust security measures</a:t>
             </a:r>
-            <a:endParaRPr sz="1200">
+            <a:endParaRPr b="0" i="0" sz="1200" u="none" cap="none" strike="noStrike">
               <a:solidFill>
                 <a:srgbClr val="213163"/>
               </a:solidFill>
+              <a:latin typeface="Arial"/>
+              <a:ea typeface="Arial"/>
+              <a:cs typeface="Arial"/>
+              <a:sym typeface="Arial"/>
             </a:endParaRPr>
           </a:p>
           <a:p>
-            <a:pPr indent="-304800" lvl="0" marL="457200" rtl="0" algn="l">
+            <a:pPr indent="-304800" lvl="0" marL="457200" marR="0" rtl="0" algn="l">
+              <a:lnSpc>
+                <a:spcPct val="100000"/>
+              </a:lnSpc>
               <a:spcBef>
                 <a:spcPts val="0"/>
               </a:spcBef>
@@ -19026,24 +19490,36 @@
                 <a:srgbClr val="213163"/>
               </a:buClr>
               <a:buSzPts val="1200"/>
+              <a:buFont typeface="Arial"/>
               <a:buChar char="●"/>
             </a:pPr>
             <a:r>
-              <a:rPr lang="en" sz="1200">
+              <a:rPr b="0" i="0" lang="en" sz="1200" u="none" cap="none" strike="noStrike">
                 <a:solidFill>
                   <a:srgbClr val="213163"/>
                 </a:solidFill>
+                <a:latin typeface="Arial"/>
+                <a:ea typeface="Arial"/>
+                <a:cs typeface="Arial"/>
+                <a:sym typeface="Arial"/>
               </a:rPr>
               <a:t>Scale effectively to accommodate increasing user interactions</a:t>
             </a:r>
-            <a:endParaRPr sz="1200">
+            <a:endParaRPr b="0" i="0" sz="1200" u="none" cap="none" strike="noStrike">
               <a:solidFill>
                 <a:srgbClr val="213163"/>
               </a:solidFill>
+              <a:latin typeface="Arial"/>
+              <a:ea typeface="Arial"/>
+              <a:cs typeface="Arial"/>
+              <a:sym typeface="Arial"/>
             </a:endParaRPr>
           </a:p>
           <a:p>
-            <a:pPr indent="0" lvl="0" marL="0" rtl="0" algn="l">
+            <a:pPr indent="0" lvl="0" marL="0" marR="0" rtl="0" algn="l">
+              <a:lnSpc>
+                <a:spcPct val="100000"/>
+              </a:lnSpc>
               <a:spcBef>
                 <a:spcPts val="0"/>
               </a:spcBef>
@@ -19060,14 +19536,21 @@
             <a:r>
               <a:t/>
             </a:r>
-            <a:endParaRPr sz="1200">
+            <a:endParaRPr b="0" i="0" sz="1200" u="none" cap="none" strike="noStrike">
               <a:solidFill>
                 <a:srgbClr val="213163"/>
               </a:solidFill>
+              <a:latin typeface="Arial"/>
+              <a:ea typeface="Arial"/>
+              <a:cs typeface="Arial"/>
+              <a:sym typeface="Arial"/>
             </a:endParaRPr>
           </a:p>
           <a:p>
-            <a:pPr indent="0" lvl="0" marL="0" rtl="0" algn="l">
+            <a:pPr indent="0" lvl="0" marL="0" marR="0" rtl="0" algn="l">
+              <a:lnSpc>
+                <a:spcPct val="100000"/>
+              </a:lnSpc>
               <a:spcBef>
                 <a:spcPts val="0"/>
               </a:spcBef>
@@ -19084,14 +19567,21 @@
             <a:r>
               <a:t/>
             </a:r>
-            <a:endParaRPr sz="1200">
+            <a:endParaRPr b="0" i="0" sz="1200" u="none" cap="none" strike="noStrike">
               <a:solidFill>
                 <a:srgbClr val="213163"/>
               </a:solidFill>
+              <a:latin typeface="Arial"/>
+              <a:ea typeface="Arial"/>
+              <a:cs typeface="Arial"/>
+              <a:sym typeface="Arial"/>
             </a:endParaRPr>
           </a:p>
           <a:p>
-            <a:pPr indent="0" lvl="0" marL="0" rtl="0" algn="l">
+            <a:pPr indent="0" lvl="0" marL="0" marR="0" rtl="0" algn="l">
+              <a:lnSpc>
+                <a:spcPct val="100000"/>
+              </a:lnSpc>
               <a:spcBef>
                 <a:spcPts val="0"/>
               </a:spcBef>
@@ -19108,14 +19598,21 @@
             <a:r>
               <a:t/>
             </a:r>
-            <a:endParaRPr sz="1200">
+            <a:endParaRPr b="0" i="0" sz="1200" u="none" cap="none" strike="noStrike">
               <a:solidFill>
                 <a:srgbClr val="213163"/>
               </a:solidFill>
+              <a:latin typeface="Arial"/>
+              <a:ea typeface="Arial"/>
+              <a:cs typeface="Arial"/>
+              <a:sym typeface="Arial"/>
             </a:endParaRPr>
           </a:p>
           <a:p>
-            <a:pPr indent="0" lvl="0" marL="0" rtl="0" algn="l">
+            <a:pPr indent="0" lvl="0" marL="0" marR="0" rtl="0" algn="l">
+              <a:lnSpc>
+                <a:spcPct val="100000"/>
+              </a:lnSpc>
               <a:spcBef>
                 <a:spcPts val="0"/>
               </a:spcBef>
@@ -19132,10 +19629,14 @@
             <a:r>
               <a:t/>
             </a:r>
-            <a:endParaRPr sz="1200">
+            <a:endParaRPr b="0" i="0" sz="1200" u="none" cap="none" strike="noStrike">
               <a:solidFill>
                 <a:srgbClr val="213163"/>
               </a:solidFill>
+              <a:latin typeface="Arial"/>
+              <a:ea typeface="Arial"/>
+              <a:cs typeface="Arial"/>
+              <a:sym typeface="Arial"/>
             </a:endParaRPr>
           </a:p>
           <a:p>
@@ -19159,10 +19660,14 @@
             <a:r>
               <a:t/>
             </a:r>
-            <a:endParaRPr sz="1200">
+            <a:endParaRPr b="0" i="0" sz="1200" u="none" cap="none" strike="noStrike">
               <a:solidFill>
                 <a:srgbClr val="213163"/>
               </a:solidFill>
+              <a:latin typeface="Arial"/>
+              <a:ea typeface="Arial"/>
+              <a:cs typeface="Arial"/>
+              <a:sym typeface="Arial"/>
             </a:endParaRPr>
           </a:p>
           <a:p>
@@ -19186,10 +19691,14 @@
             <a:r>
               <a:t/>
             </a:r>
-            <a:endParaRPr sz="1200">
+            <a:endParaRPr b="0" i="0" sz="1200" u="none" cap="none" strike="noStrike">
               <a:solidFill>
                 <a:srgbClr val="213163"/>
               </a:solidFill>
+              <a:latin typeface="Arial"/>
+              <a:ea typeface="Arial"/>
+              <a:cs typeface="Arial"/>
+              <a:sym typeface="Arial"/>
             </a:endParaRPr>
           </a:p>
           <a:p>
@@ -19213,17 +19722,21 @@
             <a:r>
               <a:t/>
             </a:r>
-            <a:endParaRPr sz="1200">
+            <a:endParaRPr b="0" i="0" sz="1200" u="none" cap="none" strike="noStrike">
               <a:solidFill>
                 <a:srgbClr val="213163"/>
               </a:solidFill>
+              <a:latin typeface="Arial"/>
+              <a:ea typeface="Arial"/>
+              <a:cs typeface="Arial"/>
+              <a:sym typeface="Arial"/>
             </a:endParaRPr>
           </a:p>
         </p:txBody>
       </p:sp>
       <p:cxnSp>
         <p:nvCxnSpPr>
-          <p:cNvPr id="100" name="Google Shape;100;p37"/>
+          <p:cNvPr id="212" name="Google Shape;212;p3"/>
           <p:cNvCxnSpPr/>
           <p:nvPr/>
         </p:nvCxnSpPr>
@@ -19247,79 +19760,6 @@
           </a:ln>
         </p:spPr>
       </p:cxnSp>
-      <p:sp>
-        <p:nvSpPr>
-          <p:cNvPr id="101" name="Google Shape;101;p37"/>
-          <p:cNvSpPr txBox="1"/>
-          <p:nvPr/>
-        </p:nvSpPr>
-        <p:spPr>
-          <a:xfrm>
-            <a:off x="138651" y="4713100"/>
-            <a:ext cx="2322000" cy="322200"/>
-          </a:xfrm>
-          <a:prstGeom prst="rect">
-            <a:avLst/>
-          </a:prstGeom>
-          <a:noFill/>
-          <a:ln>
-            <a:noFill/>
-          </a:ln>
-        </p:spPr>
-        <p:txBody>
-          <a:bodyPr anchorCtr="0" anchor="t" bIns="91425" lIns="91425" spcFirstLastPara="1" rIns="91425" wrap="square" tIns="91425">
-            <a:noAutofit/>
-          </a:bodyPr>
-          <a:lstStyle/>
-          <a:p>
-            <a:pPr indent="0" lvl="0" marL="0" marR="0" rtl="0" algn="l">
-              <a:lnSpc>
-                <a:spcPct val="100000"/>
-              </a:lnSpc>
-              <a:spcBef>
-                <a:spcPts val="0"/>
-              </a:spcBef>
-              <a:spcAft>
-                <a:spcPts val="0"/>
-              </a:spcAft>
-              <a:buNone/>
-            </a:pPr>
-            <a:r>
-              <a:rPr b="0" i="0" lang="en" sz="1000" u="none" cap="none" strike="noStrike">
-                <a:solidFill>
-                  <a:schemeClr val="dk1"/>
-                </a:solidFill>
-                <a:latin typeface="Arial"/>
-                <a:ea typeface="Arial"/>
-                <a:cs typeface="Arial"/>
-                <a:sym typeface="Arial"/>
-              </a:rPr>
-              <a:t>Source : </a:t>
-            </a:r>
-            <a:r>
-              <a:rPr lang="en" sz="1000">
-                <a:solidFill>
-                  <a:schemeClr val="dk1"/>
-                </a:solidFill>
-              </a:rPr>
-              <a:t>Arockia Jeba Santhiya A</a:t>
-            </a:r>
-            <a:r>
-              <a:rPr b="0" i="0" lang="en" sz="1000" u="none" cap="none" strike="noStrike">
-                <a:solidFill>
-                  <a:schemeClr val="dk1"/>
-                </a:solidFill>
-                <a:latin typeface="Arial"/>
-                <a:ea typeface="Arial"/>
-                <a:cs typeface="Arial"/>
-                <a:sym typeface="Arial"/>
-              </a:rPr>
-              <a:t> </a:t>
-            </a:r>
-            <a:endParaRPr/>
-          </a:p>
-        </p:txBody>
-      </p:sp>
     </p:spTree>
   </p:cSld>
   <p:clrMapOvr>
@@ -19333,7 +19773,7 @@
   <p:cSld>
     <p:spTree>
       <p:nvGrpSpPr>
-        <p:cNvPr id="105" name="Shape 105"/>
+        <p:cNvPr id="213" name="Shape 213"/>
         <p:cNvGrpSpPr/>
         <p:nvPr/>
       </p:nvGrpSpPr>
@@ -19347,7 +19787,7 @@
       </p:grpSpPr>
       <p:sp>
         <p:nvSpPr>
-          <p:cNvPr id="106" name="Google Shape;106;p38"/>
+          <p:cNvPr id="214" name="Google Shape;214;p4"/>
           <p:cNvSpPr txBox="1"/>
           <p:nvPr>
             <p:ph type="title"/>
@@ -19412,7 +19852,10 @@
             </a:endParaRPr>
           </a:p>
           <a:p>
-            <a:pPr indent="0" lvl="0" marL="0" rtl="0" algn="l">
+            <a:pPr indent="0" lvl="0" marL="0" marR="0" rtl="0" algn="l">
+              <a:lnSpc>
+                <a:spcPct val="100000"/>
+              </a:lnSpc>
               <a:spcBef>
                 <a:spcPts val="0"/>
               </a:spcBef>
@@ -19429,14 +19872,21 @@
             <a:r>
               <a:t/>
             </a:r>
-            <a:endParaRPr b="1" sz="1600">
+            <a:endParaRPr b="1" i="0" sz="1600" u="none" cap="none" strike="noStrike">
               <a:solidFill>
                 <a:srgbClr val="213163"/>
               </a:solidFill>
+              <a:latin typeface="Arial"/>
+              <a:ea typeface="Arial"/>
+              <a:cs typeface="Arial"/>
+              <a:sym typeface="Arial"/>
             </a:endParaRPr>
           </a:p>
           <a:p>
-            <a:pPr indent="0" lvl="0" marL="0" rtl="0" algn="l">
+            <a:pPr indent="0" lvl="0" marL="0" marR="0" rtl="0" algn="l">
+              <a:lnSpc>
+                <a:spcPct val="100000"/>
+              </a:lnSpc>
               <a:spcBef>
                 <a:spcPts val="0"/>
               </a:spcBef>
@@ -19451,29 +19901,44 @@
               <a:buNone/>
             </a:pPr>
             <a:r>
-              <a:rPr b="1" lang="en" sz="1200">
+              <a:rPr b="1" i="0" lang="en" sz="1200" u="none" cap="none" strike="noStrike">
                 <a:solidFill>
                   <a:srgbClr val="213163"/>
                 </a:solidFill>
+                <a:latin typeface="Arial"/>
+                <a:ea typeface="Arial"/>
+                <a:cs typeface="Arial"/>
+                <a:sym typeface="Arial"/>
               </a:rPr>
               <a:t>Title :</a:t>
             </a:r>
             <a:r>
-              <a:rPr lang="en" sz="1200">
+              <a:rPr b="0" i="0" lang="en" sz="1200" u="none" cap="none" strike="noStrike">
                 <a:solidFill>
                   <a:srgbClr val="213163"/>
                 </a:solidFill>
+                <a:latin typeface="Arial"/>
+                <a:ea typeface="Arial"/>
+                <a:cs typeface="Arial"/>
+                <a:sym typeface="Arial"/>
               </a:rPr>
               <a:t> Voting Machine with Django</a:t>
             </a:r>
-            <a:endParaRPr sz="1200">
+            <a:endParaRPr b="0" i="0" sz="1200" u="none" cap="none" strike="noStrike">
               <a:solidFill>
                 <a:srgbClr val="213163"/>
               </a:solidFill>
+              <a:latin typeface="Arial"/>
+              <a:ea typeface="Arial"/>
+              <a:cs typeface="Arial"/>
+              <a:sym typeface="Arial"/>
             </a:endParaRPr>
           </a:p>
           <a:p>
-            <a:pPr indent="0" lvl="0" marL="0" rtl="0" algn="l">
+            <a:pPr indent="0" lvl="0" marL="0" marR="0" rtl="0" algn="l">
+              <a:lnSpc>
+                <a:spcPct val="100000"/>
+              </a:lnSpc>
               <a:spcBef>
                 <a:spcPts val="0"/>
               </a:spcBef>
@@ -19490,14 +19955,21 @@
             <a:r>
               <a:t/>
             </a:r>
-            <a:endParaRPr sz="1200">
+            <a:endParaRPr b="0" i="0" sz="1200" u="none" cap="none" strike="noStrike">
               <a:solidFill>
                 <a:srgbClr val="213163"/>
               </a:solidFill>
+              <a:latin typeface="Arial"/>
+              <a:ea typeface="Arial"/>
+              <a:cs typeface="Arial"/>
+              <a:sym typeface="Arial"/>
             </a:endParaRPr>
           </a:p>
           <a:p>
-            <a:pPr indent="0" lvl="0" marL="0" rtl="0" algn="l">
+            <a:pPr indent="0" lvl="0" marL="0" marR="0" rtl="0" algn="l">
+              <a:lnSpc>
+                <a:spcPct val="100000"/>
+              </a:lnSpc>
               <a:spcBef>
                 <a:spcPts val="0"/>
               </a:spcBef>
@@ -19512,29 +19984,44 @@
               <a:buNone/>
             </a:pPr>
             <a:r>
-              <a:rPr b="1" lang="en" sz="1200">
+              <a:rPr b="1" i="0" lang="en" sz="1200" u="none" cap="none" strike="noStrike">
                 <a:solidFill>
                   <a:srgbClr val="213163"/>
                 </a:solidFill>
+                <a:latin typeface="Arial"/>
+                <a:ea typeface="Arial"/>
+                <a:cs typeface="Arial"/>
+                <a:sym typeface="Arial"/>
               </a:rPr>
               <a:t>Developer :</a:t>
             </a:r>
             <a:r>
-              <a:rPr lang="en" sz="1200">
+              <a:rPr b="0" i="0" lang="en" sz="1200" u="none" cap="none" strike="noStrike">
                 <a:solidFill>
                   <a:srgbClr val="213163"/>
                 </a:solidFill>
+                <a:latin typeface="Arial"/>
+                <a:ea typeface="Arial"/>
+                <a:cs typeface="Arial"/>
+                <a:sym typeface="Arial"/>
               </a:rPr>
               <a:t> Arockia Jeba Santhiya A</a:t>
             </a:r>
-            <a:endParaRPr sz="1200">
+            <a:endParaRPr b="0" i="0" sz="1200" u="none" cap="none" strike="noStrike">
               <a:solidFill>
                 <a:srgbClr val="213163"/>
               </a:solidFill>
+              <a:latin typeface="Arial"/>
+              <a:ea typeface="Arial"/>
+              <a:cs typeface="Arial"/>
+              <a:sym typeface="Arial"/>
             </a:endParaRPr>
           </a:p>
           <a:p>
-            <a:pPr indent="0" lvl="0" marL="0" rtl="0" algn="l">
+            <a:pPr indent="0" lvl="0" marL="0" marR="0" rtl="0" algn="l">
+              <a:lnSpc>
+                <a:spcPct val="100000"/>
+              </a:lnSpc>
               <a:spcBef>
                 <a:spcPts val="0"/>
               </a:spcBef>
@@ -19551,14 +20038,21 @@
             <a:r>
               <a:t/>
             </a:r>
-            <a:endParaRPr sz="1200">
+            <a:endParaRPr b="0" i="0" sz="1200" u="none" cap="none" strike="noStrike">
               <a:solidFill>
                 <a:srgbClr val="213163"/>
               </a:solidFill>
+              <a:latin typeface="Arial"/>
+              <a:ea typeface="Arial"/>
+              <a:cs typeface="Arial"/>
+              <a:sym typeface="Arial"/>
             </a:endParaRPr>
           </a:p>
           <a:p>
-            <a:pPr indent="0" lvl="0" marL="0" rtl="0" algn="l">
+            <a:pPr indent="0" lvl="0" marL="0" marR="0" rtl="0" algn="l">
+              <a:lnSpc>
+                <a:spcPct val="100000"/>
+              </a:lnSpc>
               <a:spcBef>
                 <a:spcPts val="0"/>
               </a:spcBef>
@@ -19573,29 +20067,44 @@
               <a:buNone/>
             </a:pPr>
             <a:r>
-              <a:rPr b="1" lang="en" sz="1200">
+              <a:rPr b="1" i="0" lang="en" sz="1200" u="none" cap="none" strike="noStrike">
                 <a:solidFill>
                   <a:srgbClr val="213163"/>
                 </a:solidFill>
+                <a:latin typeface="Arial"/>
+                <a:ea typeface="Arial"/>
+                <a:cs typeface="Arial"/>
+                <a:sym typeface="Arial"/>
               </a:rPr>
               <a:t>Objectives :</a:t>
             </a:r>
             <a:r>
-              <a:rPr lang="en" sz="1200">
+              <a:rPr b="0" i="0" lang="en" sz="1200" u="none" cap="none" strike="noStrike">
                 <a:solidFill>
                   <a:srgbClr val="213163"/>
                 </a:solidFill>
+                <a:latin typeface="Arial"/>
+                <a:ea typeface="Arial"/>
+                <a:cs typeface="Arial"/>
+                <a:sym typeface="Arial"/>
               </a:rPr>
               <a:t> Develop secure online voting with Django, ensuring integrity, scalability, and trust.</a:t>
             </a:r>
-            <a:endParaRPr sz="1200">
+            <a:endParaRPr b="0" i="0" sz="1200" u="none" cap="none" strike="noStrike">
               <a:solidFill>
                 <a:srgbClr val="213163"/>
               </a:solidFill>
+              <a:latin typeface="Arial"/>
+              <a:ea typeface="Arial"/>
+              <a:cs typeface="Arial"/>
+              <a:sym typeface="Arial"/>
             </a:endParaRPr>
           </a:p>
           <a:p>
-            <a:pPr indent="0" lvl="0" marL="0" rtl="0" algn="l">
+            <a:pPr indent="0" lvl="0" marL="0" marR="0" rtl="0" algn="l">
+              <a:lnSpc>
+                <a:spcPct val="100000"/>
+              </a:lnSpc>
               <a:spcBef>
                 <a:spcPts val="0"/>
               </a:spcBef>
@@ -19612,14 +20121,21 @@
             <a:r>
               <a:t/>
             </a:r>
-            <a:endParaRPr sz="1200">
+            <a:endParaRPr b="0" i="0" sz="1200" u="none" cap="none" strike="noStrike">
               <a:solidFill>
                 <a:srgbClr val="213163"/>
               </a:solidFill>
+              <a:latin typeface="Arial"/>
+              <a:ea typeface="Arial"/>
+              <a:cs typeface="Arial"/>
+              <a:sym typeface="Arial"/>
             </a:endParaRPr>
           </a:p>
           <a:p>
-            <a:pPr indent="0" lvl="0" marL="0" rtl="0" algn="l">
+            <a:pPr indent="0" lvl="0" marL="0" marR="0" rtl="0" algn="l">
+              <a:lnSpc>
+                <a:spcPct val="100000"/>
+              </a:lnSpc>
               <a:spcBef>
                 <a:spcPts val="0"/>
               </a:spcBef>
@@ -19634,29 +20150,44 @@
               <a:buNone/>
             </a:pPr>
             <a:r>
-              <a:rPr b="1" lang="en" sz="1200">
+              <a:rPr b="1" i="0" lang="en" sz="1200" u="none" cap="none" strike="noStrike">
                 <a:solidFill>
                   <a:srgbClr val="213163"/>
                 </a:solidFill>
+                <a:latin typeface="Arial"/>
+                <a:ea typeface="Arial"/>
+                <a:cs typeface="Arial"/>
+                <a:sym typeface="Arial"/>
               </a:rPr>
               <a:t>Structure :</a:t>
             </a:r>
             <a:r>
-              <a:rPr lang="en" sz="1200">
+              <a:rPr b="0" i="0" lang="en" sz="1200" u="none" cap="none" strike="noStrike">
                 <a:solidFill>
                   <a:srgbClr val="213163"/>
                 </a:solidFill>
+                <a:latin typeface="Arial"/>
+                <a:ea typeface="Arial"/>
+                <a:cs typeface="Arial"/>
+                <a:sym typeface="Arial"/>
               </a:rPr>
               <a:t> Setup, Authentication, Poll Management, Voting Interface, Results.</a:t>
             </a:r>
-            <a:endParaRPr sz="1200">
+            <a:endParaRPr b="0" i="0" sz="1200" u="none" cap="none" strike="noStrike">
               <a:solidFill>
                 <a:srgbClr val="213163"/>
               </a:solidFill>
+              <a:latin typeface="Arial"/>
+              <a:ea typeface="Arial"/>
+              <a:cs typeface="Arial"/>
+              <a:sym typeface="Arial"/>
             </a:endParaRPr>
           </a:p>
           <a:p>
-            <a:pPr indent="0" lvl="0" marL="0" rtl="0" algn="l">
+            <a:pPr indent="0" lvl="0" marL="0" marR="0" rtl="0" algn="l">
+              <a:lnSpc>
+                <a:spcPct val="100000"/>
+              </a:lnSpc>
               <a:spcBef>
                 <a:spcPts val="0"/>
               </a:spcBef>
@@ -19673,14 +20204,21 @@
             <a:r>
               <a:t/>
             </a:r>
-            <a:endParaRPr sz="1200">
+            <a:endParaRPr b="0" i="0" sz="1200" u="none" cap="none" strike="noStrike">
               <a:solidFill>
                 <a:srgbClr val="213163"/>
               </a:solidFill>
+              <a:latin typeface="Arial"/>
+              <a:ea typeface="Arial"/>
+              <a:cs typeface="Arial"/>
+              <a:sym typeface="Arial"/>
             </a:endParaRPr>
           </a:p>
           <a:p>
-            <a:pPr indent="0" lvl="0" marL="0" rtl="0" algn="l">
+            <a:pPr indent="0" lvl="0" marL="0" marR="0" rtl="0" algn="l">
+              <a:lnSpc>
+                <a:spcPct val="100000"/>
+              </a:lnSpc>
               <a:spcBef>
                 <a:spcPts val="0"/>
               </a:spcBef>
@@ -19695,29 +20233,44 @@
               <a:buNone/>
             </a:pPr>
             <a:r>
-              <a:rPr b="1" lang="en" sz="1200">
+              <a:rPr b="1" i="0" lang="en" sz="1200" u="none" cap="none" strike="noStrike">
                 <a:solidFill>
                   <a:srgbClr val="213163"/>
                 </a:solidFill>
+                <a:latin typeface="Arial"/>
+                <a:ea typeface="Arial"/>
+                <a:cs typeface="Arial"/>
+                <a:sym typeface="Arial"/>
               </a:rPr>
               <a:t>Materials :</a:t>
             </a:r>
             <a:r>
-              <a:rPr lang="en" sz="1200">
+              <a:rPr b="0" i="0" lang="en" sz="1200" u="none" cap="none" strike="noStrike">
                 <a:solidFill>
                   <a:srgbClr val="213163"/>
                 </a:solidFill>
+                <a:latin typeface="Arial"/>
+                <a:ea typeface="Arial"/>
+                <a:cs typeface="Arial"/>
+                <a:sym typeface="Arial"/>
               </a:rPr>
               <a:t> Django, database, HTML/CSS, Python.</a:t>
             </a:r>
-            <a:endParaRPr sz="1200">
+            <a:endParaRPr b="0" i="0" sz="1200" u="none" cap="none" strike="noStrike">
               <a:solidFill>
                 <a:srgbClr val="213163"/>
               </a:solidFill>
+              <a:latin typeface="Arial"/>
+              <a:ea typeface="Arial"/>
+              <a:cs typeface="Arial"/>
+              <a:sym typeface="Arial"/>
             </a:endParaRPr>
           </a:p>
           <a:p>
-            <a:pPr indent="0" lvl="0" marL="0" rtl="0" algn="l">
+            <a:pPr indent="0" lvl="0" marL="0" marR="0" rtl="0" algn="l">
+              <a:lnSpc>
+                <a:spcPct val="100000"/>
+              </a:lnSpc>
               <a:spcBef>
                 <a:spcPts val="0"/>
               </a:spcBef>
@@ -19734,14 +20287,21 @@
             <a:r>
               <a:t/>
             </a:r>
-            <a:endParaRPr sz="1200">
+            <a:endParaRPr b="0" i="0" sz="1200" u="none" cap="none" strike="noStrike">
               <a:solidFill>
                 <a:srgbClr val="213163"/>
               </a:solidFill>
+              <a:latin typeface="Arial"/>
+              <a:ea typeface="Arial"/>
+              <a:cs typeface="Arial"/>
+              <a:sym typeface="Arial"/>
             </a:endParaRPr>
           </a:p>
           <a:p>
-            <a:pPr indent="0" lvl="0" marL="0" rtl="0" algn="l">
+            <a:pPr indent="0" lvl="0" marL="0" marR="0" rtl="0" algn="l">
+              <a:lnSpc>
+                <a:spcPct val="100000"/>
+              </a:lnSpc>
               <a:spcBef>
                 <a:spcPts val="0"/>
               </a:spcBef>
@@ -19756,29 +20316,44 @@
               <a:buNone/>
             </a:pPr>
             <a:r>
-              <a:rPr b="1" lang="en" sz="1200">
+              <a:rPr b="1" i="0" lang="en" sz="1200" u="none" cap="none" strike="noStrike">
                 <a:solidFill>
                   <a:srgbClr val="213163"/>
                 </a:solidFill>
+                <a:latin typeface="Arial"/>
+                <a:ea typeface="Arial"/>
+                <a:cs typeface="Arial"/>
+                <a:sym typeface="Arial"/>
               </a:rPr>
               <a:t>Outcome : </a:t>
             </a:r>
             <a:r>
-              <a:rPr lang="en" sz="1200">
+              <a:rPr b="0" i="0" lang="en" sz="1200" u="none" cap="none" strike="noStrike">
                 <a:solidFill>
                   <a:srgbClr val="213163"/>
                 </a:solidFill>
+                <a:latin typeface="Arial"/>
+                <a:ea typeface="Arial"/>
+                <a:cs typeface="Arial"/>
+                <a:sym typeface="Arial"/>
               </a:rPr>
               <a:t>Secure, scalable system, showcasing Django expertise.</a:t>
             </a:r>
-            <a:endParaRPr sz="1200">
+            <a:endParaRPr b="0" i="0" sz="1200" u="none" cap="none" strike="noStrike">
               <a:solidFill>
                 <a:srgbClr val="213163"/>
               </a:solidFill>
+              <a:latin typeface="Arial"/>
+              <a:ea typeface="Arial"/>
+              <a:cs typeface="Arial"/>
+              <a:sym typeface="Arial"/>
             </a:endParaRPr>
           </a:p>
           <a:p>
-            <a:pPr indent="0" lvl="0" marL="0" rtl="0" algn="l">
+            <a:pPr indent="0" lvl="0" marL="0" marR="0" rtl="0" algn="l">
+              <a:lnSpc>
+                <a:spcPct val="100000"/>
+              </a:lnSpc>
               <a:spcBef>
                 <a:spcPts val="0"/>
               </a:spcBef>
@@ -19795,17 +20370,21 @@
             <a:r>
               <a:t/>
             </a:r>
-            <a:endParaRPr sz="1200">
+            <a:endParaRPr b="0" i="0" sz="1200" u="none" cap="none" strike="noStrike">
               <a:solidFill>
                 <a:srgbClr val="213163"/>
               </a:solidFill>
+              <a:latin typeface="Arial"/>
+              <a:ea typeface="Arial"/>
+              <a:cs typeface="Arial"/>
+              <a:sym typeface="Arial"/>
             </a:endParaRPr>
           </a:p>
         </p:txBody>
       </p:sp>
       <p:cxnSp>
         <p:nvCxnSpPr>
-          <p:cNvPr id="107" name="Google Shape;107;p38"/>
+          <p:cNvPr id="215" name="Google Shape;215;p4"/>
           <p:cNvCxnSpPr/>
           <p:nvPr/>
         </p:nvCxnSpPr>
@@ -19829,123 +20408,6 @@
           </a:ln>
         </p:spPr>
       </p:cxnSp>
-      <p:sp>
-        <p:nvSpPr>
-          <p:cNvPr id="108" name="Google Shape;108;p38"/>
-          <p:cNvSpPr txBox="1"/>
-          <p:nvPr/>
-        </p:nvSpPr>
-        <p:spPr>
-          <a:xfrm>
-            <a:off x="138645" y="4713100"/>
-            <a:ext cx="2403900" cy="322200"/>
-          </a:xfrm>
-          <a:prstGeom prst="rect">
-            <a:avLst/>
-          </a:prstGeom>
-          <a:noFill/>
-          <a:ln cap="flat" cmpd="sng" w="9525">
-            <a:solidFill>
-              <a:schemeClr val="dk1"/>
-            </a:solidFill>
-            <a:prstDash val="solid"/>
-            <a:round/>
-            <a:headEnd len="sm" w="sm" type="none"/>
-            <a:tailEnd len="sm" w="sm" type="none"/>
-          </a:ln>
-        </p:spPr>
-        <p:txBody>
-          <a:bodyPr anchorCtr="0" anchor="t" bIns="91425" lIns="91425" spcFirstLastPara="1" rIns="91425" wrap="square" tIns="91425">
-            <a:noAutofit/>
-          </a:bodyPr>
-          <a:lstStyle/>
-          <a:p>
-            <a:pPr indent="0" lvl="0" marL="0" marR="0" rtl="0" algn="l">
-              <a:lnSpc>
-                <a:spcPct val="100000"/>
-              </a:lnSpc>
-              <a:spcBef>
-                <a:spcPts val="0"/>
-              </a:spcBef>
-              <a:spcAft>
-                <a:spcPts val="0"/>
-              </a:spcAft>
-              <a:buNone/>
-            </a:pPr>
-            <a:r>
-              <a:rPr b="0" i="0" lang="en" sz="1000" u="none" cap="none" strike="noStrike">
-                <a:solidFill>
-                  <a:schemeClr val="dk1"/>
-                </a:solidFill>
-                <a:latin typeface="Arial"/>
-                <a:ea typeface="Arial"/>
-                <a:cs typeface="Arial"/>
-                <a:sym typeface="Arial"/>
-              </a:rPr>
-              <a:t>Source : </a:t>
-            </a:r>
-            <a:r>
-              <a:rPr lang="en" sz="1200">
-                <a:solidFill>
-                  <a:srgbClr val="213163"/>
-                </a:solidFill>
-              </a:rPr>
-              <a:t>Arockia Jeba Santhiya A</a:t>
-            </a:r>
-            <a:endParaRPr sz="1200">
-              <a:solidFill>
-                <a:srgbClr val="213163"/>
-              </a:solidFill>
-            </a:endParaRPr>
-          </a:p>
-          <a:p>
-            <a:pPr indent="0" lvl="0" marL="0" rtl="0" algn="l">
-              <a:spcBef>
-                <a:spcPts val="0"/>
-              </a:spcBef>
-              <a:spcAft>
-                <a:spcPts val="0"/>
-              </a:spcAft>
-              <a:buClr>
-                <a:schemeClr val="dk1"/>
-              </a:buClr>
-              <a:buSzPts val="1100"/>
-              <a:buFont typeface="Arial"/>
-              <a:buNone/>
-            </a:pPr>
-            <a:r>
-              <a:t/>
-            </a:r>
-            <a:endParaRPr sz="1200">
-              <a:solidFill>
-                <a:srgbClr val="213163"/>
-              </a:solidFill>
-            </a:endParaRPr>
-          </a:p>
-          <a:p>
-            <a:pPr indent="0" lvl="0" marL="0" marR="0" rtl="0" algn="l">
-              <a:lnSpc>
-                <a:spcPct val="100000"/>
-              </a:lnSpc>
-              <a:spcBef>
-                <a:spcPts val="0"/>
-              </a:spcBef>
-              <a:spcAft>
-                <a:spcPts val="0"/>
-              </a:spcAft>
-              <a:buNone/>
-            </a:pPr>
-            <a:r>
-              <a:t/>
-            </a:r>
-            <a:endParaRPr sz="1000">
-              <a:solidFill>
-                <a:schemeClr val="dk1"/>
-              </a:solidFill>
-            </a:endParaRPr>
-          </a:p>
-        </p:txBody>
-      </p:sp>
     </p:spTree>
   </p:cSld>
   <p:clrMapOvr>
@@ -19959,7 +20421,7 @@
   <p:cSld>
     <p:spTree>
       <p:nvGrpSpPr>
-        <p:cNvPr id="112" name="Shape 112"/>
+        <p:cNvPr id="216" name="Shape 216"/>
         <p:cNvGrpSpPr/>
         <p:nvPr/>
       </p:nvGrpSpPr>
@@ -19973,7 +20435,7 @@
       </p:grpSpPr>
       <p:sp>
         <p:nvSpPr>
-          <p:cNvPr id="113" name="Google Shape;113;p39"/>
+          <p:cNvPr id="217" name="Google Shape;217;p5"/>
           <p:cNvSpPr txBox="1"/>
           <p:nvPr>
             <p:ph type="title"/>
@@ -20058,10 +20520,14 @@
             <a:r>
               <a:t/>
             </a:r>
-            <a:endParaRPr b="1" sz="1600">
+            <a:endParaRPr b="1" i="0" sz="1600" u="none" cap="none" strike="noStrike">
               <a:solidFill>
                 <a:srgbClr val="213163"/>
               </a:solidFill>
+              <a:latin typeface="Arial"/>
+              <a:ea typeface="Arial"/>
+              <a:cs typeface="Arial"/>
+              <a:sym typeface="Arial"/>
             </a:endParaRPr>
           </a:p>
           <a:p>
@@ -20083,17 +20549,25 @@
               <a:buNone/>
             </a:pPr>
             <a:r>
-              <a:rPr b="1" lang="en" sz="1600">
+              <a:rPr b="1" i="0" lang="en" sz="1600" u="none" cap="none" strike="noStrike">
                 <a:solidFill>
                   <a:srgbClr val="213163"/>
                 </a:solidFill>
+                <a:latin typeface="Arial"/>
+                <a:ea typeface="Arial"/>
+                <a:cs typeface="Arial"/>
+                <a:sym typeface="Arial"/>
               </a:rPr>
               <a:t>Solution Overview:</a:t>
             </a:r>
-            <a:endParaRPr b="1" sz="1600">
+            <a:endParaRPr b="1" i="0" sz="1600" u="none" cap="none" strike="noStrike">
               <a:solidFill>
                 <a:srgbClr val="213163"/>
               </a:solidFill>
+              <a:latin typeface="Arial"/>
+              <a:ea typeface="Arial"/>
+              <a:cs typeface="Arial"/>
+              <a:sym typeface="Arial"/>
             </a:endParaRPr>
           </a:p>
           <a:p>
@@ -20117,14 +20591,21 @@
             <a:r>
               <a:t/>
             </a:r>
-            <a:endParaRPr b="1">
+            <a:endParaRPr b="1" i="0" sz="1400" u="none" cap="none" strike="noStrike">
               <a:solidFill>
                 <a:srgbClr val="213163"/>
               </a:solidFill>
+              <a:latin typeface="Arial"/>
+              <a:ea typeface="Arial"/>
+              <a:cs typeface="Arial"/>
+              <a:sym typeface="Arial"/>
             </a:endParaRPr>
           </a:p>
           <a:p>
-            <a:pPr indent="-317500" lvl="0" marL="457200" rtl="0" algn="l">
+            <a:pPr indent="-317500" lvl="0" marL="457200" marR="0" rtl="0" algn="l">
+              <a:lnSpc>
+                <a:spcPct val="100000"/>
+              </a:lnSpc>
               <a:spcBef>
                 <a:spcPts val="0"/>
               </a:spcBef>
@@ -20135,43 +20616,67 @@
                 <a:srgbClr val="213163"/>
               </a:buClr>
               <a:buSzPts val="1400"/>
+              <a:buFont typeface="Arial"/>
               <a:buChar char="●"/>
             </a:pPr>
             <a:r>
-              <a:rPr lang="en">
+              <a:rPr b="0" i="0" lang="en" sz="1400" u="none" cap="none" strike="noStrike">
                 <a:solidFill>
                   <a:srgbClr val="213163"/>
                 </a:solidFill>
+                <a:latin typeface="Arial"/>
+                <a:ea typeface="Arial"/>
+                <a:cs typeface="Arial"/>
+                <a:sym typeface="Arial"/>
               </a:rPr>
               <a:t>Develop a web-based voting application using Django framework.</a:t>
             </a:r>
-            <a:endParaRPr>
+            <a:endParaRPr b="0" i="0" sz="1400" u="none" cap="none" strike="noStrike">
               <a:solidFill>
                 <a:srgbClr val="213163"/>
               </a:solidFill>
+              <a:latin typeface="Arial"/>
+              <a:ea typeface="Arial"/>
+              <a:cs typeface="Arial"/>
+              <a:sym typeface="Arial"/>
             </a:endParaRPr>
           </a:p>
           <a:p>
-            <a:pPr indent="0" lvl="0" marL="457200" rtl="0" algn="l">
-              <a:spcBef>
-                <a:spcPts val="0"/>
-              </a:spcBef>
-              <a:spcAft>
-                <a:spcPts val="0"/>
-              </a:spcAft>
+            <a:pPr indent="0" lvl="0" marL="457200" marR="0" rtl="0" algn="l">
+              <a:lnSpc>
+                <a:spcPct val="100000"/>
+              </a:lnSpc>
+              <a:spcBef>
+                <a:spcPts val="0"/>
+              </a:spcBef>
+              <a:spcAft>
+                <a:spcPts val="0"/>
+              </a:spcAft>
+              <a:buClr>
+                <a:srgbClr val="000000"/>
+              </a:buClr>
+              <a:buSzPts val="1400"/>
+              <a:buFont typeface="Arial"/>
               <a:buNone/>
             </a:pPr>
             <a:r>
               <a:t/>
             </a:r>
-            <a:endParaRPr>
+            <a:endParaRPr b="0" i="0" sz="1400" u="none" cap="none" strike="noStrike">
               <a:solidFill>
                 <a:srgbClr val="213163"/>
               </a:solidFill>
+              <a:latin typeface="Arial"/>
+              <a:ea typeface="Arial"/>
+              <a:cs typeface="Arial"/>
+              <a:sym typeface="Arial"/>
             </a:endParaRPr>
           </a:p>
           <a:p>
-            <a:pPr indent="-317500" lvl="0" marL="457200" rtl="0" algn="l">
+            <a:pPr indent="-317500" lvl="0" marL="457200" marR="0" rtl="0" algn="l">
+              <a:lnSpc>
+                <a:spcPct val="100000"/>
+              </a:lnSpc>
               <a:spcBef>
                 <a:spcPts val="0"/>
               </a:spcBef>
@@ -20182,43 +20687,67 @@
                 <a:srgbClr val="213163"/>
               </a:buClr>
               <a:buSzPts val="1400"/>
+              <a:buFont typeface="Arial"/>
               <a:buChar char="●"/>
             </a:pPr>
             <a:r>
-              <a:rPr lang="en">
+              <a:rPr b="0" i="0" lang="en" sz="1400" u="none" cap="none" strike="noStrike">
                 <a:solidFill>
                   <a:srgbClr val="213163"/>
                 </a:solidFill>
+                <a:latin typeface="Arial"/>
+                <a:ea typeface="Arial"/>
+                <a:cs typeface="Arial"/>
+                <a:sym typeface="Arial"/>
               </a:rPr>
               <a:t>Implement secure user authentication and authorization.</a:t>
             </a:r>
-            <a:endParaRPr>
+            <a:endParaRPr b="0" i="0" sz="1400" u="none" cap="none" strike="noStrike">
               <a:solidFill>
                 <a:srgbClr val="213163"/>
               </a:solidFill>
+              <a:latin typeface="Arial"/>
+              <a:ea typeface="Arial"/>
+              <a:cs typeface="Arial"/>
+              <a:sym typeface="Arial"/>
             </a:endParaRPr>
           </a:p>
           <a:p>
-            <a:pPr indent="0" lvl="0" marL="457200" rtl="0" algn="l">
-              <a:spcBef>
-                <a:spcPts val="0"/>
-              </a:spcBef>
-              <a:spcAft>
-                <a:spcPts val="0"/>
-              </a:spcAft>
+            <a:pPr indent="0" lvl="0" marL="457200" marR="0" rtl="0" algn="l">
+              <a:lnSpc>
+                <a:spcPct val="100000"/>
+              </a:lnSpc>
+              <a:spcBef>
+                <a:spcPts val="0"/>
+              </a:spcBef>
+              <a:spcAft>
+                <a:spcPts val="0"/>
+              </a:spcAft>
+              <a:buClr>
+                <a:srgbClr val="000000"/>
+              </a:buClr>
+              <a:buSzPts val="1400"/>
+              <a:buFont typeface="Arial"/>
               <a:buNone/>
             </a:pPr>
             <a:r>
               <a:t/>
             </a:r>
-            <a:endParaRPr>
+            <a:endParaRPr b="0" i="0" sz="1400" u="none" cap="none" strike="noStrike">
               <a:solidFill>
                 <a:srgbClr val="213163"/>
               </a:solidFill>
+              <a:latin typeface="Arial"/>
+              <a:ea typeface="Arial"/>
+              <a:cs typeface="Arial"/>
+              <a:sym typeface="Arial"/>
             </a:endParaRPr>
           </a:p>
           <a:p>
-            <a:pPr indent="-317500" lvl="0" marL="457200" rtl="0" algn="l">
+            <a:pPr indent="-317500" lvl="0" marL="457200" marR="0" rtl="0" algn="l">
+              <a:lnSpc>
+                <a:spcPct val="100000"/>
+              </a:lnSpc>
               <a:spcBef>
                 <a:spcPts val="0"/>
               </a:spcBef>
@@ -20229,43 +20758,67 @@
                 <a:srgbClr val="213163"/>
               </a:buClr>
               <a:buSzPts val="1400"/>
+              <a:buFont typeface="Arial"/>
               <a:buChar char="●"/>
             </a:pPr>
             <a:r>
-              <a:rPr lang="en">
+              <a:rPr b="0" i="0" lang="en" sz="1400" u="none" cap="none" strike="noStrike">
                 <a:solidFill>
                   <a:srgbClr val="213163"/>
                 </a:solidFill>
+                <a:latin typeface="Arial"/>
+                <a:ea typeface="Arial"/>
+                <a:cs typeface="Arial"/>
+                <a:sym typeface="Arial"/>
               </a:rPr>
               <a:t>Create an intuitive user interface for casting votes securely.</a:t>
             </a:r>
-            <a:endParaRPr>
+            <a:endParaRPr b="0" i="0" sz="1400" u="none" cap="none" strike="noStrike">
               <a:solidFill>
                 <a:srgbClr val="213163"/>
               </a:solidFill>
+              <a:latin typeface="Arial"/>
+              <a:ea typeface="Arial"/>
+              <a:cs typeface="Arial"/>
+              <a:sym typeface="Arial"/>
             </a:endParaRPr>
           </a:p>
           <a:p>
-            <a:pPr indent="0" lvl="0" marL="457200" rtl="0" algn="l">
-              <a:spcBef>
-                <a:spcPts val="0"/>
-              </a:spcBef>
-              <a:spcAft>
-                <a:spcPts val="0"/>
-              </a:spcAft>
+            <a:pPr indent="0" lvl="0" marL="457200" marR="0" rtl="0" algn="l">
+              <a:lnSpc>
+                <a:spcPct val="100000"/>
+              </a:lnSpc>
+              <a:spcBef>
+                <a:spcPts val="0"/>
+              </a:spcBef>
+              <a:spcAft>
+                <a:spcPts val="0"/>
+              </a:spcAft>
+              <a:buClr>
+                <a:srgbClr val="000000"/>
+              </a:buClr>
+              <a:buSzPts val="1400"/>
+              <a:buFont typeface="Arial"/>
               <a:buNone/>
             </a:pPr>
             <a:r>
               <a:t/>
             </a:r>
-            <a:endParaRPr>
+            <a:endParaRPr b="0" i="0" sz="1400" u="none" cap="none" strike="noStrike">
               <a:solidFill>
                 <a:srgbClr val="213163"/>
               </a:solidFill>
+              <a:latin typeface="Arial"/>
+              <a:ea typeface="Arial"/>
+              <a:cs typeface="Arial"/>
+              <a:sym typeface="Arial"/>
             </a:endParaRPr>
           </a:p>
           <a:p>
-            <a:pPr indent="-317500" lvl="0" marL="457200" rtl="0" algn="l">
+            <a:pPr indent="-317500" lvl="0" marL="457200" marR="0" rtl="0" algn="l">
+              <a:lnSpc>
+                <a:spcPct val="100000"/>
+              </a:lnSpc>
               <a:spcBef>
                 <a:spcPts val="0"/>
               </a:spcBef>
@@ -20276,43 +20829,67 @@
                 <a:srgbClr val="213163"/>
               </a:buClr>
               <a:buSzPts val="1400"/>
+              <a:buFont typeface="Arial"/>
               <a:buChar char="●"/>
             </a:pPr>
             <a:r>
-              <a:rPr lang="en">
+              <a:rPr b="0" i="0" lang="en" sz="1400" u="none" cap="none" strike="noStrike">
                 <a:solidFill>
                   <a:srgbClr val="213163"/>
                 </a:solidFill>
+                <a:latin typeface="Arial"/>
+                <a:ea typeface="Arial"/>
+                <a:cs typeface="Arial"/>
+                <a:sym typeface="Arial"/>
               </a:rPr>
               <a:t>Ensure data integrity and confidentiality throughout the voting process.</a:t>
             </a:r>
-            <a:endParaRPr>
+            <a:endParaRPr b="0" i="0" sz="1400" u="none" cap="none" strike="noStrike">
               <a:solidFill>
                 <a:srgbClr val="213163"/>
               </a:solidFill>
+              <a:latin typeface="Arial"/>
+              <a:ea typeface="Arial"/>
+              <a:cs typeface="Arial"/>
+              <a:sym typeface="Arial"/>
             </a:endParaRPr>
           </a:p>
           <a:p>
-            <a:pPr indent="0" lvl="0" marL="457200" rtl="0" algn="l">
-              <a:spcBef>
-                <a:spcPts val="0"/>
-              </a:spcBef>
-              <a:spcAft>
-                <a:spcPts val="0"/>
-              </a:spcAft>
+            <a:pPr indent="0" lvl="0" marL="457200" marR="0" rtl="0" algn="l">
+              <a:lnSpc>
+                <a:spcPct val="100000"/>
+              </a:lnSpc>
+              <a:spcBef>
+                <a:spcPts val="0"/>
+              </a:spcBef>
+              <a:spcAft>
+                <a:spcPts val="0"/>
+              </a:spcAft>
+              <a:buClr>
+                <a:srgbClr val="000000"/>
+              </a:buClr>
+              <a:buSzPts val="1400"/>
+              <a:buFont typeface="Arial"/>
               <a:buNone/>
             </a:pPr>
             <a:r>
               <a:t/>
             </a:r>
-            <a:endParaRPr>
+            <a:endParaRPr b="0" i="0" sz="1400" u="none" cap="none" strike="noStrike">
               <a:solidFill>
                 <a:srgbClr val="213163"/>
               </a:solidFill>
+              <a:latin typeface="Arial"/>
+              <a:ea typeface="Arial"/>
+              <a:cs typeface="Arial"/>
+              <a:sym typeface="Arial"/>
             </a:endParaRPr>
           </a:p>
           <a:p>
-            <a:pPr indent="-317500" lvl="0" marL="457200" rtl="0" algn="l">
+            <a:pPr indent="-317500" lvl="0" marL="457200" marR="0" rtl="0" algn="l">
+              <a:lnSpc>
+                <a:spcPct val="100000"/>
+              </a:lnSpc>
               <a:spcBef>
                 <a:spcPts val="0"/>
               </a:spcBef>
@@ -20323,47 +20900,60 @@
                 <a:srgbClr val="213163"/>
               </a:buClr>
               <a:buSzPts val="1400"/>
+              <a:buFont typeface="Arial"/>
               <a:buChar char="●"/>
             </a:pPr>
             <a:r>
-              <a:rPr lang="en">
+              <a:rPr b="0" i="0" lang="en" sz="1400" u="none" cap="none" strike="noStrike">
                 <a:solidFill>
                   <a:srgbClr val="213163"/>
                 </a:solidFill>
+                <a:latin typeface="Arial"/>
+                <a:ea typeface="Arial"/>
+                <a:cs typeface="Arial"/>
+                <a:sym typeface="Arial"/>
               </a:rPr>
-              <a:t>Utilize Djang</a:t>
-            </a:r>
-            <a:r>
-              <a:rPr lang="en">
-                <a:solidFill>
-                  <a:srgbClr val="213163"/>
-                </a:solidFill>
-              </a:rPr>
-              <a:t>o's robust features for scalability and administrative control.</a:t>
-            </a:r>
-            <a:endParaRPr>
+              <a:t>Utilize Django's robust features for scalability and administrative control.</a:t>
+            </a:r>
+            <a:endParaRPr b="0" i="0" sz="1400" u="none" cap="none" strike="noStrike">
               <a:solidFill>
                 <a:srgbClr val="213163"/>
               </a:solidFill>
+              <a:latin typeface="Arial"/>
+              <a:ea typeface="Arial"/>
+              <a:cs typeface="Arial"/>
+              <a:sym typeface="Arial"/>
             </a:endParaRPr>
           </a:p>
           <a:p>
-            <a:pPr indent="0" lvl="0" marL="457200" rtl="0" algn="l">
-              <a:spcBef>
-                <a:spcPts val="0"/>
-              </a:spcBef>
-              <a:spcAft>
-                <a:spcPts val="0"/>
-              </a:spcAft>
+            <a:pPr indent="0" lvl="0" marL="457200" marR="0" rtl="0" algn="l">
+              <a:lnSpc>
+                <a:spcPct val="100000"/>
+              </a:lnSpc>
+              <a:spcBef>
+                <a:spcPts val="0"/>
+              </a:spcBef>
+              <a:spcAft>
+                <a:spcPts val="0"/>
+              </a:spcAft>
+              <a:buClr>
+                <a:srgbClr val="000000"/>
+              </a:buClr>
+              <a:buSzPts val="1400"/>
+              <a:buFont typeface="Arial"/>
               <a:buNone/>
             </a:pPr>
             <a:r>
               <a:t/>
             </a:r>
-            <a:endParaRPr>
+            <a:endParaRPr b="0" i="0" sz="1400" u="none" cap="none" strike="noStrike">
               <a:solidFill>
                 <a:srgbClr val="213163"/>
               </a:solidFill>
+              <a:latin typeface="Arial"/>
+              <a:ea typeface="Arial"/>
+              <a:cs typeface="Arial"/>
+              <a:sym typeface="Arial"/>
             </a:endParaRPr>
           </a:p>
           <a:p>
@@ -20387,17 +20977,21 @@
             <a:r>
               <a:t/>
             </a:r>
-            <a:endParaRPr b="1">
+            <a:endParaRPr b="1" i="0" sz="1400" u="none" cap="none" strike="noStrike">
               <a:solidFill>
                 <a:srgbClr val="213163"/>
               </a:solidFill>
+              <a:latin typeface="Arial"/>
+              <a:ea typeface="Arial"/>
+              <a:cs typeface="Arial"/>
+              <a:sym typeface="Arial"/>
             </a:endParaRPr>
           </a:p>
         </p:txBody>
       </p:sp>
       <p:cxnSp>
         <p:nvCxnSpPr>
-          <p:cNvPr id="114" name="Google Shape;114;p39"/>
+          <p:cNvPr id="218" name="Google Shape;218;p5"/>
           <p:cNvCxnSpPr/>
           <p:nvPr/>
         </p:nvCxnSpPr>
@@ -20421,93 +21015,6 @@
           </a:ln>
         </p:spPr>
       </p:cxnSp>
-      <p:sp>
-        <p:nvSpPr>
-          <p:cNvPr id="115" name="Google Shape;115;p39"/>
-          <p:cNvSpPr txBox="1"/>
-          <p:nvPr/>
-        </p:nvSpPr>
-        <p:spPr>
-          <a:xfrm>
-            <a:off x="138645" y="4713100"/>
-            <a:ext cx="2631900" cy="322200"/>
-          </a:xfrm>
-          <a:prstGeom prst="rect">
-            <a:avLst/>
-          </a:prstGeom>
-          <a:noFill/>
-          <a:ln>
-            <a:noFill/>
-          </a:ln>
-        </p:spPr>
-        <p:txBody>
-          <a:bodyPr anchorCtr="0" anchor="t" bIns="91425" lIns="91425" spcFirstLastPara="1" rIns="91425" wrap="square" tIns="91425">
-            <a:noAutofit/>
-          </a:bodyPr>
-          <a:lstStyle/>
-          <a:p>
-            <a:pPr indent="0" lvl="0" marL="0" marR="0" rtl="0" algn="l">
-              <a:lnSpc>
-                <a:spcPct val="100000"/>
-              </a:lnSpc>
-              <a:spcBef>
-                <a:spcPts val="0"/>
-              </a:spcBef>
-              <a:spcAft>
-                <a:spcPts val="0"/>
-              </a:spcAft>
-              <a:buNone/>
-            </a:pPr>
-            <a:r>
-              <a:rPr b="0" i="0" lang="en" sz="1000" u="none" cap="none" strike="noStrike">
-                <a:solidFill>
-                  <a:schemeClr val="dk1"/>
-                </a:solidFill>
-                <a:latin typeface="Arial"/>
-                <a:ea typeface="Arial"/>
-                <a:cs typeface="Arial"/>
-                <a:sym typeface="Arial"/>
-              </a:rPr>
-              <a:t>Source : </a:t>
-            </a:r>
-            <a:r>
-              <a:rPr lang="en" sz="1200">
-                <a:solidFill>
-                  <a:srgbClr val="213163"/>
-                </a:solidFill>
-              </a:rPr>
-              <a:t>Arockia Jeba Santhiya A</a:t>
-            </a:r>
-            <a:endParaRPr sz="1200">
-              <a:solidFill>
-                <a:srgbClr val="213163"/>
-              </a:solidFill>
-            </a:endParaRPr>
-          </a:p>
-          <a:p>
-            <a:pPr indent="0" lvl="0" marL="0" marR="0" rtl="0" algn="l">
-              <a:lnSpc>
-                <a:spcPct val="100000"/>
-              </a:lnSpc>
-              <a:spcBef>
-                <a:spcPts val="0"/>
-              </a:spcBef>
-              <a:spcAft>
-                <a:spcPts val="0"/>
-              </a:spcAft>
-              <a:buNone/>
-            </a:pPr>
-            <a:r>
-              <a:t/>
-            </a:r>
-            <a:endParaRPr sz="1000">
-              <a:solidFill>
-                <a:schemeClr val="dk1"/>
-              </a:solidFill>
-            </a:endParaRPr>
-          </a:p>
-        </p:txBody>
-      </p:sp>
     </p:spTree>
   </p:cSld>
   <p:clrMapOvr>
@@ -20521,7 +21028,7 @@
   <p:cSld>
     <p:spTree>
       <p:nvGrpSpPr>
-        <p:cNvPr id="119" name="Shape 119"/>
+        <p:cNvPr id="219" name="Shape 219"/>
         <p:cNvGrpSpPr/>
         <p:nvPr/>
       </p:nvGrpSpPr>
@@ -20535,7 +21042,7 @@
       </p:grpSpPr>
       <p:sp>
         <p:nvSpPr>
-          <p:cNvPr id="120" name="Google Shape;120;p41"/>
+          <p:cNvPr id="220" name="Google Shape;220;p6"/>
           <p:cNvSpPr txBox="1"/>
           <p:nvPr/>
         </p:nvSpPr>
@@ -20568,12 +21075,17 @@
               <a:spcAft>
                 <a:spcPts val="0"/>
               </a:spcAft>
+              <a:buClr>
+                <a:srgbClr val="000000"/>
+              </a:buClr>
+              <a:buSzPts val="1400"/>
+              <a:buFont typeface="Arial"/>
               <a:buNone/>
             </a:pPr>
             <a:r>
               <a:t/>
             </a:r>
-            <a:endParaRPr>
+            <a:endParaRPr b="0" i="0" sz="1400" u="none" cap="none" strike="noStrike">
               <a:solidFill>
                 <a:srgbClr val="374151"/>
               </a:solidFill>
@@ -20584,7 +21096,7 @@
             </a:endParaRPr>
           </a:p>
           <a:p>
-            <a:pPr indent="0" lvl="0" marL="0" rtl="0" algn="l">
+            <a:pPr indent="0" lvl="0" marL="0" marR="0" rtl="0" algn="l">
               <a:lnSpc>
                 <a:spcPct val="150000"/>
               </a:lnSpc>
@@ -20602,7 +21114,7 @@
               <a:buNone/>
             </a:pPr>
             <a:r>
-              <a:rPr b="1" lang="en" sz="1600">
+              <a:rPr b="1" i="0" lang="en" sz="1600" u="none" cap="none" strike="noStrike">
                 <a:solidFill>
                   <a:srgbClr val="374151"/>
                 </a:solidFill>
@@ -20613,7 +21125,7 @@
               </a:rPr>
               <a:t>Speaker Notes:</a:t>
             </a:r>
-            <a:endParaRPr b="1" sz="1600">
+            <a:endParaRPr b="1" i="0" sz="1600" u="none" cap="none" strike="noStrike">
               <a:solidFill>
                 <a:srgbClr val="374151"/>
               </a:solidFill>
@@ -20624,7 +21136,7 @@
             </a:endParaRPr>
           </a:p>
           <a:p>
-            <a:pPr indent="0" lvl="0" marL="0" rtl="0" algn="l">
+            <a:pPr indent="0" lvl="0" marL="0" marR="0" rtl="0" algn="l">
               <a:lnSpc>
                 <a:spcPct val="150000"/>
               </a:lnSpc>
@@ -20644,7 +21156,7 @@
             <a:r>
               <a:t/>
             </a:r>
-            <a:endParaRPr>
+            <a:endParaRPr b="0" i="0" sz="1400" u="none" cap="none" strike="noStrike">
               <a:solidFill>
                 <a:srgbClr val="374151"/>
               </a:solidFill>
@@ -20655,7 +21167,7 @@
             </a:endParaRPr>
           </a:p>
           <a:p>
-            <a:pPr indent="0" lvl="0" marL="0" rtl="0" algn="l">
+            <a:pPr indent="0" lvl="0" marL="0" marR="0" rtl="0" algn="l">
               <a:lnSpc>
                 <a:spcPct val="150000"/>
               </a:lnSpc>
@@ -20665,11 +21177,15 @@
               <a:spcAft>
                 <a:spcPts val="0"/>
               </a:spcAft>
+              <a:buClr>
+                <a:srgbClr val="000000"/>
+              </a:buClr>
               <a:buSzPts val="1100"/>
-              <a:buNone/>
-            </a:pPr>
-            <a:r>
-              <a:rPr lang="en" sz="1500">
+              <a:buFont typeface="Arial"/>
+              <a:buNone/>
+            </a:pPr>
+            <a:r>
+              <a:rPr b="0" i="0" lang="en" sz="1500" u="none" cap="none" strike="noStrike">
                 <a:solidFill>
                   <a:srgbClr val="374151"/>
                 </a:solidFill>
@@ -20680,7 +21196,7 @@
               </a:rPr>
               <a:t>Our proposed solution is to develop a secure online voting system using Django:</a:t>
             </a:r>
-            <a:endParaRPr sz="1500">
+            <a:endParaRPr b="0" i="0" sz="1500" u="none" cap="none" strike="noStrike">
               <a:solidFill>
                 <a:srgbClr val="374151"/>
               </a:solidFill>
@@ -20691,7 +21207,7 @@
             </a:endParaRPr>
           </a:p>
           <a:p>
-            <a:pPr indent="0" lvl="0" marL="0" rtl="0" algn="l">
+            <a:pPr indent="0" lvl="0" marL="0" marR="0" rtl="0" algn="l">
               <a:lnSpc>
                 <a:spcPct val="150000"/>
               </a:lnSpc>
@@ -20711,7 +21227,7 @@
             <a:r>
               <a:t/>
             </a:r>
-            <a:endParaRPr sz="1500">
+            <a:endParaRPr b="0" i="0" sz="1500" u="none" cap="none" strike="noStrike">
               <a:solidFill>
                 <a:srgbClr val="374151"/>
               </a:solidFill>
@@ -20722,7 +21238,7 @@
             </a:endParaRPr>
           </a:p>
           <a:p>
-            <a:pPr indent="-323850" lvl="0" marL="457200" rtl="0" algn="l">
+            <a:pPr indent="-323850" lvl="0" marL="457200" marR="0" rtl="0" algn="l">
               <a:lnSpc>
                 <a:spcPct val="150000"/>
               </a:lnSpc>
@@ -20740,7 +21256,7 @@
               <a:buChar char="●"/>
             </a:pPr>
             <a:r>
-              <a:rPr lang="en" sz="1500">
+              <a:rPr b="0" i="0" lang="en" sz="1500" u="none" cap="none" strike="noStrike">
                 <a:solidFill>
                   <a:srgbClr val="374151"/>
                 </a:solidFill>
@@ -20751,7 +21267,7 @@
               </a:rPr>
               <a:t>Django offers rapid development capabilities, enabling us to build the system efficiently. Its built-in features for authentication, database management, and templating simplify development.</a:t>
             </a:r>
-            <a:endParaRPr sz="1500">
+            <a:endParaRPr b="0" i="0" sz="1500" u="none" cap="none" strike="noStrike">
               <a:solidFill>
                 <a:srgbClr val="374151"/>
               </a:solidFill>
@@ -20762,7 +21278,7 @@
             </a:endParaRPr>
           </a:p>
           <a:p>
-            <a:pPr indent="-323850" lvl="0" marL="457200" rtl="0" algn="l">
+            <a:pPr indent="-323850" lvl="0" marL="457200" marR="0" rtl="0" algn="l">
               <a:lnSpc>
                 <a:spcPct val="150000"/>
               </a:lnSpc>
@@ -20780,7 +21296,7 @@
               <a:buChar char="●"/>
             </a:pPr>
             <a:r>
-              <a:rPr lang="en" sz="1500">
+              <a:rPr b="0" i="0" lang="en" sz="1500" u="none" cap="none" strike="noStrike">
                 <a:solidFill>
                   <a:srgbClr val="374151"/>
                 </a:solidFill>
@@ -20791,7 +21307,7 @@
               </a:rPr>
               <a:t>Implementing robust security measures, such as encryption, authentication, and access controls, ensures data integrity and confidentiality throughout the voting process.</a:t>
             </a:r>
-            <a:endParaRPr sz="1500">
+            <a:endParaRPr b="0" i="0" sz="1500" u="none" cap="none" strike="noStrike">
               <a:solidFill>
                 <a:srgbClr val="374151"/>
               </a:solidFill>
@@ -20802,7 +21318,7 @@
             </a:endParaRPr>
           </a:p>
           <a:p>
-            <a:pPr indent="-323850" lvl="0" marL="457200" rtl="0" algn="l">
+            <a:pPr indent="-323850" lvl="0" marL="457200" marR="0" rtl="0" algn="l">
               <a:lnSpc>
                 <a:spcPct val="150000"/>
               </a:lnSpc>
@@ -20820,7 +21336,7 @@
               <a:buChar char="●"/>
             </a:pPr>
             <a:r>
-              <a:rPr lang="en" sz="1500">
+              <a:rPr b="0" i="0" lang="en" sz="1500" u="none" cap="none" strike="noStrike">
                 <a:solidFill>
                   <a:srgbClr val="374151"/>
                 </a:solidFill>
@@ -20831,7 +21347,7 @@
               </a:rPr>
               <a:t>Leveraging Django's scalability capabilities, we can design the system to handle large voter bases and accommodate increasing user interactions seamlessly.</a:t>
             </a:r>
-            <a:endParaRPr sz="1500">
+            <a:endParaRPr b="0" i="0" sz="1500" u="none" cap="none" strike="noStrike">
               <a:solidFill>
                 <a:srgbClr val="374151"/>
               </a:solidFill>
@@ -20842,7 +21358,7 @@
             </a:endParaRPr>
           </a:p>
           <a:p>
-            <a:pPr indent="0" lvl="0" marL="0" rtl="0" algn="l">
+            <a:pPr indent="0" lvl="0" marL="0" marR="0" rtl="0" algn="l">
               <a:lnSpc>
                 <a:spcPct val="150000"/>
               </a:lnSpc>
@@ -20852,13 +21368,17 @@
               <a:spcAft>
                 <a:spcPts val="0"/>
               </a:spcAft>
+              <a:buClr>
+                <a:srgbClr val="000000"/>
+              </a:buClr>
               <a:buSzPts val="1100"/>
+              <a:buFont typeface="Arial"/>
               <a:buNone/>
             </a:pPr>
             <a:r>
               <a:t/>
             </a:r>
-            <a:endParaRPr>
+            <a:endParaRPr b="0" i="0" sz="1400" u="none" cap="none" strike="noStrike">
               <a:solidFill>
                 <a:srgbClr val="374151"/>
               </a:solidFill>
@@ -20869,7 +21389,7 @@
             </a:endParaRPr>
           </a:p>
           <a:p>
-            <a:pPr indent="0" lvl="0" marL="0" rtl="0" algn="l">
+            <a:pPr indent="0" lvl="0" marL="0" marR="0" rtl="0" algn="l">
               <a:lnSpc>
                 <a:spcPct val="150000"/>
               </a:lnSpc>
@@ -20889,7 +21409,7 @@
             <a:r>
               <a:t/>
             </a:r>
-            <a:endParaRPr>
+            <a:endParaRPr b="0" i="0" sz="1400" u="none" cap="none" strike="noStrike">
               <a:solidFill>
                 <a:srgbClr val="374151"/>
               </a:solidFill>
@@ -20900,7 +21420,7 @@
             </a:endParaRPr>
           </a:p>
           <a:p>
-            <a:pPr indent="0" lvl="0" marL="0" rtl="0" algn="l">
+            <a:pPr indent="0" lvl="0" marL="0" marR="0" rtl="0" algn="l">
               <a:lnSpc>
                 <a:spcPct val="150000"/>
               </a:lnSpc>
@@ -20920,7 +21440,7 @@
             <a:r>
               <a:t/>
             </a:r>
-            <a:endParaRPr>
+            <a:endParaRPr b="0" i="0" sz="1400" u="none" cap="none" strike="noStrike">
               <a:solidFill>
                 <a:srgbClr val="374151"/>
               </a:solidFill>
@@ -20931,7 +21451,7 @@
             </a:endParaRPr>
           </a:p>
           <a:p>
-            <a:pPr indent="0" lvl="0" marL="0" rtl="0" algn="l">
+            <a:pPr indent="0" lvl="0" marL="0" marR="0" rtl="0" algn="l">
               <a:lnSpc>
                 <a:spcPct val="150000"/>
               </a:lnSpc>
@@ -20951,7 +21471,7 @@
             <a:r>
               <a:t/>
             </a:r>
-            <a:endParaRPr>
+            <a:endParaRPr b="0" i="0" sz="1400" u="none" cap="none" strike="noStrike">
               <a:solidFill>
                 <a:srgbClr val="374151"/>
               </a:solidFill>
@@ -20962,7 +21482,7 @@
             </a:endParaRPr>
           </a:p>
           <a:p>
-            <a:pPr indent="0" lvl="0" marL="0" rtl="0" algn="l">
+            <a:pPr indent="0" lvl="0" marL="0" marR="0" rtl="0" algn="l">
               <a:lnSpc>
                 <a:spcPct val="150000"/>
               </a:lnSpc>
@@ -20982,7 +21502,7 @@
             <a:r>
               <a:t/>
             </a:r>
-            <a:endParaRPr>
+            <a:endParaRPr b="0" i="0" sz="1400" u="none" cap="none" strike="noStrike">
               <a:solidFill>
                 <a:srgbClr val="374151"/>
               </a:solidFill>
@@ -21003,12 +21523,17 @@
               <a:spcAft>
                 <a:spcPts val="0"/>
               </a:spcAft>
+              <a:buClr>
+                <a:srgbClr val="000000"/>
+              </a:buClr>
+              <a:buSzPts val="1400"/>
+              <a:buFont typeface="Arial"/>
               <a:buNone/>
             </a:pPr>
             <a:r>
               <a:t/>
             </a:r>
-            <a:endParaRPr>
+            <a:endParaRPr b="0" i="0" sz="1400" u="none" cap="none" strike="noStrike">
               <a:solidFill>
                 <a:srgbClr val="374151"/>
               </a:solidFill>
@@ -21039,7 +21564,7 @@
             <a:r>
               <a:t/>
             </a:r>
-            <a:endParaRPr b="0" i="0" u="none" cap="none" strike="noStrike">
+            <a:endParaRPr b="0" i="0" sz="1400" u="none" cap="none" strike="noStrike">
               <a:solidFill>
                 <a:srgbClr val="374151"/>
               </a:solidFill>
@@ -21053,7 +21578,7 @@
       </p:sp>
       <p:cxnSp>
         <p:nvCxnSpPr>
-          <p:cNvPr id="121" name="Google Shape;121;p41"/>
+          <p:cNvPr id="221" name="Google Shape;221;p6"/>
           <p:cNvCxnSpPr/>
           <p:nvPr/>
         </p:nvCxnSpPr>
@@ -21077,16 +21602,43 @@
           </a:ln>
         </p:spPr>
       </p:cxnSp>
+    </p:spTree>
+  </p:cSld>
+  <p:clrMapOvr>
+    <a:masterClrMapping/>
+  </p:clrMapOvr>
+</p:sld>
+</file>
+
+<file path=ppt/slides/slide8.xml><?xml version="1.0" encoding="utf-8"?>
+<p:sld xmlns:a="http://schemas.openxmlformats.org/drawingml/2006/main" xmlns:r="http://schemas.openxmlformats.org/officeDocument/2006/relationships" xmlns:mc="http://schemas.openxmlformats.org/markup-compatibility/2006" xmlns:mv="urn:schemas-microsoft-com:mac:vml" xmlns:p="http://schemas.openxmlformats.org/presentationml/2006/main" xmlns:c="http://schemas.openxmlformats.org/drawingml/2006/chart" xmlns:dgm="http://schemas.openxmlformats.org/drawingml/2006/diagram" xmlns:o="urn:schemas-microsoft-com:office:office" xmlns:v="urn:schemas-microsoft-com:vml" xmlns:pvml="urn:schemas-microsoft-com:office:powerpoint" xmlns:com="http://schemas.openxmlformats.org/drawingml/2006/compatibility" xmlns:p14="http://schemas.microsoft.com/office/powerpoint/2010/main" xmlns:p15="http://schemas.microsoft.com/office/powerpoint/2012/main" xmlns:ahyp="http://schemas.microsoft.com/office/drawing/2018/hyperlinkcolor">
+  <p:cSld>
+    <p:spTree>
+      <p:nvGrpSpPr>
+        <p:cNvPr id="222" name="Shape 222"/>
+        <p:cNvGrpSpPr/>
+        <p:nvPr/>
+      </p:nvGrpSpPr>
+      <p:grpSpPr>
+        <a:xfrm>
+          <a:off x="0" y="0"/>
+          <a:ext cx="0" cy="0"/>
+          <a:chOff x="0" y="0"/>
+          <a:chExt cx="0" cy="0"/>
+        </a:xfrm>
+      </p:grpSpPr>
       <p:sp>
         <p:nvSpPr>
-          <p:cNvPr id="122" name="Google Shape;122;p41"/>
+          <p:cNvPr id="223" name="Google Shape;223;p7"/>
           <p:cNvSpPr txBox="1"/>
-          <p:nvPr/>
+          <p:nvPr>
+            <p:ph type="title"/>
+          </p:nvPr>
         </p:nvSpPr>
         <p:spPr>
           <a:xfrm>
-            <a:off x="138652" y="4713100"/>
-            <a:ext cx="5214300" cy="322200"/>
+            <a:off x="131032" y="682130"/>
+            <a:ext cx="2936100" cy="322200"/>
           </a:xfrm>
           <a:prstGeom prst="rect">
             <a:avLst/>
@@ -21112,69 +21664,47 @@
               <a:spcAft>
                 <a:spcPts val="0"/>
               </a:spcAft>
-              <a:buNone/>
-            </a:pPr>
-            <a:r>
-              <a:rPr b="0" i="0" lang="en" sz="1700" u="none" cap="none" strike="noStrike">
-                <a:solidFill>
-                  <a:schemeClr val="dk1"/>
+              <a:buClr>
+                <a:srgbClr val="000000"/>
+              </a:buClr>
+              <a:buSzPts val="2800"/>
+              <a:buFont typeface="Arial"/>
+              <a:buNone/>
+            </a:pPr>
+            <a:r>
+              <a:rPr b="1" i="0" lang="en" sz="1600" u="none" cap="none" strike="noStrike">
+                <a:solidFill>
+                  <a:srgbClr val="213163"/>
                 </a:solidFill>
                 <a:latin typeface="Arial"/>
                 <a:ea typeface="Arial"/>
                 <a:cs typeface="Arial"/>
                 <a:sym typeface="Arial"/>
               </a:rPr>
-              <a:t>Source : Aroc</a:t>
-            </a:r>
-            <a:r>
-              <a:rPr lang="en" sz="1700">
-                <a:solidFill>
-                  <a:schemeClr val="dk1"/>
-                </a:solidFill>
-              </a:rPr>
-              <a:t>kia Jeba Santhiya A</a:t>
-            </a:r>
-            <a:endParaRPr sz="2100"/>
+              <a:t>Technology Used</a:t>
+            </a:r>
+            <a:endParaRPr b="0" i="0" sz="1600" u="none" cap="none" strike="noStrike">
+              <a:solidFill>
+                <a:srgbClr val="000000"/>
+              </a:solidFill>
+              <a:latin typeface="Arial"/>
+              <a:ea typeface="Arial"/>
+              <a:cs typeface="Arial"/>
+              <a:sym typeface="Arial"/>
+            </a:endParaRPr>
           </a:p>
         </p:txBody>
       </p:sp>
-    </p:spTree>
-  </p:cSld>
-  <p:clrMapOvr>
-    <a:masterClrMapping/>
-  </p:clrMapOvr>
-</p:sld>
-</file>
-
-<file path=ppt/slides/slide8.xml><?xml version="1.0" encoding="utf-8"?>
-<p:sld xmlns:a="http://schemas.openxmlformats.org/drawingml/2006/main" xmlns:r="http://schemas.openxmlformats.org/officeDocument/2006/relationships" xmlns:mc="http://schemas.openxmlformats.org/markup-compatibility/2006" xmlns:mv="urn:schemas-microsoft-com:mac:vml" xmlns:p="http://schemas.openxmlformats.org/presentationml/2006/main" xmlns:c="http://schemas.openxmlformats.org/drawingml/2006/chart" xmlns:dgm="http://schemas.openxmlformats.org/drawingml/2006/diagram" xmlns:o="urn:schemas-microsoft-com:office:office" xmlns:v="urn:schemas-microsoft-com:vml" xmlns:pvml="urn:schemas-microsoft-com:office:powerpoint" xmlns:com="http://schemas.openxmlformats.org/drawingml/2006/compatibility" xmlns:p14="http://schemas.microsoft.com/office/powerpoint/2010/main" xmlns:p15="http://schemas.microsoft.com/office/powerpoint/2012/main" xmlns:ahyp="http://schemas.microsoft.com/office/drawing/2018/hyperlinkcolor">
-  <p:cSld>
-    <p:spTree>
-      <p:nvGrpSpPr>
-        <p:cNvPr id="126" name="Shape 126"/>
-        <p:cNvGrpSpPr/>
-        <p:nvPr/>
-      </p:nvGrpSpPr>
-      <p:grpSpPr>
-        <a:xfrm>
-          <a:off x="0" y="0"/>
-          <a:ext cx="0" cy="0"/>
-          <a:chOff x="0" y="0"/>
-          <a:chExt cx="0" cy="0"/>
-        </a:xfrm>
-      </p:grpSpPr>
       <p:sp>
         <p:nvSpPr>
-          <p:cNvPr id="127" name="Google Shape;127;p42"/>
+          <p:cNvPr id="224" name="Google Shape;224;p7"/>
           <p:cNvSpPr txBox="1"/>
-          <p:nvPr>
-            <p:ph type="title"/>
-          </p:nvPr>
+          <p:nvPr/>
         </p:nvSpPr>
         <p:spPr>
           <a:xfrm>
-            <a:off x="131032" y="682130"/>
-            <a:ext cx="2936082" cy="322263"/>
+            <a:off x="128063" y="1059160"/>
+            <a:ext cx="5314500" cy="3789900"/>
           </a:xfrm>
           <a:prstGeom prst="rect">
             <a:avLst/>
@@ -21190,36 +21720,27 @@
           </a:bodyPr>
           <a:lstStyle/>
           <a:p>
-            <a:pPr indent="0" lvl="0" marL="0" marR="0" rtl="0" algn="l">
-              <a:lnSpc>
-                <a:spcPct val="100000"/>
-              </a:lnSpc>
-              <a:spcBef>
-                <a:spcPts val="0"/>
-              </a:spcBef>
-              <a:spcAft>
-                <a:spcPts val="0"/>
-              </a:spcAft>
-              <a:buClr>
-                <a:srgbClr val="000000"/>
-              </a:buClr>
-              <a:buSzPts val="2800"/>
-              <a:buFont typeface="Arial"/>
-              <a:buNone/>
-            </a:pPr>
-            <a:r>
-              <a:rPr b="1" i="0" lang="en" sz="1600" u="none" cap="none" strike="noStrike">
-                <a:solidFill>
-                  <a:srgbClr val="213163"/>
-                </a:solidFill>
-                <a:latin typeface="Arial"/>
-                <a:ea typeface="Arial"/>
-                <a:cs typeface="Arial"/>
-                <a:sym typeface="Arial"/>
-              </a:rPr>
-              <a:t>Technology Used</a:t>
-            </a:r>
-            <a:endParaRPr b="0" i="0" sz="1600" u="none" cap="none" strike="noStrike">
+            <a:pPr indent="-84453" lvl="0" marL="173355" marR="0" rtl="0" algn="l">
+              <a:lnSpc>
+                <a:spcPct val="100000"/>
+              </a:lnSpc>
+              <a:spcBef>
+                <a:spcPts val="200"/>
+              </a:spcBef>
+              <a:spcAft>
+                <a:spcPts val="0"/>
+              </a:spcAft>
+              <a:buClr>
+                <a:srgbClr val="213163"/>
+              </a:buClr>
+              <a:buSzPts val="1400"/>
+              <a:buFont typeface="Arial"/>
+              <a:buNone/>
+            </a:pPr>
+            <a:r>
+              <a:t/>
+            </a:r>
+            <a:endParaRPr b="0" i="0" sz="1400" u="none" cap="none" strike="noStrike">
               <a:solidFill>
                 <a:srgbClr val="000000"/>
               </a:solidFill>
@@ -21229,34 +21750,8 @@
               <a:sym typeface="Arial"/>
             </a:endParaRPr>
           </a:p>
-        </p:txBody>
-      </p:sp>
-      <p:sp>
-        <p:nvSpPr>
-          <p:cNvPr id="128" name="Google Shape;128;p42"/>
-          <p:cNvSpPr txBox="1"/>
-          <p:nvPr/>
-        </p:nvSpPr>
-        <p:spPr>
-          <a:xfrm>
-            <a:off x="128063" y="1059160"/>
-            <a:ext cx="5314387" cy="3790000"/>
-          </a:xfrm>
-          <a:prstGeom prst="rect">
-            <a:avLst/>
-          </a:prstGeom>
-          <a:noFill/>
-          <a:ln>
-            <a:noFill/>
-          </a:ln>
-        </p:spPr>
-        <p:txBody>
-          <a:bodyPr anchorCtr="0" anchor="t" bIns="91425" lIns="91425" spcFirstLastPara="1" rIns="91425" wrap="square" tIns="91425">
-            <a:noAutofit/>
-          </a:bodyPr>
-          <a:lstStyle/>
-          <a:p>
-            <a:pPr indent="-84454" lvl="0" marL="173355" marR="0" rtl="0" algn="l">
+          <a:p>
+            <a:pPr indent="-84453" lvl="0" marL="173355" marR="0" rtl="0" algn="l">
               <a:lnSpc>
                 <a:spcPct val="100000"/>
               </a:lnSpc>
@@ -21287,7 +21782,7 @@
             </a:endParaRPr>
           </a:p>
           <a:p>
-            <a:pPr indent="-84454" lvl="0" marL="173355" marR="0" rtl="0" algn="l">
+            <a:pPr indent="-84453" lvl="0" marL="173355" marR="0" rtl="0" algn="l">
               <a:lnSpc>
                 <a:spcPct val="100000"/>
               </a:lnSpc>
@@ -21317,49 +21812,18 @@
               <a:sym typeface="Arial"/>
             </a:endParaRPr>
           </a:p>
-          <a:p>
-            <a:pPr indent="-84454" lvl="0" marL="173355" marR="0" rtl="0" algn="l">
-              <a:lnSpc>
-                <a:spcPct val="100000"/>
-              </a:lnSpc>
-              <a:spcBef>
-                <a:spcPts val="200"/>
-              </a:spcBef>
-              <a:spcAft>
-                <a:spcPts val="0"/>
-              </a:spcAft>
-              <a:buClr>
-                <a:srgbClr val="213163"/>
-              </a:buClr>
-              <a:buSzPts val="1400"/>
-              <a:buFont typeface="Arial"/>
-              <a:buNone/>
-            </a:pPr>
-            <a:r>
-              <a:t/>
-            </a:r>
-            <a:endParaRPr b="0" i="0" sz="1400" u="none" cap="none" strike="noStrike">
-              <a:solidFill>
-                <a:srgbClr val="000000"/>
-              </a:solidFill>
-              <a:latin typeface="Arial"/>
-              <a:ea typeface="Arial"/>
-              <a:cs typeface="Arial"/>
-              <a:sym typeface="Arial"/>
-            </a:endParaRPr>
-          </a:p>
         </p:txBody>
       </p:sp>
       <p:sp>
         <p:nvSpPr>
-          <p:cNvPr id="129" name="Google Shape;129;p42"/>
+          <p:cNvPr id="225" name="Google Shape;225;p7"/>
           <p:cNvSpPr/>
           <p:nvPr/>
         </p:nvSpPr>
         <p:spPr>
           <a:xfrm>
             <a:off x="-84668" y="615950"/>
-            <a:ext cx="8951601" cy="4064000"/>
+            <a:ext cx="8951700" cy="4064100"/>
           </a:xfrm>
           <a:custGeom>
             <a:rect b="b" l="l" r="r" t="t"/>
@@ -21384,9 +21848,6 @@
                   <a:pt x="-10000" y="0"/>
                 </a:moveTo>
                 <a:close/>
-                <a:lnTo>
-                  <a:pt x="-10000" y="120000"/>
-                </a:lnTo>
               </a:path>
               <a:path extrusionOk="0" fill="none" h="120000" w="120000">
                 <a:moveTo>
@@ -21409,25 +21870,41 @@
           </a:bodyPr>
           <a:lstStyle/>
           <a:p>
-            <a:pPr indent="0" lvl="0" marL="0" rtl="0" algn="l">
-              <a:spcBef>
-                <a:spcPts val="0"/>
-              </a:spcBef>
-              <a:spcAft>
-                <a:spcPts val="0"/>
-              </a:spcAft>
+            <a:pPr indent="0" lvl="0" marL="0" marR="0" rtl="0" algn="l">
+              <a:lnSpc>
+                <a:spcPct val="100000"/>
+              </a:lnSpc>
+              <a:spcBef>
+                <a:spcPts val="0"/>
+              </a:spcBef>
+              <a:spcAft>
+                <a:spcPts val="0"/>
+              </a:spcAft>
+              <a:buClr>
+                <a:srgbClr val="000000"/>
+              </a:buClr>
+              <a:buSzPts val="1400"/>
+              <a:buFont typeface="Arial"/>
               <a:buNone/>
             </a:pPr>
             <a:r>
               <a:t/>
             </a:r>
-            <a:endParaRPr/>
+            <a:endParaRPr b="0" i="0" sz="1400" u="none" cap="none" strike="noStrike">
+              <a:solidFill>
+                <a:srgbClr val="000000"/>
+              </a:solidFill>
+              <a:latin typeface="Arial"/>
+              <a:ea typeface="Arial"/>
+              <a:cs typeface="Arial"/>
+              <a:sym typeface="Arial"/>
+            </a:endParaRPr>
           </a:p>
         </p:txBody>
       </p:sp>
       <p:pic>
         <p:nvPicPr>
-          <p:cNvPr id="130" name="Google Shape;130;p42"/>
+          <p:cNvPr id="226" name="Google Shape;226;p7"/>
           <p:cNvPicPr preferRelativeResize="0"/>
           <p:nvPr/>
         </p:nvPicPr>
@@ -21454,7 +21931,7 @@
       </p:pic>
       <p:pic>
         <p:nvPicPr>
-          <p:cNvPr id="131" name="Google Shape;131;p42"/>
+          <p:cNvPr id="227" name="Google Shape;227;p7"/>
           <p:cNvPicPr preferRelativeResize="0"/>
           <p:nvPr/>
         </p:nvPicPr>
@@ -21468,7 +21945,7 @@
         <p:spPr>
           <a:xfrm>
             <a:off x="4564380" y="1712692"/>
-            <a:ext cx="4165599" cy="2090952"/>
+            <a:ext cx="4165600" cy="2090952"/>
           </a:xfrm>
           <a:prstGeom prst="rect">
             <a:avLst/>
@@ -21481,14 +21958,14 @@
       </p:pic>
       <p:sp>
         <p:nvSpPr>
-          <p:cNvPr id="132" name="Google Shape;132;p42"/>
+          <p:cNvPr id="228" name="Google Shape;228;p7"/>
           <p:cNvSpPr txBox="1"/>
           <p:nvPr/>
         </p:nvSpPr>
         <p:spPr>
           <a:xfrm>
             <a:off x="1000361" y="1361511"/>
-            <a:ext cx="3318484" cy="307777"/>
+            <a:ext cx="3318600" cy="307800"/>
           </a:xfrm>
           <a:prstGeom prst="rect">
             <a:avLst/>
@@ -21514,6 +21991,11 @@
               <a:spcAft>
                 <a:spcPts val="0"/>
               </a:spcAft>
+              <a:buClr>
+                <a:srgbClr val="000000"/>
+              </a:buClr>
+              <a:buSzPts val="1400"/>
+              <a:buFont typeface="Arial"/>
               <a:buNone/>
             </a:pPr>
             <a:r>
@@ -21528,20 +22010,28 @@
               </a:rPr>
               <a:t>Front-end</a:t>
             </a:r>
-            <a:endParaRPr/>
+            <a:endParaRPr b="0" i="0" sz="1400" u="none" cap="none" strike="noStrike">
+              <a:solidFill>
+                <a:srgbClr val="000000"/>
+              </a:solidFill>
+              <a:latin typeface="Arial"/>
+              <a:ea typeface="Arial"/>
+              <a:cs typeface="Arial"/>
+              <a:sym typeface="Arial"/>
+            </a:endParaRPr>
           </a:p>
         </p:txBody>
       </p:sp>
       <p:sp>
         <p:nvSpPr>
-          <p:cNvPr id="133" name="Google Shape;133;p42"/>
+          <p:cNvPr id="229" name="Google Shape;229;p7"/>
           <p:cNvSpPr txBox="1"/>
           <p:nvPr/>
         </p:nvSpPr>
         <p:spPr>
           <a:xfrm>
             <a:off x="4865736" y="1287522"/>
-            <a:ext cx="3580969" cy="307777"/>
+            <a:ext cx="3581100" cy="307800"/>
           </a:xfrm>
           <a:prstGeom prst="rect">
             <a:avLst/>
@@ -21567,6 +22057,11 @@
               <a:spcAft>
                 <a:spcPts val="0"/>
               </a:spcAft>
+              <a:buClr>
+                <a:srgbClr val="000000"/>
+              </a:buClr>
+              <a:buSzPts val="1400"/>
+              <a:buFont typeface="Arial"/>
               <a:buNone/>
             </a:pPr>
             <a:r>
@@ -21581,13 +22076,21 @@
               </a:rPr>
               <a:t>Back-end</a:t>
             </a:r>
-            <a:endParaRPr/>
+            <a:endParaRPr b="0" i="0" sz="1400" u="none" cap="none" strike="noStrike">
+              <a:solidFill>
+                <a:srgbClr val="000000"/>
+              </a:solidFill>
+              <a:latin typeface="Arial"/>
+              <a:ea typeface="Arial"/>
+              <a:cs typeface="Arial"/>
+              <a:sym typeface="Arial"/>
+            </a:endParaRPr>
           </a:p>
         </p:txBody>
       </p:sp>
       <p:cxnSp>
         <p:nvCxnSpPr>
-          <p:cNvPr id="134" name="Google Shape;134;p42"/>
+          <p:cNvPr id="230" name="Google Shape;230;p7"/>
           <p:cNvCxnSpPr/>
           <p:nvPr/>
         </p:nvCxnSpPr>
@@ -21611,67 +22114,6 @@
           </a:ln>
         </p:spPr>
       </p:cxnSp>
-      <p:sp>
-        <p:nvSpPr>
-          <p:cNvPr id="135" name="Google Shape;135;p42"/>
-          <p:cNvSpPr txBox="1"/>
-          <p:nvPr/>
-        </p:nvSpPr>
-        <p:spPr>
-          <a:xfrm>
-            <a:off x="138637" y="4713100"/>
-            <a:ext cx="5314500" cy="322200"/>
-          </a:xfrm>
-          <a:prstGeom prst="rect">
-            <a:avLst/>
-          </a:prstGeom>
-          <a:noFill/>
-          <a:ln>
-            <a:noFill/>
-          </a:ln>
-        </p:spPr>
-        <p:txBody>
-          <a:bodyPr anchorCtr="0" anchor="t" bIns="91425" lIns="91425" spcFirstLastPara="1" rIns="91425" wrap="square" tIns="91425">
-            <a:noAutofit/>
-          </a:bodyPr>
-          <a:lstStyle/>
-          <a:p>
-            <a:pPr indent="0" lvl="0" marL="0" marR="0" rtl="0" algn="l">
-              <a:lnSpc>
-                <a:spcPct val="100000"/>
-              </a:lnSpc>
-              <a:spcBef>
-                <a:spcPts val="0"/>
-              </a:spcBef>
-              <a:spcAft>
-                <a:spcPts val="0"/>
-              </a:spcAft>
-              <a:buNone/>
-            </a:pPr>
-            <a:r>
-              <a:rPr b="0" i="0" lang="en" sz="1500" u="none" cap="none" strike="noStrike">
-                <a:solidFill>
-                  <a:schemeClr val="dk1"/>
-                </a:solidFill>
-                <a:latin typeface="Arial"/>
-                <a:ea typeface="Arial"/>
-                <a:cs typeface="Arial"/>
-                <a:sym typeface="Arial"/>
-              </a:rPr>
-              <a:t>Source : Aroc</a:t>
-            </a:r>
-            <a:r>
-              <a:rPr lang="en" sz="1500">
-                <a:solidFill>
-                  <a:schemeClr val="dk1"/>
-                </a:solidFill>
-              </a:rPr>
-              <a:t>kia Jeba Santhiya A</a:t>
-            </a:r>
-            <a:endParaRPr sz="1900"/>
-          </a:p>
-        </p:txBody>
-      </p:sp>
     </p:spTree>
   </p:cSld>
   <p:clrMapOvr>
@@ -21685,7 +22127,7 @@
   <p:cSld>
     <p:spTree>
       <p:nvGrpSpPr>
-        <p:cNvPr id="139" name="Shape 139"/>
+        <p:cNvPr id="231" name="Shape 231"/>
         <p:cNvGrpSpPr/>
         <p:nvPr/>
       </p:nvGrpSpPr>
@@ -21699,7 +22141,7 @@
       </p:grpSpPr>
       <p:sp>
         <p:nvSpPr>
-          <p:cNvPr id="140" name="Google Shape;140;p43"/>
+          <p:cNvPr id="232" name="Google Shape;232;p8"/>
           <p:cNvSpPr txBox="1"/>
           <p:nvPr>
             <p:ph type="title"/>
@@ -21784,10 +22226,14 @@
             <a:r>
               <a:t/>
             </a:r>
-            <a:endParaRPr b="1" sz="1600">
+            <a:endParaRPr b="1" i="0" sz="1600" u="none" cap="none" strike="noStrike">
               <a:solidFill>
                 <a:srgbClr val="213163"/>
               </a:solidFill>
+              <a:latin typeface="Arial"/>
+              <a:ea typeface="Arial"/>
+              <a:cs typeface="Arial"/>
+              <a:sym typeface="Arial"/>
             </a:endParaRPr>
           </a:p>
           <a:p>
@@ -21809,17 +22255,25 @@
               <a:buNone/>
             </a:pPr>
             <a:r>
-              <a:rPr b="1" lang="en" sz="1600">
+              <a:rPr b="1" i="0" lang="en" sz="1600" u="none" cap="none" strike="noStrike">
                 <a:solidFill>
                   <a:srgbClr val="213163"/>
                 </a:solidFill>
+                <a:latin typeface="Arial"/>
+                <a:ea typeface="Arial"/>
+                <a:cs typeface="Arial"/>
+                <a:sym typeface="Arial"/>
               </a:rPr>
               <a:t>Modelling :   </a:t>
             </a:r>
-            <a:endParaRPr b="1" sz="1600">
+            <a:endParaRPr b="1" i="0" sz="1600" u="none" cap="none" strike="noStrike">
               <a:solidFill>
                 <a:srgbClr val="213163"/>
               </a:solidFill>
+              <a:latin typeface="Arial"/>
+              <a:ea typeface="Arial"/>
+              <a:cs typeface="Arial"/>
+              <a:sym typeface="Arial"/>
             </a:endParaRPr>
           </a:p>
           <a:p>
@@ -21841,17 +22295,25 @@
               <a:buNone/>
             </a:pPr>
             <a:r>
-              <a:rPr b="1" lang="en" sz="1600">
+              <a:rPr b="1" i="0" lang="en" sz="1600" u="none" cap="none" strike="noStrike">
                 <a:solidFill>
                   <a:srgbClr val="213163"/>
                 </a:solidFill>
+                <a:latin typeface="Arial"/>
+                <a:ea typeface="Arial"/>
+                <a:cs typeface="Arial"/>
+                <a:sym typeface="Arial"/>
               </a:rPr>
               <a:t>System Architecture:</a:t>
             </a:r>
-            <a:endParaRPr b="1" sz="1600">
+            <a:endParaRPr b="1" i="0" sz="1600" u="none" cap="none" strike="noStrike">
               <a:solidFill>
                 <a:srgbClr val="213163"/>
               </a:solidFill>
+              <a:latin typeface="Arial"/>
+              <a:ea typeface="Arial"/>
+              <a:cs typeface="Arial"/>
+              <a:sym typeface="Arial"/>
             </a:endParaRPr>
           </a:p>
           <a:p>
@@ -21875,14 +22337,21 @@
             <a:r>
               <a:t/>
             </a:r>
-            <a:endParaRPr b="1" sz="1600">
+            <a:endParaRPr b="1" i="0" sz="1600" u="none" cap="none" strike="noStrike">
               <a:solidFill>
                 <a:srgbClr val="213163"/>
               </a:solidFill>
+              <a:latin typeface="Arial"/>
+              <a:ea typeface="Arial"/>
+              <a:cs typeface="Arial"/>
+              <a:sym typeface="Arial"/>
             </a:endParaRPr>
           </a:p>
           <a:p>
-            <a:pPr indent="-330200" lvl="0" marL="457200" rtl="0" algn="l">
+            <a:pPr indent="-330200" lvl="0" marL="457200" marR="0" rtl="0" algn="l">
+              <a:lnSpc>
+                <a:spcPct val="100000"/>
+              </a:lnSpc>
               <a:spcBef>
                 <a:spcPts val="0"/>
               </a:spcBef>
@@ -21893,51 +22362,79 @@
                 <a:srgbClr val="213163"/>
               </a:buClr>
               <a:buSzPts val="1600"/>
+              <a:buFont typeface="Arial"/>
               <a:buChar char="●"/>
             </a:pPr>
             <a:r>
-              <a:rPr b="1" lang="en" sz="1600">
+              <a:rPr b="1" i="0" lang="en" sz="1600" u="none" cap="none" strike="noStrike">
                 <a:solidFill>
                   <a:srgbClr val="213163"/>
                 </a:solidFill>
+                <a:latin typeface="Arial"/>
+                <a:ea typeface="Arial"/>
+                <a:cs typeface="Arial"/>
+                <a:sym typeface="Arial"/>
               </a:rPr>
               <a:t>   </a:t>
             </a:r>
             <a:r>
-              <a:rPr lang="en" sz="1600">
+              <a:rPr b="0" i="0" lang="en" sz="1600" u="none" cap="none" strike="noStrike">
                 <a:solidFill>
                   <a:srgbClr val="213163"/>
                 </a:solidFill>
+                <a:latin typeface="Arial"/>
+                <a:ea typeface="Arial"/>
+                <a:cs typeface="Arial"/>
+                <a:sym typeface="Arial"/>
               </a:rPr>
               <a:t>Client-server architecture with Django as the backend framework.</a:t>
             </a:r>
-            <a:endParaRPr sz="1600">
+            <a:endParaRPr b="0" i="0" sz="1600" u="none" cap="none" strike="noStrike">
               <a:solidFill>
                 <a:srgbClr val="213163"/>
               </a:solidFill>
+              <a:latin typeface="Arial"/>
+              <a:ea typeface="Arial"/>
+              <a:cs typeface="Arial"/>
+              <a:sym typeface="Arial"/>
             </a:endParaRPr>
           </a:p>
           <a:p>
-            <a:pPr indent="0" lvl="0" marL="457200" rtl="0" algn="l">
-              <a:spcBef>
-                <a:spcPts val="0"/>
-              </a:spcBef>
-              <a:spcAft>
-                <a:spcPts val="0"/>
-              </a:spcAft>
+            <a:pPr indent="0" lvl="0" marL="457200" marR="0" rtl="0" algn="l">
+              <a:lnSpc>
+                <a:spcPct val="100000"/>
+              </a:lnSpc>
+              <a:spcBef>
+                <a:spcPts val="0"/>
+              </a:spcBef>
+              <a:spcAft>
+                <a:spcPts val="0"/>
+              </a:spcAft>
+              <a:buClr>
+                <a:srgbClr val="000000"/>
+              </a:buClr>
+              <a:buSzPts val="1600"/>
+              <a:buFont typeface="Arial"/>
               <a:buNone/>
             </a:pPr>
             <a:r>
               <a:t/>
             </a:r>
-            <a:endParaRPr sz="1600">
+            <a:endParaRPr b="0" i="0" sz="1600" u="none" cap="none" strike="noStrike">
               <a:solidFill>
                 <a:srgbClr val="213163"/>
               </a:solidFill>
+              <a:latin typeface="Arial"/>
+              <a:ea typeface="Arial"/>
+              <a:cs typeface="Arial"/>
+              <a:sym typeface="Arial"/>
             </a:endParaRPr>
           </a:p>
           <a:p>
-            <a:pPr indent="-330200" lvl="0" marL="457200" rtl="0" algn="l">
+            <a:pPr indent="-330200" lvl="0" marL="457200" marR="0" rtl="0" algn="l">
+              <a:lnSpc>
+                <a:spcPct val="100000"/>
+              </a:lnSpc>
               <a:spcBef>
                 <a:spcPts val="0"/>
               </a:spcBef>
@@ -21948,43 +22445,67 @@
                 <a:srgbClr val="213163"/>
               </a:buClr>
               <a:buSzPts val="1600"/>
+              <a:buFont typeface="Arial"/>
               <a:buChar char="●"/>
             </a:pPr>
             <a:r>
-              <a:rPr lang="en" sz="1600">
+              <a:rPr b="0" i="0" lang="en" sz="1600" u="none" cap="none" strike="noStrike">
                 <a:solidFill>
                   <a:srgbClr val="213163"/>
                 </a:solidFill>
+                <a:latin typeface="Arial"/>
+                <a:ea typeface="Arial"/>
+                <a:cs typeface="Arial"/>
+                <a:sym typeface="Arial"/>
               </a:rPr>
               <a:t>   Database schema for storing user data, polls, and voting results.</a:t>
             </a:r>
-            <a:endParaRPr sz="1600">
+            <a:endParaRPr b="0" i="0" sz="1600" u="none" cap="none" strike="noStrike">
               <a:solidFill>
                 <a:srgbClr val="213163"/>
               </a:solidFill>
+              <a:latin typeface="Arial"/>
+              <a:ea typeface="Arial"/>
+              <a:cs typeface="Arial"/>
+              <a:sym typeface="Arial"/>
             </a:endParaRPr>
           </a:p>
           <a:p>
-            <a:pPr indent="0" lvl="0" marL="457200" rtl="0" algn="l">
-              <a:spcBef>
-                <a:spcPts val="0"/>
-              </a:spcBef>
-              <a:spcAft>
-                <a:spcPts val="0"/>
-              </a:spcAft>
+            <a:pPr indent="0" lvl="0" marL="457200" marR="0" rtl="0" algn="l">
+              <a:lnSpc>
+                <a:spcPct val="100000"/>
+              </a:lnSpc>
+              <a:spcBef>
+                <a:spcPts val="0"/>
+              </a:spcBef>
+              <a:spcAft>
+                <a:spcPts val="0"/>
+              </a:spcAft>
+              <a:buClr>
+                <a:srgbClr val="000000"/>
+              </a:buClr>
+              <a:buSzPts val="1600"/>
+              <a:buFont typeface="Arial"/>
               <a:buNone/>
             </a:pPr>
             <a:r>
               <a:t/>
             </a:r>
-            <a:endParaRPr sz="1600">
+            <a:endParaRPr b="0" i="0" sz="1600" u="none" cap="none" strike="noStrike">
               <a:solidFill>
                 <a:srgbClr val="213163"/>
               </a:solidFill>
+              <a:latin typeface="Arial"/>
+              <a:ea typeface="Arial"/>
+              <a:cs typeface="Arial"/>
+              <a:sym typeface="Arial"/>
             </a:endParaRPr>
           </a:p>
           <a:p>
-            <a:pPr indent="-330200" lvl="0" marL="457200" rtl="0" algn="l">
+            <a:pPr indent="-330200" lvl="0" marL="457200" marR="0" rtl="0" algn="l">
+              <a:lnSpc>
+                <a:spcPct val="100000"/>
+              </a:lnSpc>
               <a:spcBef>
                 <a:spcPts val="0"/>
               </a:spcBef>
@@ -21995,86 +22516,138 @@
                 <a:srgbClr val="213163"/>
               </a:buClr>
               <a:buSzPts val="1600"/>
+              <a:buFont typeface="Arial"/>
               <a:buChar char="●"/>
             </a:pPr>
             <a:r>
-              <a:rPr lang="en" sz="1600">
+              <a:rPr b="0" i="0" lang="en" sz="1600" u="none" cap="none" strike="noStrike">
                 <a:solidFill>
                   <a:srgbClr val="213163"/>
                 </a:solidFill>
+                <a:latin typeface="Arial"/>
+                <a:ea typeface="Arial"/>
+                <a:cs typeface="Arial"/>
+                <a:sym typeface="Arial"/>
               </a:rPr>
               <a:t>   Frontend interface using HTML/CSS for user interaction.</a:t>
             </a:r>
-            <a:endParaRPr sz="1600">
+            <a:endParaRPr b="0" i="0" sz="1600" u="none" cap="none" strike="noStrike">
               <a:solidFill>
                 <a:srgbClr val="213163"/>
               </a:solidFill>
+              <a:latin typeface="Arial"/>
+              <a:ea typeface="Arial"/>
+              <a:cs typeface="Arial"/>
+              <a:sym typeface="Arial"/>
             </a:endParaRPr>
           </a:p>
           <a:p>
-            <a:pPr indent="0" lvl="0" marL="457200" rtl="0" algn="l">
-              <a:spcBef>
-                <a:spcPts val="0"/>
-              </a:spcBef>
-              <a:spcAft>
-                <a:spcPts val="0"/>
-              </a:spcAft>
+            <a:pPr indent="0" lvl="0" marL="457200" marR="0" rtl="0" algn="l">
+              <a:lnSpc>
+                <a:spcPct val="100000"/>
+              </a:lnSpc>
+              <a:spcBef>
+                <a:spcPts val="0"/>
+              </a:spcBef>
+              <a:spcAft>
+                <a:spcPts val="0"/>
+              </a:spcAft>
+              <a:buClr>
+                <a:srgbClr val="000000"/>
+              </a:buClr>
+              <a:buSzPts val="1600"/>
+              <a:buFont typeface="Arial"/>
               <a:buNone/>
             </a:pPr>
             <a:r>
               <a:t/>
             </a:r>
-            <a:endParaRPr sz="1600">
+            <a:endParaRPr b="0" i="0" sz="1600" u="none" cap="none" strike="noStrike">
               <a:solidFill>
                 <a:srgbClr val="213163"/>
               </a:solidFill>
+              <a:latin typeface="Arial"/>
+              <a:ea typeface="Arial"/>
+              <a:cs typeface="Arial"/>
+              <a:sym typeface="Arial"/>
             </a:endParaRPr>
           </a:p>
           <a:p>
-            <a:pPr indent="0" lvl="0" marL="0" rtl="0" algn="l">
-              <a:spcBef>
-                <a:spcPts val="0"/>
-              </a:spcBef>
-              <a:spcAft>
-                <a:spcPts val="0"/>
-              </a:spcAft>
-              <a:buNone/>
-            </a:pPr>
-            <a:r>
-              <a:rPr b="1" lang="en" sz="1600">
+            <a:pPr indent="0" lvl="0" marL="0" marR="0" rtl="0" algn="l">
+              <a:lnSpc>
+                <a:spcPct val="100000"/>
+              </a:lnSpc>
+              <a:spcBef>
+                <a:spcPts val="0"/>
+              </a:spcBef>
+              <a:spcAft>
+                <a:spcPts val="0"/>
+              </a:spcAft>
+              <a:buClr>
+                <a:srgbClr val="000000"/>
+              </a:buClr>
+              <a:buSzPts val="1600"/>
+              <a:buFont typeface="Arial"/>
+              <a:buNone/>
+            </a:pPr>
+            <a:r>
+              <a:rPr b="1" i="0" lang="en" sz="1600" u="none" cap="none" strike="noStrike">
                 <a:solidFill>
                   <a:srgbClr val="213163"/>
                 </a:solidFill>
+                <a:latin typeface="Arial"/>
+                <a:ea typeface="Arial"/>
+                <a:cs typeface="Arial"/>
+                <a:sym typeface="Arial"/>
               </a:rPr>
               <a:t>Results :</a:t>
             </a:r>
-            <a:endParaRPr b="1" sz="1600">
+            <a:endParaRPr b="1" i="0" sz="1600" u="none" cap="none" strike="noStrike">
               <a:solidFill>
                 <a:srgbClr val="213163"/>
               </a:solidFill>
+              <a:latin typeface="Arial"/>
+              <a:ea typeface="Arial"/>
+              <a:cs typeface="Arial"/>
+              <a:sym typeface="Arial"/>
             </a:endParaRPr>
           </a:p>
           <a:p>
-            <a:pPr indent="0" lvl="0" marL="0" rtl="0" algn="l">
-              <a:spcBef>
-                <a:spcPts val="0"/>
-              </a:spcBef>
-              <a:spcAft>
-                <a:spcPts val="0"/>
-              </a:spcAft>
+            <a:pPr indent="0" lvl="0" marL="0" marR="0" rtl="0" algn="l">
+              <a:lnSpc>
+                <a:spcPct val="100000"/>
+              </a:lnSpc>
+              <a:spcBef>
+                <a:spcPts val="0"/>
+              </a:spcBef>
+              <a:spcAft>
+                <a:spcPts val="0"/>
+              </a:spcAft>
+              <a:buClr>
+                <a:srgbClr val="000000"/>
+              </a:buClr>
+              <a:buSzPts val="1600"/>
+              <a:buFont typeface="Arial"/>
               <a:buNone/>
             </a:pPr>
             <a:r>
               <a:t/>
             </a:r>
-            <a:endParaRPr sz="1600">
+            <a:endParaRPr b="0" i="0" sz="1600" u="none" cap="none" strike="noStrike">
               <a:solidFill>
                 <a:srgbClr val="213163"/>
               </a:solidFill>
+              <a:latin typeface="Arial"/>
+              <a:ea typeface="Arial"/>
+              <a:cs typeface="Arial"/>
+              <a:sym typeface="Arial"/>
             </a:endParaRPr>
           </a:p>
           <a:p>
-            <a:pPr indent="-317500" lvl="0" marL="457200" rtl="0" algn="l">
+            <a:pPr indent="-317500" lvl="0" marL="457200" marR="0" rtl="0" algn="l">
+              <a:lnSpc>
+                <a:spcPct val="100000"/>
+              </a:lnSpc>
               <a:spcBef>
                 <a:spcPts val="0"/>
               </a:spcBef>
@@ -22085,24 +22658,36 @@
                 <a:srgbClr val="213163"/>
               </a:buClr>
               <a:buSzPts val="1400"/>
+              <a:buFont typeface="Arial"/>
               <a:buChar char="●"/>
             </a:pPr>
             <a:r>
-              <a:rPr lang="en">
+              <a:rPr b="0" i="0" lang="en" sz="1400" u="none" cap="none" strike="noStrike">
                 <a:solidFill>
                   <a:srgbClr val="213163"/>
                 </a:solidFill>
+                <a:latin typeface="Arial"/>
+                <a:ea typeface="Arial"/>
+                <a:cs typeface="Arial"/>
+                <a:sym typeface="Arial"/>
               </a:rPr>
               <a:t>Response time: Measure system responsiveness to user actions.</a:t>
             </a:r>
-            <a:endParaRPr>
+            <a:endParaRPr b="0" i="0" sz="1400" u="none" cap="none" strike="noStrike">
               <a:solidFill>
                 <a:srgbClr val="213163"/>
               </a:solidFill>
+              <a:latin typeface="Arial"/>
+              <a:ea typeface="Arial"/>
+              <a:cs typeface="Arial"/>
+              <a:sym typeface="Arial"/>
             </a:endParaRPr>
           </a:p>
           <a:p>
-            <a:pPr indent="-317500" lvl="0" marL="457200" rtl="0" algn="l">
+            <a:pPr indent="-317500" lvl="0" marL="457200" marR="0" rtl="0" algn="l">
+              <a:lnSpc>
+                <a:spcPct val="100000"/>
+              </a:lnSpc>
               <a:spcBef>
                 <a:spcPts val="0"/>
               </a:spcBef>
@@ -22113,24 +22698,36 @@
                 <a:srgbClr val="213163"/>
               </a:buClr>
               <a:buSzPts val="1400"/>
+              <a:buFont typeface="Arial"/>
               <a:buChar char="●"/>
             </a:pPr>
             <a:r>
-              <a:rPr lang="en">
+              <a:rPr b="0" i="0" lang="en" sz="1400" u="none" cap="none" strike="noStrike">
                 <a:solidFill>
                   <a:srgbClr val="213163"/>
                 </a:solidFill>
+                <a:latin typeface="Arial"/>
+                <a:ea typeface="Arial"/>
+                <a:cs typeface="Arial"/>
+                <a:sym typeface="Arial"/>
               </a:rPr>
               <a:t>Scalability: Assess system's ability to handle increasing user loads.</a:t>
             </a:r>
-            <a:endParaRPr>
+            <a:endParaRPr b="0" i="0" sz="1400" u="none" cap="none" strike="noStrike">
               <a:solidFill>
                 <a:srgbClr val="213163"/>
               </a:solidFill>
+              <a:latin typeface="Arial"/>
+              <a:ea typeface="Arial"/>
+              <a:cs typeface="Arial"/>
+              <a:sym typeface="Arial"/>
             </a:endParaRPr>
           </a:p>
           <a:p>
-            <a:pPr indent="-317500" lvl="0" marL="457200" rtl="0" algn="l">
+            <a:pPr indent="-317500" lvl="0" marL="457200" marR="0" rtl="0" algn="l">
+              <a:lnSpc>
+                <a:spcPct val="100000"/>
+              </a:lnSpc>
               <a:spcBef>
                 <a:spcPts val="0"/>
               </a:spcBef>
@@ -22141,24 +22738,36 @@
                 <a:srgbClr val="213163"/>
               </a:buClr>
               <a:buSzPts val="1400"/>
+              <a:buFont typeface="Arial"/>
               <a:buChar char="●"/>
             </a:pPr>
             <a:r>
-              <a:rPr lang="en">
+              <a:rPr b="0" i="0" lang="en" sz="1400" u="none" cap="none" strike="noStrike">
                 <a:solidFill>
                   <a:srgbClr val="213163"/>
                 </a:solidFill>
+                <a:latin typeface="Arial"/>
+                <a:ea typeface="Arial"/>
+                <a:cs typeface="Arial"/>
+                <a:sym typeface="Arial"/>
               </a:rPr>
               <a:t>Security: Evaluate effectiveness of security measures in protecting user data.</a:t>
             </a:r>
-            <a:endParaRPr>
+            <a:endParaRPr b="0" i="0" sz="1400" u="none" cap="none" strike="noStrike">
               <a:solidFill>
                 <a:srgbClr val="213163"/>
               </a:solidFill>
+              <a:latin typeface="Arial"/>
+              <a:ea typeface="Arial"/>
+              <a:cs typeface="Arial"/>
+              <a:sym typeface="Arial"/>
             </a:endParaRPr>
           </a:p>
           <a:p>
-            <a:pPr indent="0" lvl="0" marL="0" rtl="0" algn="l">
+            <a:pPr indent="0" lvl="0" marL="0" marR="0" rtl="0" algn="l">
+              <a:lnSpc>
+                <a:spcPct val="100000"/>
+              </a:lnSpc>
               <a:spcBef>
                 <a:spcPts val="0"/>
               </a:spcBef>
@@ -22175,33 +22784,52 @@
             <a:r>
               <a:t/>
             </a:r>
-            <a:endParaRPr sz="1600">
+            <a:endParaRPr b="0" i="0" sz="1600" u="none" cap="none" strike="noStrike">
               <a:solidFill>
                 <a:srgbClr val="213163"/>
               </a:solidFill>
+              <a:latin typeface="Arial"/>
+              <a:ea typeface="Arial"/>
+              <a:cs typeface="Arial"/>
+              <a:sym typeface="Arial"/>
             </a:endParaRPr>
           </a:p>
           <a:p>
-            <a:pPr indent="0" lvl="0" marL="0" rtl="0" algn="l">
-              <a:spcBef>
-                <a:spcPts val="0"/>
-              </a:spcBef>
-              <a:spcAft>
-                <a:spcPts val="0"/>
-              </a:spcAft>
+            <a:pPr indent="0" lvl="0" marL="0" marR="0" rtl="0" algn="l">
+              <a:lnSpc>
+                <a:spcPct val="100000"/>
+              </a:lnSpc>
+              <a:spcBef>
+                <a:spcPts val="0"/>
+              </a:spcBef>
+              <a:spcAft>
+                <a:spcPts val="0"/>
+              </a:spcAft>
+              <a:buClr>
+                <a:srgbClr val="000000"/>
+              </a:buClr>
+              <a:buSzPts val="1600"/>
+              <a:buFont typeface="Arial"/>
               <a:buNone/>
             </a:pPr>
             <a:r>
               <a:t/>
             </a:r>
-            <a:endParaRPr sz="1600">
+            <a:endParaRPr b="0" i="0" sz="1600" u="none" cap="none" strike="noStrike">
               <a:solidFill>
                 <a:srgbClr val="213163"/>
               </a:solidFill>
+              <a:latin typeface="Arial"/>
+              <a:ea typeface="Arial"/>
+              <a:cs typeface="Arial"/>
+              <a:sym typeface="Arial"/>
             </a:endParaRPr>
           </a:p>
           <a:p>
-            <a:pPr indent="0" lvl="0" marL="0" rtl="0" algn="l">
+            <a:pPr indent="0" lvl="0" marL="0" marR="0" rtl="0" algn="l">
+              <a:lnSpc>
+                <a:spcPct val="100000"/>
+              </a:lnSpc>
               <a:spcBef>
                 <a:spcPts val="0"/>
               </a:spcBef>
@@ -22218,10 +22846,14 @@
             <a:r>
               <a:t/>
             </a:r>
-            <a:endParaRPr b="1" sz="1600">
+            <a:endParaRPr b="1" i="0" sz="1600" u="none" cap="none" strike="noStrike">
               <a:solidFill>
                 <a:srgbClr val="213163"/>
               </a:solidFill>
+              <a:latin typeface="Arial"/>
+              <a:ea typeface="Arial"/>
+              <a:cs typeface="Arial"/>
+              <a:sym typeface="Arial"/>
             </a:endParaRPr>
           </a:p>
           <a:p>
@@ -22245,17 +22877,21 @@
             <a:r>
               <a:t/>
             </a:r>
-            <a:endParaRPr b="1" sz="1600">
+            <a:endParaRPr b="1" i="0" sz="1600" u="none" cap="none" strike="noStrike">
               <a:solidFill>
                 <a:srgbClr val="213163"/>
               </a:solidFill>
+              <a:latin typeface="Arial"/>
+              <a:ea typeface="Arial"/>
+              <a:cs typeface="Arial"/>
+              <a:sym typeface="Arial"/>
             </a:endParaRPr>
           </a:p>
         </p:txBody>
       </p:sp>
       <p:cxnSp>
         <p:nvCxnSpPr>
-          <p:cNvPr id="141" name="Google Shape;141;p43"/>
+          <p:cNvPr id="233" name="Google Shape;233;p8"/>
           <p:cNvCxnSpPr/>
           <p:nvPr/>
         </p:nvCxnSpPr>
@@ -22279,59 +22915,6 @@
           </a:ln>
         </p:spPr>
       </p:cxnSp>
-      <p:sp>
-        <p:nvSpPr>
-          <p:cNvPr id="142" name="Google Shape;142;p43"/>
-          <p:cNvSpPr txBox="1"/>
-          <p:nvPr/>
-        </p:nvSpPr>
-        <p:spPr>
-          <a:xfrm>
-            <a:off x="138635" y="4713100"/>
-            <a:ext cx="5976300" cy="322200"/>
-          </a:xfrm>
-          <a:prstGeom prst="rect">
-            <a:avLst/>
-          </a:prstGeom>
-          <a:noFill/>
-          <a:ln>
-            <a:noFill/>
-          </a:ln>
-        </p:spPr>
-        <p:txBody>
-          <a:bodyPr anchorCtr="0" anchor="t" bIns="91425" lIns="91425" spcFirstLastPara="1" rIns="91425" wrap="square" tIns="91425">
-            <a:noAutofit/>
-          </a:bodyPr>
-          <a:lstStyle/>
-          <a:p>
-            <a:pPr indent="0" lvl="0" marL="0" marR="0" rtl="0" algn="l">
-              <a:lnSpc>
-                <a:spcPct val="100000"/>
-              </a:lnSpc>
-              <a:spcBef>
-                <a:spcPts val="0"/>
-              </a:spcBef>
-              <a:spcAft>
-                <a:spcPts val="0"/>
-              </a:spcAft>
-              <a:buNone/>
-            </a:pPr>
-            <a:r>
-              <a:rPr b="0" i="0" lang="en" sz="1500" u="none" cap="none" strike="noStrike">
-                <a:solidFill>
-                  <a:schemeClr val="dk1"/>
-                </a:solidFill>
-                <a:latin typeface="Arial"/>
-                <a:ea typeface="Arial"/>
-                <a:cs typeface="Arial"/>
-                <a:sym typeface="Arial"/>
-              </a:rPr>
-              <a:t>Source : Arockia Jeba Santhiya A</a:t>
-            </a:r>
-            <a:endParaRPr sz="1900"/>
-          </a:p>
-        </p:txBody>
-      </p:sp>
     </p:spTree>
   </p:cSld>
   <p:clrMapOvr>
